--- a/resume-templates/template4/template4.pptx
+++ b/resume-templates/template4/template4.pptx
@@ -8,7 +8,7 @@
     <p:notesMasterId r:id="rId3"/>
   </p:notesMasterIdLst>
   <p:sldIdLst>
-    <p:sldId id="268" r:id="rId2"/>
+    <p:sldId id="259" r:id="rId2"/>
   </p:sldIdLst>
   <p:sldSz cx="7874000" cy="11137900"/>
   <p:notesSz cx="6858000" cy="9144000"/>
@@ -310,11 +310,6 @@
       </a:defRPr>
     </a:lvl9pPr>
   </p:defaultTextStyle>
-  <p:extLst>
-    <p:ext uri="{EFAFB233-063F-42B5-8137-9DF3F51BA10A}">
-      <p15:sldGuideLst xmlns:p15="http://schemas.microsoft.com/office/powerpoint/2012/main"/>
-    </p:ext>
-  </p:extLst>
 </p:presentation>
 </file>
 
@@ -476,6 +471,415 @@
 
 <file path=ppt/slideLayouts/slideLayout1.xml><?xml version="1.0" encoding="utf-8"?>
 <p:sldLayout xmlns:a="http://schemas.openxmlformats.org/drawingml/2006/main" xmlns:r="http://schemas.openxmlformats.org/officeDocument/2006/relationships" xmlns:p="http://schemas.openxmlformats.org/presentationml/2006/main" type="tx">
+  <p:cSld name="Заголовок и объект">
+    <p:spTree>
+      <p:nvGrpSpPr>
+        <p:cNvPr id="1" name=""/>
+        <p:cNvGrpSpPr/>
+        <p:nvPr/>
+      </p:nvGrpSpPr>
+      <p:grpSpPr>
+        <a:xfrm>
+          <a:off x="0" y="0"/>
+          <a:ext cx="0" cy="0"/>
+          <a:chOff x="0" y="0"/>
+          <a:chExt cx="0" cy="0"/>
+        </a:xfrm>
+      </p:grpSpPr>
+      <p:sp>
+        <p:nvSpPr>
+          <p:cNvPr id="20" name="Title Text"/>
+          <p:cNvSpPr txBox="1">
+            <a:spLocks noGrp="1"/>
+          </p:cNvSpPr>
+          <p:nvPr>
+            <p:ph type="title"/>
+          </p:nvPr>
+        </p:nvSpPr>
+        <p:spPr>
+          <a:prstGeom prst="rect">
+            <a:avLst/>
+          </a:prstGeom>
+        </p:spPr>
+        <p:txBody>
+          <a:bodyPr/>
+          <a:lstStyle/>
+          <a:p>
+            <a:r>
+              <a:t>Title Text</a:t>
+            </a:r>
+          </a:p>
+        </p:txBody>
+      </p:sp>
+      <p:sp>
+        <p:nvSpPr>
+          <p:cNvPr id="21" name="Body Level One…"/>
+          <p:cNvSpPr txBox="1">
+            <a:spLocks noGrp="1"/>
+          </p:cNvSpPr>
+          <p:nvPr>
+            <p:ph type="body" idx="1"/>
+          </p:nvPr>
+        </p:nvSpPr>
+        <p:spPr>
+          <a:prstGeom prst="rect">
+            <a:avLst/>
+          </a:prstGeom>
+        </p:spPr>
+        <p:txBody>
+          <a:bodyPr/>
+          <a:lstStyle/>
+          <a:p>
+            <a:r>
+              <a:t>Body Level One</a:t>
+            </a:r>
+          </a:p>
+          <a:p>
+            <a:pPr lvl="1"/>
+            <a:r>
+              <a:t>Body Level Two</a:t>
+            </a:r>
+          </a:p>
+          <a:p>
+            <a:pPr lvl="2"/>
+            <a:r>
+              <a:t>Body Level Three</a:t>
+            </a:r>
+          </a:p>
+          <a:p>
+            <a:pPr lvl="3"/>
+            <a:r>
+              <a:t>Body Level Four</a:t>
+            </a:r>
+          </a:p>
+          <a:p>
+            <a:pPr lvl="4"/>
+            <a:r>
+              <a:t>Body Level Five</a:t>
+            </a:r>
+          </a:p>
+        </p:txBody>
+      </p:sp>
+      <p:sp>
+        <p:nvSpPr>
+          <p:cNvPr id="22" name="01"/>
+          <p:cNvSpPr txBox="1">
+            <a:spLocks noGrp="1"/>
+          </p:cNvSpPr>
+          <p:nvPr>
+            <p:ph type="sldNum" sz="quarter" idx="2"/>
+          </p:nvPr>
+        </p:nvSpPr>
+        <p:spPr>
+          <a:prstGeom prst="rect">
+            <a:avLst/>
+          </a:prstGeom>
+        </p:spPr>
+        <p:txBody>
+          <a:bodyPr/>
+          <a:lstStyle/>
+          <a:p>
+            <a:fld id="{86CB4B4D-7CA3-9044-876B-883B54F8677D}" type="slidenum">
+              <a:t>‹#›</a:t>
+            </a:fld>
+            <a:endParaRPr/>
+          </a:p>
+        </p:txBody>
+      </p:sp>
+    </p:spTree>
+  </p:cSld>
+  <p:clrMapOvr>
+    <a:masterClrMapping/>
+  </p:clrMapOvr>
+  <p:transition spd="med"/>
+</p:sldLayout>
+</file>
+
+<file path=ppt/slideLayouts/slideLayout10.xml><?xml version="1.0" encoding="utf-8"?>
+<p:sldLayout xmlns:a="http://schemas.openxmlformats.org/drawingml/2006/main" xmlns:r="http://schemas.openxmlformats.org/officeDocument/2006/relationships" xmlns:p="http://schemas.openxmlformats.org/presentationml/2006/main" type="tx">
+  <p:cSld name="Заголовок и пункты">
+    <p:spTree>
+      <p:nvGrpSpPr>
+        <p:cNvPr id="1" name=""/>
+        <p:cNvGrpSpPr/>
+        <p:nvPr/>
+      </p:nvGrpSpPr>
+      <p:grpSpPr>
+        <a:xfrm>
+          <a:off x="0" y="0"/>
+          <a:ext cx="0" cy="0"/>
+          <a:chOff x="0" y="0"/>
+          <a:chExt cx="0" cy="0"/>
+        </a:xfrm>
+      </p:grpSpPr>
+      <p:sp>
+        <p:nvSpPr>
+          <p:cNvPr id="102" name="Body Level One…"/>
+          <p:cNvSpPr txBox="1">
+            <a:spLocks noGrp="1"/>
+          </p:cNvSpPr>
+          <p:nvPr>
+            <p:ph type="body" sz="quarter" idx="1" hasCustomPrompt="1"/>
+          </p:nvPr>
+        </p:nvSpPr>
+        <p:spPr>
+          <a:xfrm>
+            <a:off x="1301439" y="4698119"/>
+            <a:ext cx="5271122" cy="2768204"/>
+          </a:xfrm>
+          <a:prstGeom prst="rect">
+            <a:avLst/>
+          </a:prstGeom>
+        </p:spPr>
+        <p:txBody>
+          <a:bodyPr lIns="23068" tIns="23068" rIns="23068" bIns="23068"/>
+          <a:lstStyle>
+            <a:lvl1pPr marL="190500" indent="-190500" defTabSz="1980021">
+              <a:lnSpc>
+                <a:spcPct val="110000"/>
+              </a:lnSpc>
+              <a:spcBef>
+                <a:spcPts val="3600"/>
+              </a:spcBef>
+              <a:buSzPct val="123000"/>
+              <a:buFontTx/>
+              <a:defRPr sz="1500">
+                <a:latin typeface="+mn-lt"/>
+                <a:ea typeface="+mn-ea"/>
+                <a:cs typeface="+mn-cs"/>
+                <a:sym typeface="Helvetica"/>
+              </a:defRPr>
+            </a:lvl1pPr>
+            <a:lvl2pPr marL="571500" indent="-190500" defTabSz="1980021">
+              <a:lnSpc>
+                <a:spcPct val="110000"/>
+              </a:lnSpc>
+              <a:spcBef>
+                <a:spcPts val="3600"/>
+              </a:spcBef>
+              <a:buSzPct val="123000"/>
+              <a:buFontTx/>
+              <a:defRPr sz="1500">
+                <a:latin typeface="+mn-lt"/>
+                <a:ea typeface="+mn-ea"/>
+                <a:cs typeface="+mn-cs"/>
+                <a:sym typeface="Helvetica"/>
+              </a:defRPr>
+            </a:lvl2pPr>
+            <a:lvl3pPr marL="952500" indent="-190500" defTabSz="1980021">
+              <a:lnSpc>
+                <a:spcPct val="110000"/>
+              </a:lnSpc>
+              <a:spcBef>
+                <a:spcPts val="3600"/>
+              </a:spcBef>
+              <a:buSzPct val="123000"/>
+              <a:buFontTx/>
+              <a:defRPr sz="1500">
+                <a:latin typeface="+mn-lt"/>
+                <a:ea typeface="+mn-ea"/>
+                <a:cs typeface="+mn-cs"/>
+                <a:sym typeface="Helvetica"/>
+              </a:defRPr>
+            </a:lvl3pPr>
+            <a:lvl4pPr marL="1333500" indent="-190500" defTabSz="1980021">
+              <a:lnSpc>
+                <a:spcPct val="110000"/>
+              </a:lnSpc>
+              <a:spcBef>
+                <a:spcPts val="3600"/>
+              </a:spcBef>
+              <a:buSzPct val="123000"/>
+              <a:buFontTx/>
+              <a:defRPr sz="1500">
+                <a:latin typeface="+mn-lt"/>
+                <a:ea typeface="+mn-ea"/>
+                <a:cs typeface="+mn-cs"/>
+                <a:sym typeface="Helvetica"/>
+              </a:defRPr>
+            </a:lvl4pPr>
+            <a:lvl5pPr marL="1714500" indent="-190500" defTabSz="1980021">
+              <a:lnSpc>
+                <a:spcPct val="110000"/>
+              </a:lnSpc>
+              <a:spcBef>
+                <a:spcPts val="3600"/>
+              </a:spcBef>
+              <a:buSzPct val="123000"/>
+              <a:buFontTx/>
+              <a:defRPr sz="1500">
+                <a:latin typeface="+mn-lt"/>
+                <a:ea typeface="+mn-ea"/>
+                <a:cs typeface="+mn-cs"/>
+                <a:sym typeface="Helvetica"/>
+              </a:defRPr>
+            </a:lvl5pPr>
+          </a:lstStyle>
+          <a:p>
+            <a:r>
+              <a:t>Текст пункта на слайде</a:t>
+            </a:r>
+          </a:p>
+          <a:p>
+            <a:pPr lvl="1"/>
+            <a:endParaRPr/>
+          </a:p>
+          <a:p>
+            <a:pPr lvl="2"/>
+            <a:endParaRPr/>
+          </a:p>
+          <a:p>
+            <a:pPr lvl="3"/>
+            <a:endParaRPr/>
+          </a:p>
+          <a:p>
+            <a:pPr lvl="4"/>
+            <a:endParaRPr/>
+          </a:p>
+        </p:txBody>
+      </p:sp>
+      <p:sp>
+        <p:nvSpPr>
+          <p:cNvPr id="103" name="Подзаголовок слайда"/>
+          <p:cNvSpPr txBox="1">
+            <a:spLocks noGrp="1"/>
+          </p:cNvSpPr>
+          <p:nvPr>
+            <p:ph type="body" sz="quarter" idx="21" hasCustomPrompt="1"/>
+          </p:nvPr>
+        </p:nvSpPr>
+        <p:spPr>
+          <a:xfrm>
+            <a:off x="1301439" y="3996022"/>
+            <a:ext cx="5271122" cy="305067"/>
+          </a:xfrm>
+          <a:prstGeom prst="rect">
+            <a:avLst/>
+          </a:prstGeom>
+          <a:ln w="3175"/>
+        </p:spPr>
+        <p:txBody>
+          <a:bodyPr lIns="23068" tIns="23068" rIns="23068" bIns="23068"/>
+          <a:lstStyle>
+            <a:lvl1pPr marL="0" indent="0" defTabSz="315058">
+              <a:lnSpc>
+                <a:spcPct val="100000"/>
+              </a:lnSpc>
+              <a:spcBef>
+                <a:spcPts val="0"/>
+              </a:spcBef>
+              <a:buSzTx/>
+              <a:buFontTx/>
+              <a:buNone/>
+              <a:defRPr sz="1692" b="1">
+                <a:latin typeface="Helvetica Neue"/>
+                <a:ea typeface="Helvetica Neue"/>
+                <a:cs typeface="Helvetica Neue"/>
+                <a:sym typeface="Helvetica Neue"/>
+              </a:defRPr>
+            </a:lvl1pPr>
+          </a:lstStyle>
+          <a:p>
+            <a:r>
+              <a:t>Подзаголовок слайда</a:t>
+            </a:r>
+          </a:p>
+        </p:txBody>
+      </p:sp>
+      <p:sp>
+        <p:nvSpPr>
+          <p:cNvPr id="104" name="Заголовок слайда"/>
+          <p:cNvSpPr txBox="1">
+            <a:spLocks noGrp="1"/>
+          </p:cNvSpPr>
+          <p:nvPr>
+            <p:ph type="title" hasCustomPrompt="1"/>
+          </p:nvPr>
+        </p:nvSpPr>
+        <p:spPr>
+          <a:xfrm>
+            <a:off x="1301439" y="3554313"/>
+            <a:ext cx="5271122" cy="461368"/>
+          </a:xfrm>
+          <a:prstGeom prst="rect">
+            <a:avLst/>
+          </a:prstGeom>
+        </p:spPr>
+        <p:txBody>
+          <a:bodyPr lIns="23068" tIns="23068" rIns="23068" bIns="23068" anchor="t"/>
+          <a:lstStyle>
+            <a:lvl1pPr defTabSz="1980021">
+              <a:lnSpc>
+                <a:spcPct val="80000"/>
+              </a:lnSpc>
+              <a:defRPr sz="6200" b="1" spc="-124">
+                <a:latin typeface="Helvetica Neue"/>
+                <a:ea typeface="Helvetica Neue"/>
+                <a:cs typeface="Helvetica Neue"/>
+                <a:sym typeface="Helvetica Neue"/>
+              </a:defRPr>
+            </a:lvl1pPr>
+          </a:lstStyle>
+          <a:p>
+            <a:r>
+              <a:t>Заголовок слайда</a:t>
+            </a:r>
+          </a:p>
+        </p:txBody>
+      </p:sp>
+      <p:sp>
+        <p:nvSpPr>
+          <p:cNvPr id="105" name="01"/>
+          <p:cNvSpPr txBox="1">
+            <a:spLocks noGrp="1"/>
+          </p:cNvSpPr>
+          <p:nvPr>
+            <p:ph type="sldNum" sz="quarter" idx="2"/>
+          </p:nvPr>
+        </p:nvSpPr>
+        <p:spPr>
+          <a:xfrm>
+            <a:off x="3821309" y="7452169"/>
+            <a:ext cx="228306" cy="219670"/>
+          </a:xfrm>
+          <a:prstGeom prst="rect">
+            <a:avLst/>
+          </a:prstGeom>
+        </p:spPr>
+        <p:txBody>
+          <a:bodyPr lIns="23068" tIns="23068" rIns="23068" bIns="23068" anchor="b"/>
+          <a:lstStyle>
+            <a:lvl1pPr algn="ctr" defTabSz="667113">
+              <a:defRPr sz="1200">
+                <a:solidFill>
+                  <a:srgbClr val="000000"/>
+                </a:solidFill>
+                <a:latin typeface="Helvetica Neue"/>
+                <a:ea typeface="Helvetica Neue"/>
+                <a:cs typeface="Helvetica Neue"/>
+                <a:sym typeface="Helvetica Neue"/>
+              </a:defRPr>
+            </a:lvl1pPr>
+          </a:lstStyle>
+          <a:p>
+            <a:fld id="{86CB4B4D-7CA3-9044-876B-883B54F8677D}" type="slidenum">
+              <a:t>‹#›</a:t>
+            </a:fld>
+            <a:endParaRPr/>
+          </a:p>
+        </p:txBody>
+      </p:sp>
+    </p:spTree>
+  </p:cSld>
+  <p:clrMapOvr>
+    <a:masterClrMapping/>
+  </p:clrMapOvr>
+  <p:transition spd="med"/>
+</p:sldLayout>
+</file>
+
+<file path=ppt/slideLayouts/slideLayout2.xml><?xml version="1.0" encoding="utf-8"?>
+<p:sldLayout xmlns:a="http://schemas.openxmlformats.org/drawingml/2006/main" xmlns:r="http://schemas.openxmlformats.org/officeDocument/2006/relationships" xmlns:p="http://schemas.openxmlformats.org/presentationml/2006/main" type="tx">
   <p:cSld name="Заголовок раздела">
     <p:spTree>
       <p:nvGrpSpPr>
@@ -493,7 +897,7 @@
       </p:grpSpPr>
       <p:sp>
         <p:nvSpPr>
-          <p:cNvPr id="29" name="Текст заголовка"/>
+          <p:cNvPr id="29" name="Title Text"/>
           <p:cNvSpPr txBox="1">
             <a:spLocks noGrp="1"/>
           </p:cNvSpPr>
@@ -519,14 +923,14 @@
           </a:lstStyle>
           <a:p>
             <a:r>
-              <a:t>Текст заголовка</a:t>
+              <a:t>Title Text</a:t>
             </a:r>
           </a:p>
         </p:txBody>
       </p:sp>
       <p:sp>
         <p:nvSpPr>
-          <p:cNvPr id="30" name="Уровень текста 1…"/>
+          <p:cNvPr id="30" name="Body Level One…"/>
           <p:cNvSpPr txBox="1">
             <a:spLocks noGrp="1"/>
           </p:cNvSpPr>
@@ -579,38 +983,38 @@
           </a:lstStyle>
           <a:p>
             <a:r>
-              <a:t>Уровень текста 1</a:t>
+              <a:t>Body Level One</a:t>
             </a:r>
           </a:p>
           <a:p>
             <a:pPr lvl="1"/>
             <a:r>
-              <a:t>Уровень текста 2</a:t>
+              <a:t>Body Level Two</a:t>
             </a:r>
           </a:p>
           <a:p>
             <a:pPr lvl="2"/>
             <a:r>
-              <a:t>Уровень текста 3</a:t>
+              <a:t>Body Level Three</a:t>
             </a:r>
           </a:p>
           <a:p>
             <a:pPr lvl="3"/>
             <a:r>
-              <a:t>Уровень текста 4</a:t>
+              <a:t>Body Level Four</a:t>
             </a:r>
           </a:p>
           <a:p>
             <a:pPr lvl="4"/>
             <a:r>
-              <a:t>Уровень текста 5</a:t>
+              <a:t>Body Level Five</a:t>
             </a:r>
           </a:p>
         </p:txBody>
       </p:sp>
       <p:sp>
         <p:nvSpPr>
-          <p:cNvPr id="31" name="Номер слайда"/>
+          <p:cNvPr id="31" name="01"/>
           <p:cNvSpPr txBox="1">
             <a:spLocks noGrp="1"/>
           </p:cNvSpPr>
@@ -643,7 +1047,7 @@
 </p:sldLayout>
 </file>
 
-<file path=ppt/slideLayouts/slideLayout2.xml><?xml version="1.0" encoding="utf-8"?>
+<file path=ppt/slideLayouts/slideLayout3.xml><?xml version="1.0" encoding="utf-8"?>
 <p:sldLayout xmlns:a="http://schemas.openxmlformats.org/drawingml/2006/main" xmlns:r="http://schemas.openxmlformats.org/officeDocument/2006/relationships" xmlns:p="http://schemas.openxmlformats.org/presentationml/2006/main" type="tx">
   <p:cSld name="Два объекта">
     <p:spTree>
@@ -662,7 +1066,7 @@
       </p:grpSpPr>
       <p:sp>
         <p:nvSpPr>
-          <p:cNvPr id="38" name="Текст заголовка"/>
+          <p:cNvPr id="38" name="Title Text"/>
           <p:cNvSpPr txBox="1">
             <a:spLocks noGrp="1"/>
           </p:cNvSpPr>
@@ -680,14 +1084,14 @@
           <a:lstStyle/>
           <a:p>
             <a:r>
-              <a:t>Текст заголовка</a:t>
+              <a:t>Title Text</a:t>
             </a:r>
           </a:p>
         </p:txBody>
       </p:sp>
       <p:sp>
         <p:nvSpPr>
-          <p:cNvPr id="39" name="Уровень текста 1…"/>
+          <p:cNvPr id="39" name="Body Level One…"/>
           <p:cNvSpPr txBox="1">
             <a:spLocks noGrp="1"/>
           </p:cNvSpPr>
@@ -709,38 +1113,38 @@
           <a:lstStyle/>
           <a:p>
             <a:r>
-              <a:t>Уровень текста 1</a:t>
+              <a:t>Body Level One</a:t>
             </a:r>
           </a:p>
           <a:p>
             <a:pPr lvl="1"/>
             <a:r>
-              <a:t>Уровень текста 2</a:t>
+              <a:t>Body Level Two</a:t>
             </a:r>
           </a:p>
           <a:p>
             <a:pPr lvl="2"/>
             <a:r>
-              <a:t>Уровень текста 3</a:t>
+              <a:t>Body Level Three</a:t>
             </a:r>
           </a:p>
           <a:p>
             <a:pPr lvl="3"/>
             <a:r>
-              <a:t>Уровень текста 4</a:t>
+              <a:t>Body Level Four</a:t>
             </a:r>
           </a:p>
           <a:p>
             <a:pPr lvl="4"/>
             <a:r>
-              <a:t>Уровень текста 5</a:t>
+              <a:t>Body Level Five</a:t>
             </a:r>
           </a:p>
         </p:txBody>
       </p:sp>
       <p:sp>
         <p:nvSpPr>
-          <p:cNvPr id="40" name="Номер слайда"/>
+          <p:cNvPr id="40" name="01"/>
           <p:cNvSpPr txBox="1">
             <a:spLocks noGrp="1"/>
           </p:cNvSpPr>
@@ -773,7 +1177,7 @@
 </p:sldLayout>
 </file>
 
-<file path=ppt/slideLayouts/slideLayout3.xml><?xml version="1.0" encoding="utf-8"?>
+<file path=ppt/slideLayouts/slideLayout4.xml><?xml version="1.0" encoding="utf-8"?>
 <p:sldLayout xmlns:a="http://schemas.openxmlformats.org/drawingml/2006/main" xmlns:r="http://schemas.openxmlformats.org/officeDocument/2006/relationships" xmlns:p="http://schemas.openxmlformats.org/presentationml/2006/main" type="tx">
   <p:cSld name="Сравнение">
     <p:spTree>
@@ -792,7 +1196,7 @@
       </p:grpSpPr>
       <p:sp>
         <p:nvSpPr>
-          <p:cNvPr id="47" name="Текст заголовка"/>
+          <p:cNvPr id="47" name="Title Text"/>
           <p:cNvSpPr txBox="1">
             <a:spLocks noGrp="1"/>
           </p:cNvSpPr>
@@ -814,14 +1218,14 @@
           <a:lstStyle/>
           <a:p>
             <a:r>
-              <a:t>Текст заголовка</a:t>
+              <a:t>Title Text</a:t>
             </a:r>
           </a:p>
         </p:txBody>
       </p:sp>
       <p:sp>
         <p:nvSpPr>
-          <p:cNvPr id="48" name="Уровень текста 1…"/>
+          <p:cNvPr id="48" name="Body Level One…"/>
           <p:cNvSpPr txBox="1">
             <a:spLocks noGrp="1"/>
           </p:cNvSpPr>
@@ -874,31 +1278,31 @@
           </a:lstStyle>
           <a:p>
             <a:r>
-              <a:t>Уровень текста 1</a:t>
+              <a:t>Body Level One</a:t>
             </a:r>
           </a:p>
           <a:p>
             <a:pPr lvl="1"/>
             <a:r>
-              <a:t>Уровень текста 2</a:t>
+              <a:t>Body Level Two</a:t>
             </a:r>
           </a:p>
           <a:p>
             <a:pPr lvl="2"/>
             <a:r>
-              <a:t>Уровень текста 3</a:t>
+              <a:t>Body Level Three</a:t>
             </a:r>
           </a:p>
           <a:p>
             <a:pPr lvl="3"/>
             <a:r>
-              <a:t>Уровень текста 4</a:t>
+              <a:t>Body Level Four</a:t>
             </a:r>
           </a:p>
           <a:p>
             <a:pPr lvl="4"/>
             <a:r>
-              <a:t>Уровень текста 5</a:t>
+              <a:t>Body Level Five</a:t>
             </a:r>
           </a:p>
         </p:txBody>
@@ -938,7 +1342,7 @@
       </p:sp>
       <p:sp>
         <p:nvSpPr>
-          <p:cNvPr id="50" name="Номер слайда"/>
+          <p:cNvPr id="50" name="01"/>
           <p:cNvSpPr txBox="1">
             <a:spLocks noGrp="1"/>
           </p:cNvSpPr>
@@ -971,7 +1375,7 @@
 </p:sldLayout>
 </file>
 
-<file path=ppt/slideLayouts/slideLayout4.xml><?xml version="1.0" encoding="utf-8"?>
+<file path=ppt/slideLayouts/slideLayout5.xml><?xml version="1.0" encoding="utf-8"?>
 <p:sldLayout xmlns:a="http://schemas.openxmlformats.org/drawingml/2006/main" xmlns:r="http://schemas.openxmlformats.org/officeDocument/2006/relationships" xmlns:p="http://schemas.openxmlformats.org/presentationml/2006/main" type="tx">
   <p:cSld name="Только заголовок">
     <p:spTree>
@@ -990,7 +1394,7 @@
       </p:grpSpPr>
       <p:sp>
         <p:nvSpPr>
-          <p:cNvPr id="57" name="Текст заголовка"/>
+          <p:cNvPr id="57" name="Title Text"/>
           <p:cNvSpPr txBox="1">
             <a:spLocks noGrp="1"/>
           </p:cNvSpPr>
@@ -1008,14 +1412,14 @@
           <a:lstStyle/>
           <a:p>
             <a:r>
-              <a:t>Текст заголовка</a:t>
+              <a:t>Title Text</a:t>
             </a:r>
           </a:p>
         </p:txBody>
       </p:sp>
       <p:sp>
         <p:nvSpPr>
-          <p:cNvPr id="58" name="Номер слайда"/>
+          <p:cNvPr id="58" name="01"/>
           <p:cNvSpPr txBox="1">
             <a:spLocks noGrp="1"/>
           </p:cNvSpPr>
@@ -1048,7 +1452,7 @@
 </p:sldLayout>
 </file>
 
-<file path=ppt/slideLayouts/slideLayout5.xml><?xml version="1.0" encoding="utf-8"?>
+<file path=ppt/slideLayouts/slideLayout6.xml><?xml version="1.0" encoding="utf-8"?>
 <p:sldLayout xmlns:a="http://schemas.openxmlformats.org/drawingml/2006/main" xmlns:r="http://schemas.openxmlformats.org/officeDocument/2006/relationships" xmlns:p="http://schemas.openxmlformats.org/presentationml/2006/main" type="tx">
   <p:cSld name="Пустой слайд">
     <p:spTree>
@@ -1067,7 +1471,7 @@
       </p:grpSpPr>
       <p:sp>
         <p:nvSpPr>
-          <p:cNvPr id="65" name="Номер слайда"/>
+          <p:cNvPr id="65" name="01"/>
           <p:cNvSpPr txBox="1">
             <a:spLocks noGrp="1"/>
           </p:cNvSpPr>
@@ -1100,7 +1504,7 @@
 </p:sldLayout>
 </file>
 
-<file path=ppt/slideLayouts/slideLayout6.xml><?xml version="1.0" encoding="utf-8"?>
+<file path=ppt/slideLayouts/slideLayout7.xml><?xml version="1.0" encoding="utf-8"?>
 <p:sldLayout xmlns:a="http://schemas.openxmlformats.org/drawingml/2006/main" xmlns:r="http://schemas.openxmlformats.org/officeDocument/2006/relationships" xmlns:p="http://schemas.openxmlformats.org/presentationml/2006/main" type="tx">
   <p:cSld name="Объект с подписью">
     <p:spTree>
@@ -1119,7 +1523,7 @@
       </p:grpSpPr>
       <p:sp>
         <p:nvSpPr>
-          <p:cNvPr id="72" name="Текст заголовка"/>
+          <p:cNvPr id="72" name="Title Text"/>
           <p:cNvSpPr txBox="1">
             <a:spLocks noGrp="1"/>
           </p:cNvSpPr>
@@ -1145,14 +1549,14 @@
           </a:lstStyle>
           <a:p>
             <a:r>
-              <a:t>Текст заголовка</a:t>
+              <a:t>Title Text</a:t>
             </a:r>
           </a:p>
         </p:txBody>
       </p:sp>
       <p:sp>
         <p:nvSpPr>
-          <p:cNvPr id="73" name="Уровень текста 1…"/>
+          <p:cNvPr id="73" name="Body Level One…"/>
           <p:cNvSpPr txBox="1">
             <a:spLocks noGrp="1"/>
           </p:cNvSpPr>
@@ -1190,31 +1594,31 @@
           </a:lstStyle>
           <a:p>
             <a:r>
-              <a:t>Уровень текста 1</a:t>
+              <a:t>Body Level One</a:t>
             </a:r>
           </a:p>
           <a:p>
             <a:pPr lvl="1"/>
             <a:r>
-              <a:t>Уровень текста 2</a:t>
+              <a:t>Body Level Two</a:t>
             </a:r>
           </a:p>
           <a:p>
             <a:pPr lvl="2"/>
             <a:r>
-              <a:t>Уровень текста 3</a:t>
+              <a:t>Body Level Three</a:t>
             </a:r>
           </a:p>
           <a:p>
             <a:pPr lvl="3"/>
             <a:r>
-              <a:t>Уровень текста 4</a:t>
+              <a:t>Body Level Four</a:t>
             </a:r>
           </a:p>
           <a:p>
             <a:pPr lvl="4"/>
             <a:r>
-              <a:t>Уровень текста 5</a:t>
+              <a:t>Body Level Five</a:t>
             </a:r>
           </a:p>
         </p:txBody>
@@ -1254,7 +1658,7 @@
       </p:sp>
       <p:sp>
         <p:nvSpPr>
-          <p:cNvPr id="75" name="Номер слайда"/>
+          <p:cNvPr id="75" name="01"/>
           <p:cNvSpPr txBox="1">
             <a:spLocks noGrp="1"/>
           </p:cNvSpPr>
@@ -1287,7 +1691,7 @@
 </p:sldLayout>
 </file>
 
-<file path=ppt/slideLayouts/slideLayout7.xml><?xml version="1.0" encoding="utf-8"?>
+<file path=ppt/slideLayouts/slideLayout8.xml><?xml version="1.0" encoding="utf-8"?>
 <p:sldLayout xmlns:a="http://schemas.openxmlformats.org/drawingml/2006/main" xmlns:r="http://schemas.openxmlformats.org/officeDocument/2006/relationships" xmlns:p="http://schemas.openxmlformats.org/presentationml/2006/main" type="tx">
   <p:cSld name="Рисунок с подписью">
     <p:spTree>
@@ -1306,7 +1710,7 @@
       </p:grpSpPr>
       <p:sp>
         <p:nvSpPr>
-          <p:cNvPr id="82" name="Текст заголовка"/>
+          <p:cNvPr id="82" name="Title Text"/>
           <p:cNvSpPr txBox="1">
             <a:spLocks noGrp="1"/>
           </p:cNvSpPr>
@@ -1332,7 +1736,7 @@
           </a:lstStyle>
           <a:p>
             <a:r>
-              <a:t>Текст заголовка</a:t>
+              <a:t>Title Text</a:t>
             </a:r>
           </a:p>
         </p:txBody>
@@ -1368,7 +1772,7 @@
       </p:sp>
       <p:sp>
         <p:nvSpPr>
-          <p:cNvPr id="84" name="Уровень текста 1…"/>
+          <p:cNvPr id="84" name="Body Level One…"/>
           <p:cNvSpPr txBox="1">
             <a:spLocks noGrp="1"/>
           </p:cNvSpPr>
@@ -1421,38 +1825,38 @@
           </a:lstStyle>
           <a:p>
             <a:r>
-              <a:t>Уровень текста 1</a:t>
+              <a:t>Body Level One</a:t>
             </a:r>
           </a:p>
           <a:p>
             <a:pPr lvl="1"/>
             <a:r>
-              <a:t>Уровень текста 2</a:t>
+              <a:t>Body Level Two</a:t>
             </a:r>
           </a:p>
           <a:p>
             <a:pPr lvl="2"/>
             <a:r>
-              <a:t>Уровень текста 3</a:t>
+              <a:t>Body Level Three</a:t>
             </a:r>
           </a:p>
           <a:p>
             <a:pPr lvl="3"/>
             <a:r>
-              <a:t>Уровень текста 4</a:t>
+              <a:t>Body Level Four</a:t>
             </a:r>
           </a:p>
           <a:p>
             <a:pPr lvl="4"/>
             <a:r>
-              <a:t>Уровень текста 5</a:t>
+              <a:t>Body Level Five</a:t>
             </a:r>
           </a:p>
         </p:txBody>
       </p:sp>
       <p:sp>
         <p:nvSpPr>
-          <p:cNvPr id="85" name="Номер слайда"/>
+          <p:cNvPr id="85" name="01"/>
           <p:cNvSpPr txBox="1">
             <a:spLocks noGrp="1"/>
           </p:cNvSpPr>
@@ -1485,7 +1889,7 @@
 </p:sldLayout>
 </file>
 
-<file path=ppt/slideLayouts/slideLayout8.xml><?xml version="1.0" encoding="utf-8"?>
+<file path=ppt/slideLayouts/slideLayout9.xml><?xml version="1.0" encoding="utf-8"?>
 <p:sldLayout xmlns:a="http://schemas.openxmlformats.org/drawingml/2006/main" xmlns:r="http://schemas.openxmlformats.org/officeDocument/2006/relationships" xmlns:p="http://schemas.openxmlformats.org/presentationml/2006/main" type="tx">
   <p:cSld name="Заголовок и пункты">
     <p:spTree>
@@ -1504,7 +1908,7 @@
       </p:grpSpPr>
       <p:sp>
         <p:nvSpPr>
-          <p:cNvPr id="92" name="Уровень текста 1…"/>
+          <p:cNvPr id="92" name="Body Level One…"/>
           <p:cNvSpPr txBox="1">
             <a:spLocks noGrp="1"/>
           </p:cNvSpPr>
@@ -1534,10 +1938,10 @@
               <a:buSzPct val="123000"/>
               <a:buFontTx/>
               <a:defRPr sz="1200">
-                <a:latin typeface="Roboto Light"/>
-                <a:ea typeface="Roboto Light"/>
-                <a:cs typeface="Roboto Light"/>
-                <a:sym typeface="Roboto Light"/>
+                <a:latin typeface="+mn-lt"/>
+                <a:ea typeface="+mn-ea"/>
+                <a:cs typeface="+mn-cs"/>
+                <a:sym typeface="Helvetica"/>
               </a:defRPr>
             </a:lvl1pPr>
             <a:lvl2pPr marL="533400" indent="-152400" defTabSz="1980021">
@@ -1550,10 +1954,10 @@
               <a:buSzPct val="123000"/>
               <a:buFontTx/>
               <a:defRPr sz="1200">
-                <a:latin typeface="Roboto Light"/>
-                <a:ea typeface="Roboto Light"/>
-                <a:cs typeface="Roboto Light"/>
-                <a:sym typeface="Roboto Light"/>
+                <a:latin typeface="+mn-lt"/>
+                <a:ea typeface="+mn-ea"/>
+                <a:cs typeface="+mn-cs"/>
+                <a:sym typeface="Helvetica"/>
               </a:defRPr>
             </a:lvl2pPr>
             <a:lvl3pPr marL="914400" indent="-152400" defTabSz="1980021">
@@ -1566,10 +1970,10 @@
               <a:buSzPct val="123000"/>
               <a:buFontTx/>
               <a:defRPr sz="1200">
-                <a:latin typeface="Roboto Light"/>
-                <a:ea typeface="Roboto Light"/>
-                <a:cs typeface="Roboto Light"/>
-                <a:sym typeface="Roboto Light"/>
+                <a:latin typeface="+mn-lt"/>
+                <a:ea typeface="+mn-ea"/>
+                <a:cs typeface="+mn-cs"/>
+                <a:sym typeface="Helvetica"/>
               </a:defRPr>
             </a:lvl3pPr>
             <a:lvl4pPr marL="1295400" indent="-152400" defTabSz="1980021">
@@ -1582,10 +1986,10 @@
               <a:buSzPct val="123000"/>
               <a:buFontTx/>
               <a:defRPr sz="1200">
-                <a:latin typeface="Roboto Light"/>
-                <a:ea typeface="Roboto Light"/>
-                <a:cs typeface="Roboto Light"/>
-                <a:sym typeface="Roboto Light"/>
+                <a:latin typeface="+mn-lt"/>
+                <a:ea typeface="+mn-ea"/>
+                <a:cs typeface="+mn-cs"/>
+                <a:sym typeface="Helvetica"/>
               </a:defRPr>
             </a:lvl4pPr>
             <a:lvl5pPr marL="1676400" indent="-152400" defTabSz="1980021">
@@ -1598,10 +2002,10 @@
               <a:buSzPct val="123000"/>
               <a:buFontTx/>
               <a:defRPr sz="1200">
-                <a:latin typeface="Roboto Light"/>
-                <a:ea typeface="Roboto Light"/>
-                <a:cs typeface="Roboto Light"/>
-                <a:sym typeface="Roboto Light"/>
+                <a:latin typeface="+mn-lt"/>
+                <a:ea typeface="+mn-ea"/>
+                <a:cs typeface="+mn-cs"/>
+                <a:sym typeface="Helvetica"/>
               </a:defRPr>
             </a:lvl5pPr>
           </a:lstStyle>
@@ -1719,7 +2123,7 @@
       </p:sp>
       <p:sp>
         <p:nvSpPr>
-          <p:cNvPr id="95" name="Номер слайда"/>
+          <p:cNvPr id="95" name="01"/>
           <p:cNvSpPr txBox="1">
             <a:spLocks noGrp="1"/>
           </p:cNvSpPr>
@@ -1741,289 +2145,6 @@
           <a:lstStyle>
             <a:lvl1pPr algn="ctr" defTabSz="667113">
               <a:defRPr sz="1100">
-                <a:solidFill>
-                  <a:srgbClr val="000000"/>
-                </a:solidFill>
-                <a:latin typeface="Helvetica Neue"/>
-                <a:ea typeface="Helvetica Neue"/>
-                <a:cs typeface="Helvetica Neue"/>
-                <a:sym typeface="Helvetica Neue"/>
-              </a:defRPr>
-            </a:lvl1pPr>
-          </a:lstStyle>
-          <a:p>
-            <a:fld id="{86CB4B4D-7CA3-9044-876B-883B54F8677D}" type="slidenum">
-              <a:t>‹#›</a:t>
-            </a:fld>
-            <a:endParaRPr/>
-          </a:p>
-        </p:txBody>
-      </p:sp>
-    </p:spTree>
-  </p:cSld>
-  <p:clrMapOvr>
-    <a:masterClrMapping/>
-  </p:clrMapOvr>
-  <p:transition spd="med"/>
-</p:sldLayout>
-</file>
-
-<file path=ppt/slideLayouts/slideLayout9.xml><?xml version="1.0" encoding="utf-8"?>
-<p:sldLayout xmlns:a="http://schemas.openxmlformats.org/drawingml/2006/main" xmlns:r="http://schemas.openxmlformats.org/officeDocument/2006/relationships" xmlns:p="http://schemas.openxmlformats.org/presentationml/2006/main" type="tx">
-  <p:cSld name="Заголовок и пункты">
-    <p:spTree>
-      <p:nvGrpSpPr>
-        <p:cNvPr id="1" name=""/>
-        <p:cNvGrpSpPr/>
-        <p:nvPr/>
-      </p:nvGrpSpPr>
-      <p:grpSpPr>
-        <a:xfrm>
-          <a:off x="0" y="0"/>
-          <a:ext cx="0" cy="0"/>
-          <a:chOff x="0" y="0"/>
-          <a:chExt cx="0" cy="0"/>
-        </a:xfrm>
-      </p:grpSpPr>
-      <p:sp>
-        <p:nvSpPr>
-          <p:cNvPr id="102" name="Уровень текста 1…"/>
-          <p:cNvSpPr txBox="1">
-            <a:spLocks noGrp="1"/>
-          </p:cNvSpPr>
-          <p:nvPr>
-            <p:ph type="body" sz="quarter" idx="1" hasCustomPrompt="1"/>
-          </p:nvPr>
-        </p:nvSpPr>
-        <p:spPr>
-          <a:xfrm>
-            <a:off x="1301439" y="4698119"/>
-            <a:ext cx="5271122" cy="2768204"/>
-          </a:xfrm>
-          <a:prstGeom prst="rect">
-            <a:avLst/>
-          </a:prstGeom>
-        </p:spPr>
-        <p:txBody>
-          <a:bodyPr lIns="23068" tIns="23068" rIns="23068" bIns="23068"/>
-          <a:lstStyle>
-            <a:lvl1pPr marL="190500" indent="-190500" defTabSz="1980021">
-              <a:lnSpc>
-                <a:spcPct val="110000"/>
-              </a:lnSpc>
-              <a:spcBef>
-                <a:spcPts val="3600"/>
-              </a:spcBef>
-              <a:buSzPct val="123000"/>
-              <a:buFontTx/>
-              <a:defRPr sz="1500">
-                <a:latin typeface="Roboto Light"/>
-                <a:ea typeface="Roboto Light"/>
-                <a:cs typeface="Roboto Light"/>
-                <a:sym typeface="Roboto Light"/>
-              </a:defRPr>
-            </a:lvl1pPr>
-            <a:lvl2pPr marL="571500" indent="-190500" defTabSz="1980021">
-              <a:lnSpc>
-                <a:spcPct val="110000"/>
-              </a:lnSpc>
-              <a:spcBef>
-                <a:spcPts val="3600"/>
-              </a:spcBef>
-              <a:buSzPct val="123000"/>
-              <a:buFontTx/>
-              <a:defRPr sz="1500">
-                <a:latin typeface="Roboto Light"/>
-                <a:ea typeface="Roboto Light"/>
-                <a:cs typeface="Roboto Light"/>
-                <a:sym typeface="Roboto Light"/>
-              </a:defRPr>
-            </a:lvl2pPr>
-            <a:lvl3pPr marL="952500" indent="-190500" defTabSz="1980021">
-              <a:lnSpc>
-                <a:spcPct val="110000"/>
-              </a:lnSpc>
-              <a:spcBef>
-                <a:spcPts val="3600"/>
-              </a:spcBef>
-              <a:buSzPct val="123000"/>
-              <a:buFontTx/>
-              <a:defRPr sz="1500">
-                <a:latin typeface="Roboto Light"/>
-                <a:ea typeface="Roboto Light"/>
-                <a:cs typeface="Roboto Light"/>
-                <a:sym typeface="Roboto Light"/>
-              </a:defRPr>
-            </a:lvl3pPr>
-            <a:lvl4pPr marL="1333500" indent="-190500" defTabSz="1980021">
-              <a:lnSpc>
-                <a:spcPct val="110000"/>
-              </a:lnSpc>
-              <a:spcBef>
-                <a:spcPts val="3600"/>
-              </a:spcBef>
-              <a:buSzPct val="123000"/>
-              <a:buFontTx/>
-              <a:defRPr sz="1500">
-                <a:latin typeface="Roboto Light"/>
-                <a:ea typeface="Roboto Light"/>
-                <a:cs typeface="Roboto Light"/>
-                <a:sym typeface="Roboto Light"/>
-              </a:defRPr>
-            </a:lvl4pPr>
-            <a:lvl5pPr marL="1714500" indent="-190500" defTabSz="1980021">
-              <a:lnSpc>
-                <a:spcPct val="110000"/>
-              </a:lnSpc>
-              <a:spcBef>
-                <a:spcPts val="3600"/>
-              </a:spcBef>
-              <a:buSzPct val="123000"/>
-              <a:buFontTx/>
-              <a:defRPr sz="1500">
-                <a:latin typeface="Roboto Light"/>
-                <a:ea typeface="Roboto Light"/>
-                <a:cs typeface="Roboto Light"/>
-                <a:sym typeface="Roboto Light"/>
-              </a:defRPr>
-            </a:lvl5pPr>
-          </a:lstStyle>
-          <a:p>
-            <a:r>
-              <a:t>Текст пункта на слайде</a:t>
-            </a:r>
-          </a:p>
-          <a:p>
-            <a:pPr lvl="1"/>
-            <a:endParaRPr/>
-          </a:p>
-          <a:p>
-            <a:pPr lvl="2"/>
-            <a:endParaRPr/>
-          </a:p>
-          <a:p>
-            <a:pPr lvl="3"/>
-            <a:endParaRPr/>
-          </a:p>
-          <a:p>
-            <a:pPr lvl="4"/>
-            <a:endParaRPr/>
-          </a:p>
-        </p:txBody>
-      </p:sp>
-      <p:sp>
-        <p:nvSpPr>
-          <p:cNvPr id="103" name="Подзаголовок слайда"/>
-          <p:cNvSpPr txBox="1">
-            <a:spLocks noGrp="1"/>
-          </p:cNvSpPr>
-          <p:nvPr>
-            <p:ph type="body" sz="quarter" idx="21" hasCustomPrompt="1"/>
-          </p:nvPr>
-        </p:nvSpPr>
-        <p:spPr>
-          <a:xfrm>
-            <a:off x="1301439" y="3996022"/>
-            <a:ext cx="5271122" cy="305067"/>
-          </a:xfrm>
-          <a:prstGeom prst="rect">
-            <a:avLst/>
-          </a:prstGeom>
-          <a:ln w="3175"/>
-        </p:spPr>
-        <p:txBody>
-          <a:bodyPr lIns="23068" tIns="23068" rIns="23068" bIns="23068"/>
-          <a:lstStyle>
-            <a:lvl1pPr marL="0" indent="0" defTabSz="315058">
-              <a:lnSpc>
-                <a:spcPct val="100000"/>
-              </a:lnSpc>
-              <a:spcBef>
-                <a:spcPts val="0"/>
-              </a:spcBef>
-              <a:buSzTx/>
-              <a:buFontTx/>
-              <a:buNone/>
-              <a:defRPr sz="1692" b="1">
-                <a:latin typeface="Helvetica Neue"/>
-                <a:ea typeface="Helvetica Neue"/>
-                <a:cs typeface="Helvetica Neue"/>
-                <a:sym typeface="Helvetica Neue"/>
-              </a:defRPr>
-            </a:lvl1pPr>
-          </a:lstStyle>
-          <a:p>
-            <a:r>
-              <a:t>Подзаголовок слайда</a:t>
-            </a:r>
-          </a:p>
-        </p:txBody>
-      </p:sp>
-      <p:sp>
-        <p:nvSpPr>
-          <p:cNvPr id="104" name="Заголовок слайда"/>
-          <p:cNvSpPr txBox="1">
-            <a:spLocks noGrp="1"/>
-          </p:cNvSpPr>
-          <p:nvPr>
-            <p:ph type="title" hasCustomPrompt="1"/>
-          </p:nvPr>
-        </p:nvSpPr>
-        <p:spPr>
-          <a:xfrm>
-            <a:off x="1301439" y="3554313"/>
-            <a:ext cx="5271122" cy="461368"/>
-          </a:xfrm>
-          <a:prstGeom prst="rect">
-            <a:avLst/>
-          </a:prstGeom>
-        </p:spPr>
-        <p:txBody>
-          <a:bodyPr lIns="23068" tIns="23068" rIns="23068" bIns="23068" anchor="t"/>
-          <a:lstStyle>
-            <a:lvl1pPr defTabSz="1980021">
-              <a:lnSpc>
-                <a:spcPct val="80000"/>
-              </a:lnSpc>
-              <a:defRPr sz="6200" b="1" spc="-124">
-                <a:latin typeface="Helvetica Neue"/>
-                <a:ea typeface="Helvetica Neue"/>
-                <a:cs typeface="Helvetica Neue"/>
-                <a:sym typeface="Helvetica Neue"/>
-              </a:defRPr>
-            </a:lvl1pPr>
-          </a:lstStyle>
-          <a:p>
-            <a:r>
-              <a:t>Заголовок слайда</a:t>
-            </a:r>
-          </a:p>
-        </p:txBody>
-      </p:sp>
-      <p:sp>
-        <p:nvSpPr>
-          <p:cNvPr id="105" name="Номер слайда"/>
-          <p:cNvSpPr txBox="1">
-            <a:spLocks noGrp="1"/>
-          </p:cNvSpPr>
-          <p:nvPr>
-            <p:ph type="sldNum" sz="quarter" idx="2"/>
-          </p:nvPr>
-        </p:nvSpPr>
-        <p:spPr>
-          <a:xfrm>
-            <a:off x="3821309" y="7452169"/>
-            <a:ext cx="228306" cy="219670"/>
-          </a:xfrm>
-          <a:prstGeom prst="rect">
-            <a:avLst/>
-          </a:prstGeom>
-        </p:spPr>
-        <p:txBody>
-          <a:bodyPr lIns="23068" tIns="23068" rIns="23068" bIns="23068" anchor="b"/>
-          <a:lstStyle>
-            <a:lvl1pPr algn="ctr" defTabSz="667113">
-              <a:defRPr sz="1200">
                 <a:solidFill>
                   <a:srgbClr val="000000"/>
                 </a:solidFill>
@@ -2078,7 +2199,7 @@
       </p:grpSpPr>
       <p:sp>
         <p:nvSpPr>
-          <p:cNvPr id="2" name="Текст заголовка"/>
+          <p:cNvPr id="2" name="Title Text"/>
           <p:cNvSpPr txBox="1">
             <a:spLocks noGrp="1"/>
           </p:cNvSpPr>
@@ -2099,7 +2220,7 @@
           </a:ln>
           <a:extLst>
             <a:ext uri="{C572A759-6A51-4108-AA02-DFA0A04FC94B}">
-              <ma14:wrappingTextBoxFlag xmlns="" xmlns:m="http://schemas.openxmlformats.org/officeDocument/2006/math" xmlns:a14="http://schemas.microsoft.com/office/drawing/2010/main" xmlns:ma14="http://schemas.microsoft.com/office/mac/drawingml/2011/main" val="1"/>
+              <ma14:wrappingTextBoxFlag xmlns:ma14="http://schemas.microsoft.com/office/mac/drawingml/2011/main" xmlns:a14="http://schemas.microsoft.com/office/drawing/2010/main" xmlns:m="http://schemas.openxmlformats.org/officeDocument/2006/math" xmlns="" val="1"/>
             </a:ext>
           </a:extLst>
         </p:spPr>
@@ -2110,14 +2231,14 @@
           <a:lstStyle/>
           <a:p>
             <a:r>
-              <a:t>Текст заголовка</a:t>
+              <a:t>Title Text</a:t>
             </a:r>
           </a:p>
         </p:txBody>
       </p:sp>
       <p:sp>
         <p:nvSpPr>
-          <p:cNvPr id="3" name="Уровень текста 1…"/>
+          <p:cNvPr id="3" name="Body Level One…"/>
           <p:cNvSpPr txBox="1">
             <a:spLocks noGrp="1"/>
           </p:cNvSpPr>
@@ -2138,7 +2259,7 @@
           </a:ln>
           <a:extLst>
             <a:ext uri="{C572A759-6A51-4108-AA02-DFA0A04FC94B}">
-              <ma14:wrappingTextBoxFlag xmlns="" xmlns:m="http://schemas.openxmlformats.org/officeDocument/2006/math" xmlns:a14="http://schemas.microsoft.com/office/drawing/2010/main" xmlns:ma14="http://schemas.microsoft.com/office/mac/drawingml/2011/main" val="1"/>
+              <ma14:wrappingTextBoxFlag xmlns:ma14="http://schemas.microsoft.com/office/mac/drawingml/2011/main" xmlns:a14="http://schemas.microsoft.com/office/drawing/2010/main" xmlns:m="http://schemas.openxmlformats.org/officeDocument/2006/math" xmlns="" val="1"/>
             </a:ext>
           </a:extLst>
         </p:spPr>
@@ -2149,38 +2270,38 @@
           <a:lstStyle/>
           <a:p>
             <a:r>
-              <a:t>Уровень текста 1</a:t>
+              <a:t>Body Level One</a:t>
             </a:r>
           </a:p>
           <a:p>
             <a:pPr lvl="1"/>
             <a:r>
-              <a:t>Уровень текста 2</a:t>
+              <a:t>Body Level Two</a:t>
             </a:r>
           </a:p>
           <a:p>
             <a:pPr lvl="2"/>
             <a:r>
-              <a:t>Уровень текста 3</a:t>
+              <a:t>Body Level Three</a:t>
             </a:r>
           </a:p>
           <a:p>
             <a:pPr lvl="3"/>
             <a:r>
-              <a:t>Уровень текста 4</a:t>
+              <a:t>Body Level Four</a:t>
             </a:r>
           </a:p>
           <a:p>
             <a:pPr lvl="4"/>
             <a:r>
-              <a:t>Уровень текста 5</a:t>
+              <a:t>Body Level Five</a:t>
             </a:r>
           </a:p>
         </p:txBody>
       </p:sp>
       <p:sp>
         <p:nvSpPr>
-          <p:cNvPr id="4" name="Номер слайда"/>
+          <p:cNvPr id="4" name="01"/>
           <p:cNvSpPr txBox="1">
             <a:spLocks noGrp="1"/>
           </p:cNvSpPr>
@@ -2225,15 +2346,16 @@
   </p:cSld>
   <p:clrMap bg1="lt1" tx1="dk1" bg2="lt2" tx2="dk2" accent1="accent1" accent2="accent2" accent3="accent3" accent4="accent4" accent5="accent5" accent6="accent6" hlink="hlink" folHlink="folHlink"/>
   <p:sldLayoutIdLst>
-    <p:sldLayoutId id="2147483651" r:id="rId1"/>
-    <p:sldLayoutId id="2147483652" r:id="rId2"/>
-    <p:sldLayoutId id="2147483653" r:id="rId3"/>
-    <p:sldLayoutId id="2147483654" r:id="rId4"/>
-    <p:sldLayoutId id="2147483655" r:id="rId5"/>
-    <p:sldLayoutId id="2147483656" r:id="rId6"/>
-    <p:sldLayoutId id="2147483657" r:id="rId7"/>
-    <p:sldLayoutId id="2147483658" r:id="rId8"/>
-    <p:sldLayoutId id="2147483659" r:id="rId9"/>
+    <p:sldLayoutId id="2147483650" r:id="rId1"/>
+    <p:sldLayoutId id="2147483651" r:id="rId2"/>
+    <p:sldLayoutId id="2147483652" r:id="rId3"/>
+    <p:sldLayoutId id="2147483653" r:id="rId4"/>
+    <p:sldLayoutId id="2147483654" r:id="rId5"/>
+    <p:sldLayoutId id="2147483655" r:id="rId6"/>
+    <p:sldLayoutId id="2147483656" r:id="rId7"/>
+    <p:sldLayoutId id="2147483657" r:id="rId8"/>
+    <p:sldLayoutId id="2147483658" r:id="rId9"/>
+    <p:sldLayoutId id="2147483659" r:id="rId10"/>
   </p:sldLayoutIdLst>
   <p:transition spd="med"/>
   <p:txStyles>
@@ -2966,74 +3088,110 @@
           <a:chExt cx="0" cy="0"/>
         </a:xfrm>
       </p:grpSpPr>
+      <p:sp>
+        <p:nvSpPr>
+          <p:cNvPr id="266" name="Rectangle"/>
+          <p:cNvSpPr/>
+          <p:nvPr/>
+        </p:nvSpPr>
+        <p:spPr>
+          <a:xfrm>
+            <a:off x="4571" y="1882421"/>
+            <a:ext cx="2837953" cy="9246156"/>
+          </a:xfrm>
+          <a:prstGeom prst="rect">
+            <a:avLst/>
+          </a:prstGeom>
+          <a:solidFill>
+            <a:srgbClr val="F0F4F8"/>
+          </a:solidFill>
+          <a:ln w="3175">
+            <a:miter lim="400000"/>
+          </a:ln>
+        </p:spPr>
+        <p:txBody>
+          <a:bodyPr lIns="50800" tIns="50800" rIns="50800" bIns="50800" anchor="ctr"/>
+          <a:lstStyle/>
+          <a:p>
+            <a:pPr algn="ctr" defTabSz="584200">
+              <a:defRPr sz="1200">
+                <a:solidFill>
+                  <a:srgbClr val="FFFFFF"/>
+                </a:solidFill>
+                <a:latin typeface="Helvetica Neue Medium"/>
+                <a:ea typeface="Helvetica Neue Medium"/>
+                <a:cs typeface="Helvetica Neue Medium"/>
+                <a:sym typeface="Helvetica Neue Medium"/>
+              </a:defRPr>
+            </a:pPr>
+            <a:endParaRPr/>
+          </a:p>
+        </p:txBody>
+      </p:sp>
+      <p:sp>
+        <p:nvSpPr>
+          <p:cNvPr id="267" name="Rectangle"/>
+          <p:cNvSpPr/>
+          <p:nvPr/>
+        </p:nvSpPr>
+        <p:spPr>
+          <a:xfrm>
+            <a:off x="4571" y="-4011"/>
+            <a:ext cx="7874001" cy="1886433"/>
+          </a:xfrm>
+          <a:prstGeom prst="rect">
+            <a:avLst/>
+          </a:prstGeom>
+          <a:solidFill>
+            <a:srgbClr val="D9E3F0"/>
+          </a:solidFill>
+          <a:ln w="3175">
+            <a:miter lim="400000"/>
+          </a:ln>
+        </p:spPr>
+        <p:txBody>
+          <a:bodyPr lIns="50800" tIns="50800" rIns="50800" bIns="50800" anchor="ctr"/>
+          <a:lstStyle/>
+          <a:p>
+            <a:pPr algn="ctr" defTabSz="584200">
+              <a:defRPr sz="1200">
+                <a:solidFill>
+                  <a:srgbClr val="FFFFFF"/>
+                </a:solidFill>
+                <a:latin typeface="Helvetica Neue Medium"/>
+                <a:ea typeface="Helvetica Neue Medium"/>
+                <a:cs typeface="Helvetica Neue Medium"/>
+                <a:sym typeface="Helvetica Neue Medium"/>
+              </a:defRPr>
+            </a:pPr>
+            <a:endParaRPr/>
+          </a:p>
+        </p:txBody>
+      </p:sp>
       <p:grpSp>
         <p:nvGrpSpPr>
-          <p:cNvPr id="727" name="Сгруппировать"/>
+          <p:cNvPr id="270" name="Group"/>
           <p:cNvGrpSpPr/>
           <p:nvPr/>
         </p:nvGrpSpPr>
         <p:grpSpPr>
           <a:xfrm>
-            <a:off x="565719" y="0"/>
-            <a:ext cx="7311932" cy="11137900"/>
+            <a:off x="726736" y="545385"/>
+            <a:ext cx="4726753" cy="945488"/>
             <a:chOff x="0" y="0"/>
-            <a:chExt cx="7311930" cy="11137900"/>
+            <a:chExt cx="4726751" cy="945486"/>
           </a:xfrm>
         </p:grpSpPr>
         <p:sp>
           <p:nvSpPr>
-            <p:cNvPr id="681" name="Прямоугольник"/>
-            <p:cNvSpPr/>
-            <p:nvPr/>
-          </p:nvSpPr>
-          <p:spPr>
-            <a:xfrm>
-              <a:off x="3374260" y="0"/>
-              <a:ext cx="3937671" cy="11137900"/>
-            </a:xfrm>
-            <a:prstGeom prst="rect">
-              <a:avLst/>
-            </a:prstGeom>
-            <a:solidFill>
-              <a:srgbClr val="4C4A55"/>
-            </a:solidFill>
-            <a:ln w="3175" cap="flat">
-              <a:noFill/>
-              <a:miter lim="400000"/>
-            </a:ln>
-            <a:effectLst/>
-          </p:spPr>
-          <p:txBody>
-            <a:bodyPr wrap="square" lIns="50800" tIns="50800" rIns="50800" bIns="50800" numCol="1" anchor="ctr">
-              <a:noAutofit/>
-            </a:bodyPr>
-            <a:lstStyle/>
-            <a:p>
-              <a:pPr algn="ctr" defTabSz="584200">
-                <a:defRPr sz="1200">
-                  <a:solidFill>
-                    <a:srgbClr val="FFFFFF"/>
-                  </a:solidFill>
-                  <a:latin typeface="Helvetica Neue Medium"/>
-                  <a:ea typeface="Helvetica Neue Medium"/>
-                  <a:cs typeface="Helvetica Neue Medium"/>
-                  <a:sym typeface="Helvetica Neue Medium"/>
-                </a:defRPr>
-              </a:pPr>
-              <a:endParaRPr/>
-            </a:p>
-          </p:txBody>
-        </p:sp>
-        <p:sp>
-          <p:nvSpPr>
-            <p:cNvPr id="682" name="Andre"/>
+            <p:cNvPr id="268" name="JONATHAN SMITH"/>
             <p:cNvSpPr txBox="1"/>
             <p:nvPr/>
           </p:nvSpPr>
           <p:spPr>
             <a:xfrm>
-              <a:off x="89202" y="941950"/>
-              <a:ext cx="2433168" cy="643705"/>
+              <a:off x="0" y="-1"/>
+              <a:ext cx="4157858" cy="659022"/>
             </a:xfrm>
             <a:prstGeom prst="rect">
               <a:avLst/>
@@ -3046,89 +3204,44 @@
             <a:effectLst/>
             <a:extLst>
               <a:ext uri="{C572A759-6A51-4108-AA02-DFA0A04FC94B}">
-                <ma14:wrappingTextBoxFlag xmlns="" xmlns:m="http://schemas.openxmlformats.org/officeDocument/2006/math" xmlns:a14="http://schemas.microsoft.com/office/drawing/2010/main" xmlns:ma14="http://schemas.microsoft.com/office/mac/drawingml/2011/main" val="1"/>
+                <ma14:wrappingTextBoxFlag xmlns:ma14="http://schemas.microsoft.com/office/mac/drawingml/2011/main" xmlns:a14="http://schemas.microsoft.com/office/drawing/2010/main" xmlns:m="http://schemas.openxmlformats.org/officeDocument/2006/math" xmlns="" val="1"/>
               </a:ext>
             </a:extLst>
           </p:spPr>
           <p:txBody>
-            <a:bodyPr wrap="square" lIns="0" tIns="0" rIns="0" bIns="0" numCol="1" anchor="ctr">
+            <a:bodyPr wrap="square" lIns="50800" tIns="50800" rIns="50800" bIns="50800" numCol="1" anchor="ctr">
               <a:noAutofit/>
             </a:bodyPr>
             <a:lstStyle>
-              <a:lvl1pPr algn="r" defTabSz="457200">
-                <a:defRPr sz="3200" cap="all" spc="480">
-                  <a:latin typeface="Helvetica Neue Medium"/>
-                  <a:ea typeface="Helvetica Neue Medium"/>
-                  <a:cs typeface="Helvetica Neue Medium"/>
-                  <a:sym typeface="Helvetica Neue Medium"/>
+              <a:lvl1pPr defTabSz="457200">
+                <a:defRPr sz="3000" cap="all" spc="450">
+                  <a:solidFill>
+                    <a:srgbClr val="1E3A5F"/>
+                  </a:solidFill>
+                  <a:latin typeface="Helvetica Neue"/>
+                  <a:ea typeface="Helvetica Neue"/>
+                  <a:cs typeface="Helvetica Neue"/>
+                  <a:sym typeface="Helvetica Neue"/>
                 </a:defRPr>
               </a:lvl1pPr>
             </a:lstStyle>
             <a:p>
               <a:r>
-                <a:t>Andre</a:t>
+                <a:t>JONATHAN SMITH</a:t>
               </a:r>
             </a:p>
           </p:txBody>
         </p:sp>
         <p:sp>
           <p:nvSpPr>
-            <p:cNvPr id="683" name="Кружок"/>
-            <p:cNvSpPr/>
-            <p:nvPr/>
-          </p:nvSpPr>
-          <p:spPr>
-            <a:xfrm>
-              <a:off x="2712778" y="602320"/>
-              <a:ext cx="1322965" cy="1322965"/>
-            </a:xfrm>
-            <a:prstGeom prst="ellipse">
-              <a:avLst/>
-            </a:prstGeom>
-            <a:blipFill rotWithShape="1">
-              <a:blip r:embed="rId2"/>
-              <a:srcRect/>
-              <a:stretch>
-                <a:fillRect/>
-              </a:stretch>
-            </a:blipFill>
-            <a:ln w="3175" cap="flat">
-              <a:noFill/>
-              <a:miter lim="400000"/>
-            </a:ln>
-            <a:effectLst/>
-          </p:spPr>
-          <p:txBody>
-            <a:bodyPr wrap="square" lIns="50800" tIns="50800" rIns="50800" bIns="50800" numCol="1" anchor="ctr">
-              <a:noAutofit/>
-            </a:bodyPr>
-            <a:lstStyle/>
-            <a:p>
-              <a:pPr algn="ctr" defTabSz="584200">
-                <a:defRPr sz="1200">
-                  <a:solidFill>
-                    <a:srgbClr val="FFFFFF"/>
-                  </a:solidFill>
-                  <a:latin typeface="Helvetica Neue Medium"/>
-                  <a:ea typeface="Helvetica Neue Medium"/>
-                  <a:cs typeface="Helvetica Neue Medium"/>
-                  <a:sym typeface="Helvetica Neue Medium"/>
-                </a:defRPr>
-              </a:pPr>
-              <a:endParaRPr/>
-            </a:p>
-          </p:txBody>
-        </p:sp>
-        <p:sp>
-          <p:nvSpPr>
-            <p:cNvPr id="684" name="Gomez"/>
+            <p:cNvPr id="269" name="UX/UI Designer"/>
             <p:cNvSpPr txBox="1"/>
             <p:nvPr/>
           </p:nvSpPr>
           <p:spPr>
             <a:xfrm>
-              <a:off x="4226152" y="941950"/>
-              <a:ext cx="2433168" cy="643705"/>
+              <a:off x="-1" y="498104"/>
+              <a:ext cx="4726753" cy="447383"/>
             </a:xfrm>
             <a:prstGeom prst="rect">
               <a:avLst/>
@@ -3141,44 +3254,531 @@
             <a:effectLst/>
             <a:extLst>
               <a:ext uri="{C572A759-6A51-4108-AA02-DFA0A04FC94B}">
-                <ma14:wrappingTextBoxFlag xmlns="" xmlns:m="http://schemas.openxmlformats.org/officeDocument/2006/math" xmlns:a14="http://schemas.microsoft.com/office/drawing/2010/main" xmlns:ma14="http://schemas.microsoft.com/office/mac/drawingml/2011/main" val="1"/>
+                <ma14:wrappingTextBoxFlag xmlns:ma14="http://schemas.microsoft.com/office/mac/drawingml/2011/main" xmlns:a14="http://schemas.microsoft.com/office/drawing/2010/main" xmlns:m="http://schemas.openxmlformats.org/officeDocument/2006/math" xmlns="" val="1"/>
               </a:ext>
             </a:extLst>
           </p:spPr>
           <p:txBody>
-            <a:bodyPr wrap="square" lIns="0" tIns="0" rIns="0" bIns="0" numCol="1" anchor="ctr">
+            <a:bodyPr wrap="square" lIns="50800" tIns="50800" rIns="50800" bIns="50800" numCol="1" anchor="ctr">
               <a:noAutofit/>
             </a:bodyPr>
             <a:lstStyle>
               <a:lvl1pPr defTabSz="457200">
-                <a:defRPr sz="3200" cap="all" spc="480">
+                <a:defRPr sz="1300" cap="all" spc="286">
                   <a:solidFill>
-                    <a:srgbClr val="FFFFFF"/>
+                    <a:srgbClr val="333333"/>
                   </a:solidFill>
-                  <a:latin typeface="Helvetica Neue Medium"/>
-                  <a:ea typeface="Helvetica Neue Medium"/>
-                  <a:cs typeface="Helvetica Neue Medium"/>
-                  <a:sym typeface="Helvetica Neue Medium"/>
+                  <a:latin typeface="Helvetica Neue Light"/>
+                  <a:ea typeface="Helvetica Neue Light"/>
+                  <a:cs typeface="Helvetica Neue Light"/>
+                  <a:sym typeface="Helvetica Neue Light"/>
                 </a:defRPr>
               </a:lvl1pPr>
             </a:lstStyle>
             <a:p>
               <a:r>
-                <a:t>Gomez</a:t>
+                <a:t>UX/UI Designer</a:t>
               </a:r>
             </a:p>
           </p:txBody>
         </p:sp>
+      </p:grpSp>
+      <p:sp>
+        <p:nvSpPr>
+          <p:cNvPr id="271" name="I am an experienced and passionate UX/UI Designer with over 8 years of expertise in creating intuitive, user-centered designs that enhance both user engagement and business outcomes. Throughout my career, I have led design teams and collaborated closely "/>
+          <p:cNvSpPr txBox="1"/>
+          <p:nvPr/>
+        </p:nvSpPr>
+        <p:spPr>
+          <a:xfrm>
+            <a:off x="3079248" y="2614561"/>
+            <a:ext cx="4408465" cy="1926491"/>
+          </a:xfrm>
+          <a:prstGeom prst="rect">
+            <a:avLst/>
+          </a:prstGeom>
+          <a:ln w="12700">
+            <a:miter lim="400000"/>
+          </a:ln>
+          <a:extLst>
+            <a:ext uri="{C572A759-6A51-4108-AA02-DFA0A04FC94B}">
+              <ma14:wrappingTextBoxFlag xmlns:ma14="http://schemas.microsoft.com/office/mac/drawingml/2011/main" xmlns:a14="http://schemas.microsoft.com/office/drawing/2010/main" xmlns:m="http://schemas.openxmlformats.org/officeDocument/2006/math" xmlns="" val="1"/>
+            </a:ext>
+          </a:extLst>
+        </p:spPr>
+        <p:txBody>
+          <a:bodyPr lIns="0" tIns="0" rIns="0" bIns="0"/>
+          <a:lstStyle/>
+          <a:p>
+            <a:pPr algn="just" defTabSz="457200">
+              <a:lnSpc>
+                <a:spcPct val="130000"/>
+              </a:lnSpc>
+              <a:defRPr sz="900">
+                <a:solidFill>
+                  <a:srgbClr val="333333"/>
+                </a:solidFill>
+                <a:latin typeface="Helvetica Neue Light"/>
+                <a:ea typeface="Helvetica Neue Light"/>
+                <a:cs typeface="Helvetica Neue Light"/>
+                <a:sym typeface="Helvetica Neue Light"/>
+              </a:defRPr>
+            </a:pPr>
+            <a:r>
+              <a:t>I am an experienced and passionate UX/UI Designer with over 8 years of expertise in creating intuitive, user-centered designs that enhance both user engagement and business outcomes. Throughout my career, I have led design teams and collaborated closely with product managers and developers to ensure seamless, efficient, and visually appealing user experiences. </a:t>
+            </a:r>
+          </a:p>
+          <a:p>
+            <a:pPr algn="just" defTabSz="457200">
+              <a:lnSpc>
+                <a:spcPct val="130000"/>
+              </a:lnSpc>
+              <a:defRPr sz="900">
+                <a:solidFill>
+                  <a:srgbClr val="333333"/>
+                </a:solidFill>
+                <a:latin typeface="Helvetica Neue Light"/>
+                <a:ea typeface="Helvetica Neue Light"/>
+                <a:cs typeface="Helvetica Neue Light"/>
+                <a:sym typeface="Helvetica Neue Light"/>
+              </a:defRPr>
+            </a:pPr>
+            <a:endParaRPr/>
+          </a:p>
+          <a:p>
+            <a:pPr algn="just" defTabSz="457200">
+              <a:lnSpc>
+                <a:spcPct val="130000"/>
+              </a:lnSpc>
+              <a:defRPr sz="900">
+                <a:solidFill>
+                  <a:srgbClr val="333333"/>
+                </a:solidFill>
+                <a:latin typeface="Helvetica Neue Light"/>
+                <a:ea typeface="Helvetica Neue Light"/>
+                <a:cs typeface="Helvetica Neue Light"/>
+                <a:sym typeface="Helvetica Neue Light"/>
+              </a:defRPr>
+            </a:pPr>
+            <a:r>
+              <a:t>With a strong background in design research, wireframing, and prototyping, I excel at transforming complex ideas into innovative, functional, and aesthetically pleasing solutions. My approach to design emphasizes empathy, understanding user needs, and solving real-world problems through thoughtful and effective user interfaces. </a:t>
+            </a:r>
+          </a:p>
+        </p:txBody>
+      </p:sp>
+      <p:sp>
+        <p:nvSpPr>
+          <p:cNvPr id="272" name="Profile Summary"/>
+          <p:cNvSpPr txBox="1"/>
+          <p:nvPr/>
+        </p:nvSpPr>
+        <p:spPr>
+          <a:xfrm>
+            <a:off x="3026339" y="2094059"/>
+            <a:ext cx="2659256" cy="447383"/>
+          </a:xfrm>
+          <a:prstGeom prst="rect">
+            <a:avLst/>
+          </a:prstGeom>
+          <a:ln w="12700">
+            <a:miter lim="400000"/>
+          </a:ln>
+          <a:extLst>
+            <a:ext uri="{C572A759-6A51-4108-AA02-DFA0A04FC94B}">
+              <ma14:wrappingTextBoxFlag xmlns:ma14="http://schemas.microsoft.com/office/mac/drawingml/2011/main" xmlns:a14="http://schemas.microsoft.com/office/drawing/2010/main" xmlns:m="http://schemas.openxmlformats.org/officeDocument/2006/math" xmlns="" val="1"/>
+            </a:ext>
+          </a:extLst>
+        </p:spPr>
+        <p:txBody>
+          <a:bodyPr lIns="50800" tIns="50800" rIns="50800" bIns="50800" anchor="ctr"/>
+          <a:lstStyle>
+            <a:lvl1pPr defTabSz="457200">
+              <a:defRPr sz="1300" cap="all" spc="455">
+                <a:solidFill>
+                  <a:srgbClr val="1E3A5F"/>
+                </a:solidFill>
+                <a:latin typeface="Helvetica Neue"/>
+                <a:ea typeface="Helvetica Neue"/>
+                <a:cs typeface="Helvetica Neue"/>
+                <a:sym typeface="Helvetica Neue"/>
+              </a:defRPr>
+            </a:lvl1pPr>
+          </a:lstStyle>
+          <a:p>
+            <a:r>
+              <a:t>Profile Summary</a:t>
+            </a:r>
+          </a:p>
+        </p:txBody>
+      </p:sp>
+      <p:sp>
+        <p:nvSpPr>
+          <p:cNvPr id="273" name="Responsibilities:…"/>
+          <p:cNvSpPr txBox="1"/>
+          <p:nvPr/>
+        </p:nvSpPr>
+        <p:spPr>
+          <a:xfrm>
+            <a:off x="3103223" y="5492390"/>
+            <a:ext cx="4408465" cy="921988"/>
+          </a:xfrm>
+          <a:prstGeom prst="rect">
+            <a:avLst/>
+          </a:prstGeom>
+          <a:ln w="12700">
+            <a:miter lim="400000"/>
+          </a:ln>
+          <a:extLst>
+            <a:ext uri="{C572A759-6A51-4108-AA02-DFA0A04FC94B}">
+              <ma14:wrappingTextBoxFlag xmlns:ma14="http://schemas.microsoft.com/office/mac/drawingml/2011/main" xmlns:a14="http://schemas.microsoft.com/office/drawing/2010/main" xmlns:m="http://schemas.openxmlformats.org/officeDocument/2006/math" xmlns="" val="1"/>
+            </a:ext>
+          </a:extLst>
+        </p:spPr>
+        <p:txBody>
+          <a:bodyPr lIns="0" tIns="0" rIns="0" bIns="0"/>
+          <a:lstStyle/>
+          <a:p>
+            <a:pPr algn="just" defTabSz="457200">
+              <a:lnSpc>
+                <a:spcPct val="130000"/>
+              </a:lnSpc>
+              <a:defRPr sz="900">
+                <a:solidFill>
+                  <a:srgbClr val="333333"/>
+                </a:solidFill>
+                <a:latin typeface="Helvetica Neue Light"/>
+                <a:ea typeface="Helvetica Neue Light"/>
+                <a:cs typeface="Helvetica Neue Light"/>
+                <a:sym typeface="Helvetica Neue Light"/>
+              </a:defRPr>
+            </a:pPr>
+            <a:r>
+              <a:rPr b="1">
+                <a:latin typeface="Helvetica Neue"/>
+                <a:ea typeface="Helvetica Neue"/>
+                <a:cs typeface="Helvetica Neue"/>
+                <a:sym typeface="Helvetica Neue"/>
+              </a:rPr>
+              <a:t>Responsibilities</a:t>
+            </a:r>
+            <a:r>
+              <a:t>:</a:t>
+            </a:r>
+          </a:p>
+          <a:p>
+            <a:pPr algn="just" defTabSz="457200">
+              <a:lnSpc>
+                <a:spcPct val="130000"/>
+              </a:lnSpc>
+              <a:defRPr sz="900">
+                <a:solidFill>
+                  <a:srgbClr val="333333"/>
+                </a:solidFill>
+                <a:latin typeface="Helvetica Neue Light"/>
+                <a:ea typeface="Helvetica Neue Light"/>
+                <a:cs typeface="Helvetica Neue Light"/>
+                <a:sym typeface="Helvetica Neue Light"/>
+              </a:defRPr>
+            </a:pPr>
+            <a:r>
+              <a:t>- Led a team of designers in the development of user-centric designs for various clients.</a:t>
+            </a:r>
+          </a:p>
+          <a:p>
+            <a:pPr algn="just" defTabSz="457200">
+              <a:lnSpc>
+                <a:spcPct val="130000"/>
+              </a:lnSpc>
+              <a:defRPr sz="900">
+                <a:solidFill>
+                  <a:srgbClr val="333333"/>
+                </a:solidFill>
+                <a:latin typeface="Helvetica Neue Light"/>
+                <a:ea typeface="Helvetica Neue Light"/>
+                <a:cs typeface="Helvetica Neue Light"/>
+                <a:sym typeface="Helvetica Neue Light"/>
+              </a:defRPr>
+            </a:pPr>
+            <a:r>
+              <a:t>- Collaborated with product managers to define user requirements and design solutions.</a:t>
+            </a:r>
+          </a:p>
+          <a:p>
+            <a:pPr algn="just" defTabSz="457200">
+              <a:lnSpc>
+                <a:spcPct val="130000"/>
+              </a:lnSpc>
+              <a:defRPr sz="900">
+                <a:solidFill>
+                  <a:srgbClr val="333333"/>
+                </a:solidFill>
+                <a:latin typeface="Helvetica Neue Light"/>
+                <a:ea typeface="Helvetica Neue Light"/>
+                <a:cs typeface="Helvetica Neue Light"/>
+                <a:sym typeface="Helvetica Neue Light"/>
+              </a:defRPr>
+            </a:pPr>
+            <a:r>
+              <a:t>- Enhanced user engagement by improving navigation and user flow.</a:t>
+            </a:r>
+          </a:p>
+        </p:txBody>
+      </p:sp>
+      <p:sp>
+        <p:nvSpPr>
+          <p:cNvPr id="274" name="Professional Experience"/>
+          <p:cNvSpPr txBox="1"/>
+          <p:nvPr/>
+        </p:nvSpPr>
+        <p:spPr>
+          <a:xfrm>
+            <a:off x="3050313" y="4537971"/>
+            <a:ext cx="3829804" cy="447383"/>
+          </a:xfrm>
+          <a:prstGeom prst="rect">
+            <a:avLst/>
+          </a:prstGeom>
+          <a:ln w="12700">
+            <a:miter lim="400000"/>
+          </a:ln>
+          <a:extLst>
+            <a:ext uri="{C572A759-6A51-4108-AA02-DFA0A04FC94B}">
+              <ma14:wrappingTextBoxFlag xmlns:ma14="http://schemas.microsoft.com/office/mac/drawingml/2011/main" xmlns:a14="http://schemas.microsoft.com/office/drawing/2010/main" xmlns:m="http://schemas.openxmlformats.org/officeDocument/2006/math" xmlns="" val="1"/>
+            </a:ext>
+          </a:extLst>
+        </p:spPr>
+        <p:txBody>
+          <a:bodyPr lIns="50800" tIns="50800" rIns="50800" bIns="50800" anchor="ctr"/>
+          <a:lstStyle>
+            <a:lvl1pPr defTabSz="457200">
+              <a:defRPr sz="1300" cap="all" spc="403">
+                <a:solidFill>
+                  <a:srgbClr val="1E3A5F"/>
+                </a:solidFill>
+                <a:latin typeface="Helvetica Neue"/>
+                <a:ea typeface="Helvetica Neue"/>
+                <a:cs typeface="Helvetica Neue"/>
+                <a:sym typeface="Helvetica Neue"/>
+              </a:defRPr>
+            </a:lvl1pPr>
+          </a:lstStyle>
+          <a:p>
+            <a:r>
+              <a:t>Professional Experience</a:t>
+            </a:r>
+          </a:p>
+        </p:txBody>
+      </p:sp>
+      <p:sp>
+        <p:nvSpPr>
+          <p:cNvPr id="275" name="Your Position Here"/>
+          <p:cNvSpPr txBox="1"/>
+          <p:nvPr/>
+        </p:nvSpPr>
+        <p:spPr>
+          <a:xfrm>
+            <a:off x="3098263" y="5086510"/>
+            <a:ext cx="2465645" cy="164369"/>
+          </a:xfrm>
+          <a:prstGeom prst="rect">
+            <a:avLst/>
+          </a:prstGeom>
+          <a:ln w="12700">
+            <a:miter lim="400000"/>
+          </a:ln>
+          <a:extLst>
+            <a:ext uri="{C572A759-6A51-4108-AA02-DFA0A04FC94B}">
+              <ma14:wrappingTextBoxFlag xmlns:ma14="http://schemas.microsoft.com/office/mac/drawingml/2011/main" xmlns:a14="http://schemas.microsoft.com/office/drawing/2010/main" xmlns:m="http://schemas.openxmlformats.org/officeDocument/2006/math" xmlns="" val="1"/>
+            </a:ext>
+          </a:extLst>
+        </p:spPr>
+        <p:txBody>
+          <a:bodyPr lIns="0" tIns="0" rIns="0" bIns="0"/>
+          <a:lstStyle>
+            <a:lvl1pPr defTabSz="457200">
+              <a:lnSpc>
+                <a:spcPct val="120000"/>
+              </a:lnSpc>
+              <a:defRPr sz="900" b="1" cap="all" spc="45">
+                <a:solidFill>
+                  <a:srgbClr val="1D3557"/>
+                </a:solidFill>
+                <a:latin typeface="Helvetica Neue"/>
+                <a:ea typeface="Helvetica Neue"/>
+                <a:cs typeface="Helvetica Neue"/>
+                <a:sym typeface="Helvetica Neue"/>
+              </a:defRPr>
+            </a:lvl1pPr>
+          </a:lstStyle>
+          <a:p>
+            <a:r>
+              <a:t>Your Position Here</a:t>
+            </a:r>
+          </a:p>
+        </p:txBody>
+      </p:sp>
+      <p:sp>
+        <p:nvSpPr>
+          <p:cNvPr id="276" name="Company Name | Location | Dates of Employment"/>
+          <p:cNvSpPr txBox="1"/>
+          <p:nvPr/>
+        </p:nvSpPr>
+        <p:spPr>
+          <a:xfrm>
+            <a:off x="3098263" y="5257332"/>
+            <a:ext cx="4370436" cy="217943"/>
+          </a:xfrm>
+          <a:prstGeom prst="rect">
+            <a:avLst/>
+          </a:prstGeom>
+          <a:ln w="12700">
+            <a:miter lim="400000"/>
+          </a:ln>
+          <a:extLst>
+            <a:ext uri="{C572A759-6A51-4108-AA02-DFA0A04FC94B}">
+              <ma14:wrappingTextBoxFlag xmlns:ma14="http://schemas.microsoft.com/office/mac/drawingml/2011/main" xmlns:a14="http://schemas.microsoft.com/office/drawing/2010/main" xmlns:m="http://schemas.openxmlformats.org/officeDocument/2006/math" xmlns="" val="1"/>
+            </a:ext>
+          </a:extLst>
+        </p:spPr>
+        <p:txBody>
+          <a:bodyPr lIns="0" tIns="0" rIns="0" bIns="0"/>
+          <a:lstStyle>
+            <a:lvl1pPr defTabSz="457200">
+              <a:lnSpc>
+                <a:spcPct val="120000"/>
+              </a:lnSpc>
+              <a:defRPr sz="900" cap="all">
+                <a:solidFill>
+                  <a:srgbClr val="333333"/>
+                </a:solidFill>
+                <a:latin typeface="Helvetica Neue"/>
+                <a:ea typeface="Helvetica Neue"/>
+                <a:cs typeface="Helvetica Neue"/>
+                <a:sym typeface="Helvetica Neue"/>
+              </a:defRPr>
+            </a:lvl1pPr>
+          </a:lstStyle>
+          <a:p>
+            <a:r>
+              <a:t>Company Name | Location | Dates of Employment</a:t>
+            </a:r>
+          </a:p>
+        </p:txBody>
+      </p:sp>
+      <p:sp>
+        <p:nvSpPr>
+          <p:cNvPr id="277" name="References"/>
+          <p:cNvSpPr txBox="1"/>
+          <p:nvPr/>
+        </p:nvSpPr>
+        <p:spPr>
+          <a:xfrm>
+            <a:off x="3026339" y="8015261"/>
+            <a:ext cx="3344623" cy="447382"/>
+          </a:xfrm>
+          <a:prstGeom prst="rect">
+            <a:avLst/>
+          </a:prstGeom>
+          <a:ln w="12700">
+            <a:miter lim="400000"/>
+          </a:ln>
+          <a:extLst>
+            <a:ext uri="{C572A759-6A51-4108-AA02-DFA0A04FC94B}">
+              <ma14:wrappingTextBoxFlag xmlns:ma14="http://schemas.microsoft.com/office/mac/drawingml/2011/main" xmlns:a14="http://schemas.microsoft.com/office/drawing/2010/main" xmlns:m="http://schemas.openxmlformats.org/officeDocument/2006/math" xmlns="" val="1"/>
+            </a:ext>
+          </a:extLst>
+        </p:spPr>
+        <p:txBody>
+          <a:bodyPr lIns="50800" tIns="50800" rIns="50800" bIns="50800" anchor="ctr"/>
+          <a:lstStyle>
+            <a:lvl1pPr defTabSz="457200">
+              <a:defRPr sz="1300" cap="all" spc="156">
+                <a:solidFill>
+                  <a:srgbClr val="1E3A5F"/>
+                </a:solidFill>
+                <a:latin typeface="Helvetica Neue"/>
+                <a:ea typeface="Helvetica Neue"/>
+                <a:cs typeface="Helvetica Neue"/>
+                <a:sym typeface="Helvetica Neue"/>
+              </a:defRPr>
+            </a:lvl1pPr>
+          </a:lstStyle>
+          <a:p>
+            <a:r>
+              <a:t>References</a:t>
+            </a:r>
+          </a:p>
+        </p:txBody>
+      </p:sp>
+      <p:sp>
+        <p:nvSpPr>
+          <p:cNvPr id="278" name="Contacts"/>
+          <p:cNvSpPr txBox="1"/>
+          <p:nvPr/>
+        </p:nvSpPr>
+        <p:spPr>
+          <a:xfrm>
+            <a:off x="714450" y="2094059"/>
+            <a:ext cx="2298662" cy="447383"/>
+          </a:xfrm>
+          <a:prstGeom prst="rect">
+            <a:avLst/>
+          </a:prstGeom>
+          <a:ln w="12700">
+            <a:miter lim="400000"/>
+          </a:ln>
+          <a:extLst>
+            <a:ext uri="{C572A759-6A51-4108-AA02-DFA0A04FC94B}">
+              <ma14:wrappingTextBoxFlag xmlns:ma14="http://schemas.microsoft.com/office/mac/drawingml/2011/main" xmlns:a14="http://schemas.microsoft.com/office/drawing/2010/main" xmlns:m="http://schemas.openxmlformats.org/officeDocument/2006/math" xmlns="" val="1"/>
+            </a:ext>
+          </a:extLst>
+        </p:spPr>
+        <p:txBody>
+          <a:bodyPr lIns="50800" tIns="50800" rIns="50800" bIns="50800" anchor="ctr"/>
+          <a:lstStyle>
+            <a:lvl1pPr defTabSz="457200">
+              <a:defRPr sz="1300" cap="all" spc="455">
+                <a:solidFill>
+                  <a:srgbClr val="1E3A5F"/>
+                </a:solidFill>
+                <a:latin typeface="Helvetica Neue"/>
+                <a:ea typeface="Helvetica Neue"/>
+                <a:cs typeface="Helvetica Neue"/>
+                <a:sym typeface="Helvetica Neue"/>
+              </a:defRPr>
+            </a:lvl1pPr>
+          </a:lstStyle>
+          <a:p>
+            <a:r>
+              <a:t>Contacts</a:t>
+            </a:r>
+          </a:p>
+        </p:txBody>
+      </p:sp>
+      <p:grpSp>
+        <p:nvGrpSpPr>
+          <p:cNvPr id="288" name="Group"/>
+          <p:cNvGrpSpPr/>
+          <p:nvPr/>
+        </p:nvGrpSpPr>
+        <p:grpSpPr>
+          <a:xfrm>
+            <a:off x="700978" y="2788099"/>
+            <a:ext cx="2114917" cy="1613865"/>
+            <a:chOff x="0" y="0"/>
+            <a:chExt cx="2114915" cy="1613863"/>
+          </a:xfrm>
+        </p:grpSpPr>
         <p:sp>
           <p:nvSpPr>
-            <p:cNvPr id="685" name="Fashion"/>
+            <p:cNvPr id="279" name="123 Main St, New York, NY"/>
             <p:cNvSpPr txBox="1"/>
             <p:nvPr/>
           </p:nvSpPr>
           <p:spPr>
             <a:xfrm>
-              <a:off x="800316" y="2148493"/>
-              <a:ext cx="2433168" cy="338198"/>
+              <a:off x="366269" y="1325593"/>
+              <a:ext cx="1525930" cy="288271"/>
             </a:xfrm>
             <a:prstGeom prst="rect">
               <a:avLst/>
@@ -3191,17 +3791,20 @@
             <a:effectLst/>
             <a:extLst>
               <a:ext uri="{C572A759-6A51-4108-AA02-DFA0A04FC94B}">
-                <ma14:wrappingTextBoxFlag xmlns="" xmlns:m="http://schemas.openxmlformats.org/officeDocument/2006/math" xmlns:a14="http://schemas.microsoft.com/office/drawing/2010/main" xmlns:ma14="http://schemas.microsoft.com/office/mac/drawingml/2011/main" val="1"/>
+                <ma14:wrappingTextBoxFlag xmlns:ma14="http://schemas.microsoft.com/office/mac/drawingml/2011/main" xmlns:a14="http://schemas.microsoft.com/office/drawing/2010/main" xmlns:m="http://schemas.openxmlformats.org/officeDocument/2006/math" xmlns="" val="1"/>
               </a:ext>
             </a:extLst>
           </p:spPr>
           <p:txBody>
-            <a:bodyPr wrap="square" lIns="0" tIns="0" rIns="0" bIns="0" numCol="1" anchor="ctr">
+            <a:bodyPr wrap="square" lIns="50800" tIns="50800" rIns="50800" bIns="50800" numCol="1" anchor="t">
               <a:noAutofit/>
             </a:bodyPr>
             <a:lstStyle>
-              <a:lvl1pPr algn="r" defTabSz="457200">
-                <a:defRPr sz="1400" cap="all" spc="1260">
+              <a:lvl1pPr defTabSz="457200">
+                <a:defRPr sz="900">
+                  <a:solidFill>
+                    <a:srgbClr val="333333"/>
+                  </a:solidFill>
                   <a:latin typeface="Helvetica Neue"/>
                   <a:ea typeface="Helvetica Neue"/>
                   <a:cs typeface="Helvetica Neue"/>
@@ -3211,21 +3814,21 @@
             </a:lstStyle>
             <a:p>
               <a:r>
-                <a:t>Fashion</a:t>
+                <a:t>123 Main St, New York, NY</a:t>
               </a:r>
             </a:p>
           </p:txBody>
         </p:sp>
         <p:sp>
           <p:nvSpPr>
-            <p:cNvPr id="686" name="Profile"/>
+            <p:cNvPr id="280" name="+1234 567 890"/>
             <p:cNvSpPr txBox="1"/>
             <p:nvPr/>
           </p:nvSpPr>
           <p:spPr>
             <a:xfrm>
-              <a:off x="0" y="2899936"/>
-              <a:ext cx="2433167" cy="338199"/>
+              <a:off x="366269" y="0"/>
+              <a:ext cx="1328520" cy="288270"/>
             </a:xfrm>
             <a:prstGeom prst="rect">
               <a:avLst/>
@@ -3238,17 +3841,20 @@
             <a:effectLst/>
             <a:extLst>
               <a:ext uri="{C572A759-6A51-4108-AA02-DFA0A04FC94B}">
-                <ma14:wrappingTextBoxFlag xmlns="" xmlns:m="http://schemas.openxmlformats.org/officeDocument/2006/math" xmlns:a14="http://schemas.microsoft.com/office/drawing/2010/main" xmlns:ma14="http://schemas.microsoft.com/office/mac/drawingml/2011/main" val="1"/>
+                <ma14:wrappingTextBoxFlag xmlns:ma14="http://schemas.microsoft.com/office/mac/drawingml/2011/main" xmlns:a14="http://schemas.microsoft.com/office/drawing/2010/main" xmlns:m="http://schemas.openxmlformats.org/officeDocument/2006/math" xmlns="" val="1"/>
               </a:ext>
             </a:extLst>
           </p:spPr>
           <p:txBody>
-            <a:bodyPr wrap="square" lIns="0" tIns="0" rIns="0" bIns="0" numCol="1" anchor="ctr">
+            <a:bodyPr wrap="square" lIns="50800" tIns="50800" rIns="50800" bIns="50800" numCol="1" anchor="ctr">
               <a:noAutofit/>
             </a:bodyPr>
             <a:lstStyle>
               <a:lvl1pPr defTabSz="457200">
-                <a:defRPr sz="1200" cap="all" spc="839">
+                <a:defRPr sz="900">
+                  <a:solidFill>
+                    <a:srgbClr val="333333"/>
+                  </a:solidFill>
                   <a:latin typeface="Helvetica Neue"/>
                   <a:ea typeface="Helvetica Neue"/>
                   <a:cs typeface="Helvetica Neue"/>
@@ -3258,21 +3864,21 @@
             </a:lstStyle>
             <a:p>
               <a:r>
-                <a:t>Profile</a:t>
+                <a:t>+1234 567 890</a:t>
               </a:r>
             </a:p>
           </p:txBody>
         </p:sp>
         <p:sp>
           <p:nvSpPr>
-            <p:cNvPr id="687" name="Editor"/>
+            <p:cNvPr id="281" name="youremail@mail.com"/>
             <p:cNvSpPr txBox="1"/>
             <p:nvPr/>
           </p:nvSpPr>
           <p:spPr>
             <a:xfrm>
-              <a:off x="3515038" y="2148493"/>
-              <a:ext cx="2433168" cy="338198"/>
+              <a:off x="366269" y="351362"/>
+              <a:ext cx="1748647" cy="288270"/>
             </a:xfrm>
             <a:prstGeom prst="rect">
               <a:avLst/>
@@ -3285,19 +3891,19 @@
             <a:effectLst/>
             <a:extLst>
               <a:ext uri="{C572A759-6A51-4108-AA02-DFA0A04FC94B}">
-                <ma14:wrappingTextBoxFlag xmlns="" xmlns:m="http://schemas.openxmlformats.org/officeDocument/2006/math" xmlns:a14="http://schemas.microsoft.com/office/drawing/2010/main" xmlns:ma14="http://schemas.microsoft.com/office/mac/drawingml/2011/main" val="1"/>
+                <ma14:wrappingTextBoxFlag xmlns:ma14="http://schemas.microsoft.com/office/mac/drawingml/2011/main" xmlns:a14="http://schemas.microsoft.com/office/drawing/2010/main" xmlns:m="http://schemas.openxmlformats.org/officeDocument/2006/math" xmlns="" val="1"/>
               </a:ext>
             </a:extLst>
           </p:spPr>
           <p:txBody>
-            <a:bodyPr wrap="square" lIns="0" tIns="0" rIns="0" bIns="0" numCol="1" anchor="ctr">
+            <a:bodyPr wrap="square" lIns="50800" tIns="50800" rIns="50800" bIns="50800" numCol="1" anchor="ctr">
               <a:noAutofit/>
             </a:bodyPr>
             <a:lstStyle>
               <a:lvl1pPr defTabSz="457200">
-                <a:defRPr sz="1400" cap="all" spc="1260">
+                <a:defRPr sz="900">
                   <a:solidFill>
-                    <a:srgbClr val="FFFFFF"/>
+                    <a:srgbClr val="333333"/>
                   </a:solidFill>
                   <a:latin typeface="Helvetica Neue"/>
                   <a:ea typeface="Helvetica Neue"/>
@@ -3308,21 +3914,21 @@
             </a:lstStyle>
             <a:p>
               <a:r>
-                <a:t>Editor</a:t>
+                <a:t>youremail@mail.com</a:t>
               </a:r>
             </a:p>
           </p:txBody>
         </p:sp>
         <p:sp>
           <p:nvSpPr>
-            <p:cNvPr id="688" name="Lorem ipsum dolor sit amet, consectetur adipiscing elit. Aliquam ac bibendum dui. Proin convallis libero id diam porta, facilisis varius velit tempus. Mauris semper, sem sit amet semper porttitor, lectus enim vehicula enim, vel scelerisque metus ligula i"/>
+            <p:cNvPr id="282" name="www.yourwebsite.com"/>
             <p:cNvSpPr txBox="1"/>
             <p:nvPr/>
           </p:nvSpPr>
           <p:spPr>
             <a:xfrm>
-              <a:off x="0" y="3431492"/>
-              <a:ext cx="2811414" cy="1025439"/>
+              <a:off x="366269" y="707665"/>
+              <a:ext cx="1748647" cy="288270"/>
             </a:xfrm>
             <a:prstGeom prst="rect">
               <a:avLst/>
@@ -3335,44 +3941,44 @@
             <a:effectLst/>
             <a:extLst>
               <a:ext uri="{C572A759-6A51-4108-AA02-DFA0A04FC94B}">
-                <ma14:wrappingTextBoxFlag xmlns="" xmlns:m="http://schemas.openxmlformats.org/officeDocument/2006/math" xmlns:a14="http://schemas.microsoft.com/office/drawing/2010/main" xmlns:ma14="http://schemas.microsoft.com/office/mac/drawingml/2011/main" val="1"/>
+                <ma14:wrappingTextBoxFlag xmlns:ma14="http://schemas.microsoft.com/office/mac/drawingml/2011/main" xmlns:a14="http://schemas.microsoft.com/office/drawing/2010/main" xmlns:m="http://schemas.openxmlformats.org/officeDocument/2006/math" xmlns="" val="1"/>
               </a:ext>
             </a:extLst>
           </p:spPr>
           <p:txBody>
-            <a:bodyPr wrap="square" lIns="0" tIns="0" rIns="0" bIns="0" numCol="1" anchor="t">
+            <a:bodyPr wrap="square" lIns="50800" tIns="50800" rIns="50800" bIns="50800" numCol="1" anchor="ctr">
               <a:noAutofit/>
             </a:bodyPr>
             <a:lstStyle>
-              <a:lvl1pPr algn="just" defTabSz="457200">
-                <a:lnSpc>
-                  <a:spcPct val="120000"/>
-                </a:lnSpc>
-                <a:defRPr sz="800">
-                  <a:latin typeface="Helvetica Neue Light"/>
-                  <a:ea typeface="Helvetica Neue Light"/>
-                  <a:cs typeface="Helvetica Neue Light"/>
-                  <a:sym typeface="Helvetica Neue Light"/>
+              <a:lvl1pPr defTabSz="457200">
+                <a:defRPr sz="900">
+                  <a:solidFill>
+                    <a:srgbClr val="333333"/>
+                  </a:solidFill>
+                  <a:latin typeface="Helvetica Neue"/>
+                  <a:ea typeface="Helvetica Neue"/>
+                  <a:cs typeface="Helvetica Neue"/>
+                  <a:sym typeface="Helvetica Neue"/>
                 </a:defRPr>
               </a:lvl1pPr>
             </a:lstStyle>
             <a:p>
               <a:r>
-                <a:t>Lorem ipsum dolor sit amet, consectetur adipiscing elit. Aliquam ac bibendum dui. Proin convallis libero id diam porta, facilisis varius velit tempus. Mauris semper, sem sit amet semper porttitor, lectus enim vehicula enim, vel scelerisque metus ligula id nibh. Nullam vitae sem fermentum, dignissim dui eget, luctus ex.</a:t>
+                <a:t>www.yourwebsite.com</a:t>
               </a:r>
             </a:p>
           </p:txBody>
         </p:sp>
         <p:sp>
           <p:nvSpPr>
-            <p:cNvPr id="689" name="Experience"/>
+            <p:cNvPr id="283" name="Country, Zip Postal Code"/>
             <p:cNvSpPr txBox="1"/>
             <p:nvPr/>
           </p:nvSpPr>
           <p:spPr>
             <a:xfrm>
-              <a:off x="3937388" y="2899936"/>
-              <a:ext cx="2433168" cy="338199"/>
+              <a:off x="366269" y="1097995"/>
+              <a:ext cx="1525930" cy="288270"/>
             </a:xfrm>
             <a:prstGeom prst="rect">
               <a:avLst/>
@@ -3385,19 +3991,19 @@
             <a:effectLst/>
             <a:extLst>
               <a:ext uri="{C572A759-6A51-4108-AA02-DFA0A04FC94B}">
-                <ma14:wrappingTextBoxFlag xmlns="" xmlns:m="http://schemas.openxmlformats.org/officeDocument/2006/math" xmlns:a14="http://schemas.microsoft.com/office/drawing/2010/main" xmlns:ma14="http://schemas.microsoft.com/office/mac/drawingml/2011/main" val="1"/>
+                <ma14:wrappingTextBoxFlag xmlns:ma14="http://schemas.microsoft.com/office/mac/drawingml/2011/main" xmlns:a14="http://schemas.microsoft.com/office/drawing/2010/main" xmlns:m="http://schemas.openxmlformats.org/officeDocument/2006/math" xmlns="" val="1"/>
               </a:ext>
             </a:extLst>
           </p:spPr>
           <p:txBody>
-            <a:bodyPr wrap="square" lIns="0" tIns="0" rIns="0" bIns="0" numCol="1" anchor="ctr">
+            <a:bodyPr wrap="square" lIns="50800" tIns="50800" rIns="50800" bIns="50800" numCol="1" anchor="t">
               <a:noAutofit/>
             </a:bodyPr>
             <a:lstStyle>
               <a:lvl1pPr defTabSz="457200">
-                <a:defRPr sz="1200" cap="all" spc="839">
+                <a:defRPr sz="900">
                   <a:solidFill>
-                    <a:srgbClr val="FFFFFF"/>
+                    <a:srgbClr val="333333"/>
                   </a:solidFill>
                   <a:latin typeface="Helvetica Neue"/>
                   <a:ea typeface="Helvetica Neue"/>
@@ -3408,1798 +4014,1334 @@
             </a:lstStyle>
             <a:p>
               <a:r>
-                <a:t>Experience</a:t>
+                <a:t>Country, Zip Postal Code</a:t>
               </a:r>
             </a:p>
           </p:txBody>
         </p:sp>
-        <p:sp>
-          <p:nvSpPr>
-            <p:cNvPr id="690" name="Lorem ipsum dolor sit amet, consectetur adipiscing elit. Aliquam ac bibendum dui. Proin convallis libero id diam porta, facilisis varius velit tempus. Mauris semper, sem sit amet semper porttitor, lectus enim vehicula enim, vel scelerisque metus ligula i"/>
-            <p:cNvSpPr txBox="1"/>
+        <p:pic>
+          <p:nvPicPr>
+            <p:cNvPr id="284" name="Group 10.png" descr="Group 10.png"/>
+            <p:cNvPicPr>
+              <a:picLocks noChangeAspect="1"/>
+            </p:cNvPicPr>
             <p:nvPr/>
-          </p:nvSpPr>
+          </p:nvPicPr>
+          <p:blipFill>
+            <a:blip r:embed="rId2"/>
+            <a:srcRect/>
+            <a:stretch>
+              <a:fillRect/>
+            </a:stretch>
+          </p:blipFill>
           <p:spPr>
             <a:xfrm>
-              <a:off x="3937388" y="3930982"/>
-              <a:ext cx="2811415" cy="1025438"/>
+              <a:off x="25618" y="372246"/>
+              <a:ext cx="275690" cy="275690"/>
             </a:xfrm>
             <a:prstGeom prst="rect">
               <a:avLst/>
             </a:prstGeom>
-            <a:noFill/>
             <a:ln w="12700" cap="flat">
               <a:noFill/>
               <a:miter lim="400000"/>
             </a:ln>
             <a:effectLst/>
-            <a:extLst>
-              <a:ext uri="{C572A759-6A51-4108-AA02-DFA0A04FC94B}">
-                <ma14:wrappingTextBoxFlag xmlns="" xmlns:m="http://schemas.openxmlformats.org/officeDocument/2006/math" xmlns:a14="http://schemas.microsoft.com/office/drawing/2010/main" xmlns:ma14="http://schemas.microsoft.com/office/mac/drawingml/2011/main" val="1"/>
-              </a:ext>
-            </a:extLst>
           </p:spPr>
-          <p:txBody>
-            <a:bodyPr wrap="square" lIns="0" tIns="0" rIns="0" bIns="0" numCol="1" anchor="t">
-              <a:noAutofit/>
-            </a:bodyPr>
-            <a:lstStyle>
-              <a:lvl1pPr algn="just" defTabSz="457200">
-                <a:lnSpc>
-                  <a:spcPct val="120000"/>
-                </a:lnSpc>
-                <a:defRPr sz="800">
-                  <a:solidFill>
-                    <a:srgbClr val="FFFFFF"/>
-                  </a:solidFill>
-                  <a:latin typeface="Helvetica Neue Light"/>
-                  <a:ea typeface="Helvetica Neue Light"/>
-                  <a:cs typeface="Helvetica Neue Light"/>
-                  <a:sym typeface="Helvetica Neue Light"/>
-                </a:defRPr>
-              </a:lvl1pPr>
-            </a:lstStyle>
-            <a:p>
-              <a:r>
-                <a:t>Lorem ipsum dolor sit amet, consectetur adipiscing elit. Aliquam ac bibendum dui. Proin convallis libero id diam porta, facilisis varius velit tempus. Mauris semper, sem sit amet semper porttitor, lectus enim vehicula enim, vel scelerisque metus ligula id nibh. Nullam vitae sem fermentum, dignissim dui eget, luctus ex.</a:t>
-              </a:r>
-            </a:p>
-          </p:txBody>
-        </p:sp>
-        <p:sp>
-          <p:nvSpPr>
-            <p:cNvPr id="691" name="Web-designer"/>
-            <p:cNvSpPr txBox="1"/>
+        </p:pic>
+        <p:pic>
+          <p:nvPicPr>
+            <p:cNvPr id="285" name="Group 12.png" descr="Group 12.png"/>
+            <p:cNvPicPr>
+              <a:picLocks noChangeAspect="1"/>
+            </p:cNvPicPr>
             <p:nvPr/>
-          </p:nvSpPr>
+          </p:nvPicPr>
+          <p:blipFill>
+            <a:blip r:embed="rId3"/>
+            <a:srcRect l="9013" t="9013" r="9013" b="9013"/>
+            <a:stretch>
+              <a:fillRect/>
+            </a:stretch>
+          </p:blipFill>
           <p:spPr>
             <a:xfrm>
-              <a:off x="3937388" y="3444722"/>
-              <a:ext cx="1798690" cy="213194"/>
+              <a:off x="0" y="1089893"/>
+              <a:ext cx="317353" cy="317353"/>
             </a:xfrm>
             <a:prstGeom prst="rect">
               <a:avLst/>
             </a:prstGeom>
-            <a:noFill/>
             <a:ln w="12700" cap="flat">
               <a:noFill/>
               <a:miter lim="400000"/>
             </a:ln>
             <a:effectLst/>
-            <a:extLst>
-              <a:ext uri="{C572A759-6A51-4108-AA02-DFA0A04FC94B}">
-                <ma14:wrappingTextBoxFlag xmlns="" xmlns:m="http://schemas.openxmlformats.org/officeDocument/2006/math" xmlns:a14="http://schemas.microsoft.com/office/drawing/2010/main" xmlns:ma14="http://schemas.microsoft.com/office/mac/drawingml/2011/main" val="1"/>
-              </a:ext>
-            </a:extLst>
           </p:spPr>
-          <p:txBody>
-            <a:bodyPr wrap="square" lIns="0" tIns="0" rIns="0" bIns="0" numCol="1" anchor="t">
-              <a:noAutofit/>
-            </a:bodyPr>
-            <a:lstStyle>
-              <a:lvl1pPr algn="just" defTabSz="457200">
-                <a:lnSpc>
-                  <a:spcPct val="120000"/>
-                </a:lnSpc>
-                <a:defRPr sz="800" cap="all" spc="56">
-                  <a:solidFill>
-                    <a:srgbClr val="FFFFFF"/>
-                  </a:solidFill>
-                  <a:latin typeface="Helvetica Neue Medium"/>
-                  <a:ea typeface="Helvetica Neue Medium"/>
-                  <a:cs typeface="Helvetica Neue Medium"/>
-                  <a:sym typeface="Helvetica Neue Medium"/>
-                </a:defRPr>
-              </a:lvl1pPr>
-            </a:lstStyle>
-            <a:p>
-              <a:r>
-                <a:t>Web-designer</a:t>
-              </a:r>
-            </a:p>
-          </p:txBody>
-        </p:sp>
-        <p:sp>
-          <p:nvSpPr>
-            <p:cNvPr id="692" name="2012 - 2016"/>
-            <p:cNvSpPr txBox="1"/>
+        </p:pic>
+        <p:pic>
+          <p:nvPicPr>
+            <p:cNvPr id="286" name="Group 13.png" descr="Group 13.png"/>
+            <p:cNvPicPr>
+              <a:picLocks noChangeAspect="1"/>
+            </p:cNvPicPr>
             <p:nvPr/>
-          </p:nvSpPr>
+          </p:nvPicPr>
+          <p:blipFill>
+            <a:blip r:embed="rId4"/>
+            <a:srcRect/>
+            <a:stretch>
+              <a:fillRect/>
+            </a:stretch>
+          </p:blipFill>
           <p:spPr>
             <a:xfrm>
-              <a:off x="5329866" y="3444722"/>
-              <a:ext cx="1418937" cy="213194"/>
+              <a:off x="26454" y="21720"/>
+              <a:ext cx="274017" cy="274017"/>
             </a:xfrm>
             <a:prstGeom prst="rect">
               <a:avLst/>
             </a:prstGeom>
-            <a:noFill/>
             <a:ln w="12700" cap="flat">
               <a:noFill/>
               <a:miter lim="400000"/>
             </a:ln>
             <a:effectLst/>
-            <a:extLst>
-              <a:ext uri="{C572A759-6A51-4108-AA02-DFA0A04FC94B}">
-                <ma14:wrappingTextBoxFlag xmlns="" xmlns:m="http://schemas.openxmlformats.org/officeDocument/2006/math" xmlns:a14="http://schemas.microsoft.com/office/drawing/2010/main" xmlns:ma14="http://schemas.microsoft.com/office/mac/drawingml/2011/main" val="1"/>
-              </a:ext>
-            </a:extLst>
           </p:spPr>
-          <p:txBody>
-            <a:bodyPr wrap="square" lIns="0" tIns="0" rIns="0" bIns="0" numCol="1" anchor="t">
-              <a:noAutofit/>
-            </a:bodyPr>
-            <a:lstStyle>
-              <a:lvl1pPr algn="r" defTabSz="457200">
-                <a:lnSpc>
-                  <a:spcPct val="120000"/>
-                </a:lnSpc>
-                <a:defRPr sz="800" spc="56">
-                  <a:solidFill>
-                    <a:srgbClr val="FFFFFF"/>
-                  </a:solidFill>
-                  <a:latin typeface="Helvetica Neue Light"/>
-                  <a:ea typeface="Helvetica Neue Light"/>
-                  <a:cs typeface="Helvetica Neue Light"/>
-                  <a:sym typeface="Helvetica Neue Light"/>
-                </a:defRPr>
-              </a:lvl1pPr>
-            </a:lstStyle>
-            <a:p>
-              <a:r>
-                <a:t>2012 - 2016</a:t>
-              </a:r>
-            </a:p>
-          </p:txBody>
-        </p:sp>
-        <p:sp>
-          <p:nvSpPr>
-            <p:cNvPr id="693" name="Company name, location"/>
-            <p:cNvSpPr txBox="1"/>
+        </p:pic>
+        <p:pic>
+          <p:nvPicPr>
+            <p:cNvPr id="287" name="Group 11.png" descr="Group 11.png"/>
+            <p:cNvPicPr>
+              <a:picLocks noChangeAspect="1"/>
+            </p:cNvPicPr>
             <p:nvPr/>
-          </p:nvSpPr>
+          </p:nvPicPr>
+          <p:blipFill>
+            <a:blip r:embed="rId5"/>
+            <a:srcRect/>
+            <a:stretch>
+              <a:fillRect/>
+            </a:stretch>
+          </p:blipFill>
           <p:spPr>
             <a:xfrm>
-              <a:off x="3937388" y="3657915"/>
-              <a:ext cx="1798690" cy="213194"/>
+              <a:off x="583" y="703513"/>
+              <a:ext cx="333706" cy="333707"/>
             </a:xfrm>
             <a:prstGeom prst="rect">
               <a:avLst/>
             </a:prstGeom>
-            <a:noFill/>
             <a:ln w="12700" cap="flat">
               <a:noFill/>
               <a:miter lim="400000"/>
             </a:ln>
             <a:effectLst/>
-            <a:extLst>
-              <a:ext uri="{C572A759-6A51-4108-AA02-DFA0A04FC94B}">
-                <ma14:wrappingTextBoxFlag xmlns="" xmlns:m="http://schemas.openxmlformats.org/officeDocument/2006/math" xmlns:a14="http://schemas.microsoft.com/office/drawing/2010/main" xmlns:ma14="http://schemas.microsoft.com/office/mac/drawingml/2011/main" val="1"/>
-              </a:ext>
-            </a:extLst>
           </p:spPr>
-          <p:txBody>
-            <a:bodyPr wrap="square" lIns="0" tIns="0" rIns="0" bIns="0" numCol="1" anchor="t">
-              <a:noAutofit/>
-            </a:bodyPr>
-            <a:lstStyle>
-              <a:lvl1pPr algn="just" defTabSz="457200">
-                <a:lnSpc>
-                  <a:spcPct val="120000"/>
-                </a:lnSpc>
-                <a:defRPr sz="800">
-                  <a:solidFill>
-                    <a:srgbClr val="FFFFFF"/>
-                  </a:solidFill>
-                  <a:latin typeface="Helvetica Neue"/>
-                  <a:ea typeface="Helvetica Neue"/>
-                  <a:cs typeface="Helvetica Neue"/>
-                  <a:sym typeface="Helvetica Neue"/>
-                </a:defRPr>
-              </a:lvl1pPr>
-            </a:lstStyle>
-            <a:p>
-              <a:r>
-                <a:t>Company name, location</a:t>
-              </a:r>
-            </a:p>
-          </p:txBody>
-        </p:sp>
-        <p:sp>
-          <p:nvSpPr>
-            <p:cNvPr id="694" name="Lorem ipsum dolor sit amet, consectetur adipiscing elit. Aliquam ac bibendum dui. Proin convallis libero id diam porta, facilisis varius velit tempus. Mauris semper, sem sit amet semper porttitor, lectus enim vehicula enim, vel scelerisque metus ligula i"/>
-            <p:cNvSpPr txBox="1"/>
-            <p:nvPr/>
-          </p:nvSpPr>
-          <p:spPr>
-            <a:xfrm>
-              <a:off x="3937388" y="5587332"/>
-              <a:ext cx="2811415" cy="1025439"/>
-            </a:xfrm>
-            <a:prstGeom prst="rect">
-              <a:avLst/>
-            </a:prstGeom>
-            <a:noFill/>
-            <a:ln w="12700" cap="flat">
-              <a:noFill/>
-              <a:miter lim="400000"/>
-            </a:ln>
-            <a:effectLst/>
-            <a:extLst>
-              <a:ext uri="{C572A759-6A51-4108-AA02-DFA0A04FC94B}">
-                <ma14:wrappingTextBoxFlag xmlns="" xmlns:m="http://schemas.openxmlformats.org/officeDocument/2006/math" xmlns:a14="http://schemas.microsoft.com/office/drawing/2010/main" xmlns:ma14="http://schemas.microsoft.com/office/mac/drawingml/2011/main" val="1"/>
-              </a:ext>
-            </a:extLst>
-          </p:spPr>
-          <p:txBody>
-            <a:bodyPr wrap="square" lIns="0" tIns="0" rIns="0" bIns="0" numCol="1" anchor="t">
-              <a:noAutofit/>
-            </a:bodyPr>
-            <a:lstStyle>
-              <a:lvl1pPr algn="just" defTabSz="457200">
-                <a:lnSpc>
-                  <a:spcPct val="120000"/>
-                </a:lnSpc>
-                <a:defRPr sz="800">
-                  <a:solidFill>
-                    <a:srgbClr val="FFFFFF"/>
-                  </a:solidFill>
-                  <a:latin typeface="Helvetica Neue Light"/>
-                  <a:ea typeface="Helvetica Neue Light"/>
-                  <a:cs typeface="Helvetica Neue Light"/>
-                  <a:sym typeface="Helvetica Neue Light"/>
-                </a:defRPr>
-              </a:lvl1pPr>
-            </a:lstStyle>
-            <a:p>
-              <a:r>
-                <a:t>Lorem ipsum dolor sit amet, consectetur adipiscing elit. Aliquam ac bibendum dui. Proin convallis libero id diam porta, facilisis varius velit tempus. Mauris semper, sem sit amet semper porttitor, lectus enim vehicula enim, vel scelerisque metus ligula id nibh. Nullam vitae sem fermentum, dignissim dui eget, luctus ex.</a:t>
-              </a:r>
-            </a:p>
-          </p:txBody>
-        </p:sp>
-        <p:sp>
-          <p:nvSpPr>
-            <p:cNvPr id="695" name="Web-designer"/>
-            <p:cNvSpPr txBox="1"/>
-            <p:nvPr/>
-          </p:nvSpPr>
-          <p:spPr>
-            <a:xfrm>
-              <a:off x="3937388" y="5101073"/>
-              <a:ext cx="1798690" cy="213194"/>
-            </a:xfrm>
-            <a:prstGeom prst="rect">
-              <a:avLst/>
-            </a:prstGeom>
-            <a:noFill/>
-            <a:ln w="12700" cap="flat">
-              <a:noFill/>
-              <a:miter lim="400000"/>
-            </a:ln>
-            <a:effectLst/>
-            <a:extLst>
-              <a:ext uri="{C572A759-6A51-4108-AA02-DFA0A04FC94B}">
-                <ma14:wrappingTextBoxFlag xmlns="" xmlns:m="http://schemas.openxmlformats.org/officeDocument/2006/math" xmlns:a14="http://schemas.microsoft.com/office/drawing/2010/main" xmlns:ma14="http://schemas.microsoft.com/office/mac/drawingml/2011/main" val="1"/>
-              </a:ext>
-            </a:extLst>
-          </p:spPr>
-          <p:txBody>
-            <a:bodyPr wrap="square" lIns="0" tIns="0" rIns="0" bIns="0" numCol="1" anchor="t">
-              <a:noAutofit/>
-            </a:bodyPr>
-            <a:lstStyle>
-              <a:lvl1pPr algn="just" defTabSz="457200">
-                <a:lnSpc>
-                  <a:spcPct val="120000"/>
-                </a:lnSpc>
-                <a:defRPr sz="800" cap="all" spc="56">
-                  <a:solidFill>
-                    <a:srgbClr val="FFFFFF"/>
-                  </a:solidFill>
-                  <a:latin typeface="Helvetica Neue Medium"/>
-                  <a:ea typeface="Helvetica Neue Medium"/>
-                  <a:cs typeface="Helvetica Neue Medium"/>
-                  <a:sym typeface="Helvetica Neue Medium"/>
-                </a:defRPr>
-              </a:lvl1pPr>
-            </a:lstStyle>
-            <a:p>
-              <a:r>
-                <a:t>Web-designer</a:t>
-              </a:r>
-            </a:p>
-          </p:txBody>
-        </p:sp>
-        <p:sp>
-          <p:nvSpPr>
-            <p:cNvPr id="696" name="2016 - 2019"/>
-            <p:cNvSpPr txBox="1"/>
-            <p:nvPr/>
-          </p:nvSpPr>
-          <p:spPr>
-            <a:xfrm>
-              <a:off x="5329866" y="5101073"/>
-              <a:ext cx="1418937" cy="213194"/>
-            </a:xfrm>
-            <a:prstGeom prst="rect">
-              <a:avLst/>
-            </a:prstGeom>
-            <a:noFill/>
-            <a:ln w="12700" cap="flat">
-              <a:noFill/>
-              <a:miter lim="400000"/>
-            </a:ln>
-            <a:effectLst/>
-            <a:extLst>
-              <a:ext uri="{C572A759-6A51-4108-AA02-DFA0A04FC94B}">
-                <ma14:wrappingTextBoxFlag xmlns="" xmlns:m="http://schemas.openxmlformats.org/officeDocument/2006/math" xmlns:a14="http://schemas.microsoft.com/office/drawing/2010/main" xmlns:ma14="http://schemas.microsoft.com/office/mac/drawingml/2011/main" val="1"/>
-              </a:ext>
-            </a:extLst>
-          </p:spPr>
-          <p:txBody>
-            <a:bodyPr wrap="square" lIns="0" tIns="0" rIns="0" bIns="0" numCol="1" anchor="t">
-              <a:noAutofit/>
-            </a:bodyPr>
-            <a:lstStyle>
-              <a:lvl1pPr algn="r" defTabSz="457200">
-                <a:lnSpc>
-                  <a:spcPct val="120000"/>
-                </a:lnSpc>
-                <a:defRPr sz="800" spc="56">
-                  <a:solidFill>
-                    <a:srgbClr val="FFFFFF"/>
-                  </a:solidFill>
-                  <a:latin typeface="Helvetica Neue Light"/>
-                  <a:ea typeface="Helvetica Neue Light"/>
-                  <a:cs typeface="Helvetica Neue Light"/>
-                  <a:sym typeface="Helvetica Neue Light"/>
-                </a:defRPr>
-              </a:lvl1pPr>
-            </a:lstStyle>
-            <a:p>
-              <a:r>
-                <a:t>2016 - 2019</a:t>
-              </a:r>
-            </a:p>
-          </p:txBody>
-        </p:sp>
-        <p:sp>
-          <p:nvSpPr>
-            <p:cNvPr id="697" name="Company name, location"/>
-            <p:cNvSpPr txBox="1"/>
-            <p:nvPr/>
-          </p:nvSpPr>
-          <p:spPr>
-            <a:xfrm>
-              <a:off x="3937388" y="5314266"/>
-              <a:ext cx="1798690" cy="213194"/>
-            </a:xfrm>
-            <a:prstGeom prst="rect">
-              <a:avLst/>
-            </a:prstGeom>
-            <a:noFill/>
-            <a:ln w="12700" cap="flat">
-              <a:noFill/>
-              <a:miter lim="400000"/>
-            </a:ln>
-            <a:effectLst/>
-            <a:extLst>
-              <a:ext uri="{C572A759-6A51-4108-AA02-DFA0A04FC94B}">
-                <ma14:wrappingTextBoxFlag xmlns="" xmlns:m="http://schemas.openxmlformats.org/officeDocument/2006/math" xmlns:a14="http://schemas.microsoft.com/office/drawing/2010/main" xmlns:ma14="http://schemas.microsoft.com/office/mac/drawingml/2011/main" val="1"/>
-              </a:ext>
-            </a:extLst>
-          </p:spPr>
-          <p:txBody>
-            <a:bodyPr wrap="square" lIns="0" tIns="0" rIns="0" bIns="0" numCol="1" anchor="t">
-              <a:noAutofit/>
-            </a:bodyPr>
-            <a:lstStyle>
-              <a:lvl1pPr algn="just" defTabSz="457200">
-                <a:lnSpc>
-                  <a:spcPct val="120000"/>
-                </a:lnSpc>
-                <a:defRPr sz="800">
-                  <a:solidFill>
-                    <a:srgbClr val="FFFFFF"/>
-                  </a:solidFill>
-                  <a:latin typeface="Helvetica Neue"/>
-                  <a:ea typeface="Helvetica Neue"/>
-                  <a:cs typeface="Helvetica Neue"/>
-                  <a:sym typeface="Helvetica Neue"/>
-                </a:defRPr>
-              </a:lvl1pPr>
-            </a:lstStyle>
-            <a:p>
-              <a:r>
-                <a:t>Company name, location</a:t>
-              </a:r>
-            </a:p>
-          </p:txBody>
-        </p:sp>
-        <p:sp>
-          <p:nvSpPr>
-            <p:cNvPr id="698" name="Lorem ipsum dolor sit amet, consectetur adipiscing elit. Aliquam ac bibendum dui. Proin convallis libero id diam porta, facilisis varius velit tempus. Mauris semper, sem sit amet semper porttitor, lectus enim vehicula enim."/>
-            <p:cNvSpPr txBox="1"/>
-            <p:nvPr/>
-          </p:nvSpPr>
-          <p:spPr>
-            <a:xfrm>
-              <a:off x="3937388" y="7238391"/>
-              <a:ext cx="2811415" cy="1025438"/>
-            </a:xfrm>
-            <a:prstGeom prst="rect">
-              <a:avLst/>
-            </a:prstGeom>
-            <a:noFill/>
-            <a:ln w="12700" cap="flat">
-              <a:noFill/>
-              <a:miter lim="400000"/>
-            </a:ln>
-            <a:effectLst/>
-            <a:extLst>
-              <a:ext uri="{C572A759-6A51-4108-AA02-DFA0A04FC94B}">
-                <ma14:wrappingTextBoxFlag xmlns="" xmlns:m="http://schemas.openxmlformats.org/officeDocument/2006/math" xmlns:a14="http://schemas.microsoft.com/office/drawing/2010/main" xmlns:ma14="http://schemas.microsoft.com/office/mac/drawingml/2011/main" val="1"/>
-              </a:ext>
-            </a:extLst>
-          </p:spPr>
-          <p:txBody>
-            <a:bodyPr wrap="square" lIns="0" tIns="0" rIns="0" bIns="0" numCol="1" anchor="t">
-              <a:noAutofit/>
-            </a:bodyPr>
-            <a:lstStyle>
-              <a:lvl1pPr algn="just" defTabSz="457200">
-                <a:lnSpc>
-                  <a:spcPct val="120000"/>
-                </a:lnSpc>
-                <a:defRPr sz="800">
-                  <a:solidFill>
-                    <a:srgbClr val="FFFFFF"/>
-                  </a:solidFill>
-                  <a:latin typeface="Helvetica Neue Light"/>
-                  <a:ea typeface="Helvetica Neue Light"/>
-                  <a:cs typeface="Helvetica Neue Light"/>
-                  <a:sym typeface="Helvetica Neue Light"/>
-                </a:defRPr>
-              </a:lvl1pPr>
-            </a:lstStyle>
-            <a:p>
-              <a:r>
-                <a:t>Lorem ipsum dolor sit amet, consectetur adipiscing elit. Aliquam ac bibendum dui. Proin convallis libero id diam porta, facilisis varius velit tempus. Mauris semper, sem sit amet semper porttitor, lectus enim vehicula enim.</a:t>
-              </a:r>
-            </a:p>
-          </p:txBody>
-        </p:sp>
-        <p:sp>
-          <p:nvSpPr>
-            <p:cNvPr id="699" name="Web-designer"/>
-            <p:cNvSpPr txBox="1"/>
-            <p:nvPr/>
-          </p:nvSpPr>
-          <p:spPr>
-            <a:xfrm>
-              <a:off x="3937388" y="6752132"/>
-              <a:ext cx="1798690" cy="213193"/>
-            </a:xfrm>
-            <a:prstGeom prst="rect">
-              <a:avLst/>
-            </a:prstGeom>
-            <a:noFill/>
-            <a:ln w="12700" cap="flat">
-              <a:noFill/>
-              <a:miter lim="400000"/>
-            </a:ln>
-            <a:effectLst/>
-            <a:extLst>
-              <a:ext uri="{C572A759-6A51-4108-AA02-DFA0A04FC94B}">
-                <ma14:wrappingTextBoxFlag xmlns="" xmlns:m="http://schemas.openxmlformats.org/officeDocument/2006/math" xmlns:a14="http://schemas.microsoft.com/office/drawing/2010/main" xmlns:ma14="http://schemas.microsoft.com/office/mac/drawingml/2011/main" val="1"/>
-              </a:ext>
-            </a:extLst>
-          </p:spPr>
-          <p:txBody>
-            <a:bodyPr wrap="square" lIns="0" tIns="0" rIns="0" bIns="0" numCol="1" anchor="t">
-              <a:noAutofit/>
-            </a:bodyPr>
-            <a:lstStyle>
-              <a:lvl1pPr algn="just" defTabSz="457200">
-                <a:lnSpc>
-                  <a:spcPct val="120000"/>
-                </a:lnSpc>
-                <a:defRPr sz="800" cap="all" spc="56">
-                  <a:solidFill>
-                    <a:srgbClr val="FFFFFF"/>
-                  </a:solidFill>
-                  <a:latin typeface="Helvetica Neue Medium"/>
-                  <a:ea typeface="Helvetica Neue Medium"/>
-                  <a:cs typeface="Helvetica Neue Medium"/>
-                  <a:sym typeface="Helvetica Neue Medium"/>
-                </a:defRPr>
-              </a:lvl1pPr>
-            </a:lstStyle>
-            <a:p>
-              <a:r>
-                <a:t>Web-designer</a:t>
-              </a:r>
-            </a:p>
-          </p:txBody>
-        </p:sp>
-        <p:sp>
-          <p:nvSpPr>
-            <p:cNvPr id="700" name="2012 - 2020"/>
-            <p:cNvSpPr txBox="1"/>
-            <p:nvPr/>
-          </p:nvSpPr>
-          <p:spPr>
-            <a:xfrm>
-              <a:off x="5329866" y="6752132"/>
-              <a:ext cx="1418937" cy="213193"/>
-            </a:xfrm>
-            <a:prstGeom prst="rect">
-              <a:avLst/>
-            </a:prstGeom>
-            <a:noFill/>
-            <a:ln w="12700" cap="flat">
-              <a:noFill/>
-              <a:miter lim="400000"/>
-            </a:ln>
-            <a:effectLst/>
-            <a:extLst>
-              <a:ext uri="{C572A759-6A51-4108-AA02-DFA0A04FC94B}">
-                <ma14:wrappingTextBoxFlag xmlns="" xmlns:m="http://schemas.openxmlformats.org/officeDocument/2006/math" xmlns:a14="http://schemas.microsoft.com/office/drawing/2010/main" xmlns:ma14="http://schemas.microsoft.com/office/mac/drawingml/2011/main" val="1"/>
-              </a:ext>
-            </a:extLst>
-          </p:spPr>
-          <p:txBody>
-            <a:bodyPr wrap="square" lIns="0" tIns="0" rIns="0" bIns="0" numCol="1" anchor="t">
-              <a:noAutofit/>
-            </a:bodyPr>
-            <a:lstStyle>
-              <a:lvl1pPr algn="r" defTabSz="457200">
-                <a:lnSpc>
-                  <a:spcPct val="120000"/>
-                </a:lnSpc>
-                <a:defRPr sz="800" spc="56">
-                  <a:solidFill>
-                    <a:srgbClr val="FFFFFF"/>
-                  </a:solidFill>
-                  <a:latin typeface="Helvetica Neue Light"/>
-                  <a:ea typeface="Helvetica Neue Light"/>
-                  <a:cs typeface="Helvetica Neue Light"/>
-                  <a:sym typeface="Helvetica Neue Light"/>
-                </a:defRPr>
-              </a:lvl1pPr>
-            </a:lstStyle>
-            <a:p>
-              <a:r>
-                <a:t>2012 - 2020</a:t>
-              </a:r>
-            </a:p>
-          </p:txBody>
-        </p:sp>
-        <p:sp>
-          <p:nvSpPr>
-            <p:cNvPr id="701" name="Company name, location"/>
-            <p:cNvSpPr txBox="1"/>
-            <p:nvPr/>
-          </p:nvSpPr>
-          <p:spPr>
-            <a:xfrm>
-              <a:off x="3937388" y="6965325"/>
-              <a:ext cx="1798690" cy="213194"/>
-            </a:xfrm>
-            <a:prstGeom prst="rect">
-              <a:avLst/>
-            </a:prstGeom>
-            <a:noFill/>
-            <a:ln w="12700" cap="flat">
-              <a:noFill/>
-              <a:miter lim="400000"/>
-            </a:ln>
-            <a:effectLst/>
-            <a:extLst>
-              <a:ext uri="{C572A759-6A51-4108-AA02-DFA0A04FC94B}">
-                <ma14:wrappingTextBoxFlag xmlns="" xmlns:m="http://schemas.openxmlformats.org/officeDocument/2006/math" xmlns:a14="http://schemas.microsoft.com/office/drawing/2010/main" xmlns:ma14="http://schemas.microsoft.com/office/mac/drawingml/2011/main" val="1"/>
-              </a:ext>
-            </a:extLst>
-          </p:spPr>
-          <p:txBody>
-            <a:bodyPr wrap="square" lIns="0" tIns="0" rIns="0" bIns="0" numCol="1" anchor="t">
-              <a:noAutofit/>
-            </a:bodyPr>
-            <a:lstStyle>
-              <a:lvl1pPr algn="just" defTabSz="457200">
-                <a:lnSpc>
-                  <a:spcPct val="120000"/>
-                </a:lnSpc>
-                <a:defRPr sz="800">
-                  <a:solidFill>
-                    <a:srgbClr val="FFFFFF"/>
-                  </a:solidFill>
-                  <a:latin typeface="Helvetica Neue"/>
-                  <a:ea typeface="Helvetica Neue"/>
-                  <a:cs typeface="Helvetica Neue"/>
-                  <a:sym typeface="Helvetica Neue"/>
-                </a:defRPr>
-              </a:lvl1pPr>
-            </a:lstStyle>
-            <a:p>
-              <a:r>
-                <a:t>Company name, location</a:t>
-              </a:r>
-            </a:p>
-          </p:txBody>
-        </p:sp>
-        <p:sp>
-          <p:nvSpPr>
-            <p:cNvPr id="702" name="Interests"/>
-            <p:cNvSpPr txBox="1"/>
-            <p:nvPr/>
-          </p:nvSpPr>
-          <p:spPr>
-            <a:xfrm>
-              <a:off x="3937388" y="8181208"/>
-              <a:ext cx="2433168" cy="338198"/>
-            </a:xfrm>
-            <a:prstGeom prst="rect">
-              <a:avLst/>
-            </a:prstGeom>
-            <a:noFill/>
-            <a:ln w="12700" cap="flat">
-              <a:noFill/>
-              <a:miter lim="400000"/>
-            </a:ln>
-            <a:effectLst/>
-            <a:extLst>
-              <a:ext uri="{C572A759-6A51-4108-AA02-DFA0A04FC94B}">
-                <ma14:wrappingTextBoxFlag xmlns="" xmlns:m="http://schemas.openxmlformats.org/officeDocument/2006/math" xmlns:a14="http://schemas.microsoft.com/office/drawing/2010/main" xmlns:ma14="http://schemas.microsoft.com/office/mac/drawingml/2011/main" val="1"/>
-              </a:ext>
-            </a:extLst>
-          </p:spPr>
-          <p:txBody>
-            <a:bodyPr wrap="square" lIns="0" tIns="0" rIns="0" bIns="0" numCol="1" anchor="ctr">
-              <a:noAutofit/>
-            </a:bodyPr>
-            <a:lstStyle>
-              <a:lvl1pPr defTabSz="457200">
-                <a:defRPr sz="1200" cap="all" spc="839">
-                  <a:solidFill>
-                    <a:srgbClr val="FFFFFF"/>
-                  </a:solidFill>
-                  <a:latin typeface="Helvetica Neue"/>
-                  <a:ea typeface="Helvetica Neue"/>
-                  <a:cs typeface="Helvetica Neue"/>
-                  <a:sym typeface="Helvetica Neue"/>
-                </a:defRPr>
-              </a:lvl1pPr>
-            </a:lstStyle>
-            <a:p>
-              <a:r>
-                <a:t>Interests</a:t>
-              </a:r>
-            </a:p>
-          </p:txBody>
-        </p:sp>
-        <p:sp>
-          <p:nvSpPr>
-            <p:cNvPr id="703" name="Lorem ipsum dolor sit amet, consectetur adipiscing elit. Aliquam ac bibendum dui. Proin convallis libero id diam porta, facilisis varius velit tempus. Mauris semper, sem sit amet semper porttitor, lectus enim vehicula enim, vel scelerisque metus ligula i"/>
-            <p:cNvSpPr txBox="1"/>
-            <p:nvPr/>
-          </p:nvSpPr>
-          <p:spPr>
-            <a:xfrm>
-              <a:off x="3937388" y="8725994"/>
-              <a:ext cx="2811415" cy="1627696"/>
-            </a:xfrm>
-            <a:prstGeom prst="rect">
-              <a:avLst/>
-            </a:prstGeom>
-            <a:noFill/>
-            <a:ln w="12700" cap="flat">
-              <a:noFill/>
-              <a:miter lim="400000"/>
-            </a:ln>
-            <a:effectLst/>
-            <a:extLst>
-              <a:ext uri="{C572A759-6A51-4108-AA02-DFA0A04FC94B}">
-                <ma14:wrappingTextBoxFlag xmlns="" xmlns:m="http://schemas.openxmlformats.org/officeDocument/2006/math" xmlns:a14="http://schemas.microsoft.com/office/drawing/2010/main" xmlns:ma14="http://schemas.microsoft.com/office/mac/drawingml/2011/main" val="1"/>
-              </a:ext>
-            </a:extLst>
-          </p:spPr>
-          <p:txBody>
-            <a:bodyPr wrap="square" lIns="0" tIns="0" rIns="0" bIns="0" numCol="1" anchor="t">
-              <a:noAutofit/>
-            </a:bodyPr>
-            <a:lstStyle/>
-            <a:p>
-              <a:pPr algn="just" defTabSz="457200">
-                <a:lnSpc>
-                  <a:spcPct val="120000"/>
-                </a:lnSpc>
-                <a:spcBef>
-                  <a:spcPts val="700"/>
-                </a:spcBef>
-                <a:defRPr sz="800">
-                  <a:solidFill>
-                    <a:srgbClr val="FFFFFF"/>
-                  </a:solidFill>
-                  <a:latin typeface="Helvetica Neue Light"/>
-                  <a:ea typeface="Helvetica Neue Light"/>
-                  <a:cs typeface="Helvetica Neue Light"/>
-                  <a:sym typeface="Helvetica Neue Light"/>
-                </a:defRPr>
-              </a:pPr>
-              <a:r>
-                <a:t>Lorem ipsum dolor sit amet, consectetur adipiscing elit. Aliquam ac bibendum dui. Proin convallis libero id diam porta, facilisis varius velit tempus. Mauris semper, sem sit amet semper porttitor, lectus enim vehicula enim, vel scelerisque metus ligula id nibh. Nullam vitae sem fermentum, dignissim dui eget, luctus ex.</a:t>
-              </a:r>
-            </a:p>
-            <a:p>
-              <a:pPr algn="just" defTabSz="457200">
-                <a:lnSpc>
-                  <a:spcPct val="120000"/>
-                </a:lnSpc>
-                <a:spcBef>
-                  <a:spcPts val="700"/>
-                </a:spcBef>
-                <a:defRPr sz="800">
-                  <a:solidFill>
-                    <a:srgbClr val="FFFFFF"/>
-                  </a:solidFill>
-                  <a:latin typeface="Helvetica Neue Light"/>
-                  <a:ea typeface="Helvetica Neue Light"/>
-                  <a:cs typeface="Helvetica Neue Light"/>
-                  <a:sym typeface="Helvetica Neue Light"/>
-                </a:defRPr>
-              </a:pPr>
-              <a:r>
-                <a:t>Mauris semper, sem sit amet semper porttitor, lectus enim vehicula enim, vel scelerisque metus ligula id nibh. Nullam vitae sem fermentum, dignissim dui eget, luctus ex.</a:t>
-              </a:r>
-            </a:p>
-          </p:txBody>
-        </p:sp>
-        <p:sp>
-          <p:nvSpPr>
-            <p:cNvPr id="704" name="Education"/>
-            <p:cNvSpPr txBox="1"/>
-            <p:nvPr/>
-          </p:nvSpPr>
-          <p:spPr>
-            <a:xfrm>
-              <a:off x="0" y="4671216"/>
-              <a:ext cx="2433167" cy="338199"/>
-            </a:xfrm>
-            <a:prstGeom prst="rect">
-              <a:avLst/>
-            </a:prstGeom>
-            <a:noFill/>
-            <a:ln w="12700" cap="flat">
-              <a:noFill/>
-              <a:miter lim="400000"/>
-            </a:ln>
-            <a:effectLst/>
-            <a:extLst>
-              <a:ext uri="{C572A759-6A51-4108-AA02-DFA0A04FC94B}">
-                <ma14:wrappingTextBoxFlag xmlns="" xmlns:m="http://schemas.openxmlformats.org/officeDocument/2006/math" xmlns:a14="http://schemas.microsoft.com/office/drawing/2010/main" xmlns:ma14="http://schemas.microsoft.com/office/mac/drawingml/2011/main" val="1"/>
-              </a:ext>
-            </a:extLst>
-          </p:spPr>
-          <p:txBody>
-            <a:bodyPr wrap="square" lIns="0" tIns="0" rIns="0" bIns="0" numCol="1" anchor="ctr">
-              <a:noAutofit/>
-            </a:bodyPr>
-            <a:lstStyle>
-              <a:lvl1pPr defTabSz="457200">
-                <a:defRPr sz="1200" cap="all" spc="839">
-                  <a:latin typeface="Helvetica Neue"/>
-                  <a:ea typeface="Helvetica Neue"/>
-                  <a:cs typeface="Helvetica Neue"/>
-                  <a:sym typeface="Helvetica Neue"/>
-                </a:defRPr>
-              </a:lvl1pPr>
-            </a:lstStyle>
-            <a:p>
-              <a:r>
-                <a:t>Education</a:t>
-              </a:r>
-            </a:p>
-          </p:txBody>
-        </p:sp>
-        <p:grpSp>
-          <p:nvGrpSpPr>
-            <p:cNvPr id="711" name="Сгруппировать"/>
-            <p:cNvGrpSpPr/>
-            <p:nvPr/>
-          </p:nvGrpSpPr>
-          <p:grpSpPr>
-            <a:xfrm>
-              <a:off x="0" y="5102781"/>
-              <a:ext cx="1862573" cy="1394103"/>
-              <a:chOff x="0" y="0"/>
-              <a:chExt cx="1862572" cy="1394102"/>
-            </a:xfrm>
-          </p:grpSpPr>
-          <p:sp>
-            <p:nvSpPr>
-              <p:cNvPr id="705" name="Enter your degree"/>
-              <p:cNvSpPr txBox="1"/>
-              <p:nvPr/>
-            </p:nvSpPr>
-            <p:spPr>
-              <a:xfrm>
-                <a:off x="0" y="0"/>
-                <a:ext cx="1719425" cy="264495"/>
-              </a:xfrm>
-              <a:prstGeom prst="rect">
-                <a:avLst/>
-              </a:prstGeom>
-              <a:noFill/>
-              <a:ln w="12700" cap="flat">
-                <a:noFill/>
-                <a:miter lim="400000"/>
-              </a:ln>
-              <a:effectLst/>
-              <a:extLst>
-                <a:ext uri="{C572A759-6A51-4108-AA02-DFA0A04FC94B}">
-                  <ma14:wrappingTextBoxFlag xmlns="" xmlns:m="http://schemas.openxmlformats.org/officeDocument/2006/math" xmlns:a14="http://schemas.microsoft.com/office/drawing/2010/main" xmlns:ma14="http://schemas.microsoft.com/office/mac/drawingml/2011/main" val="1"/>
-                </a:ext>
-              </a:extLst>
-            </p:spPr>
-            <p:txBody>
-              <a:bodyPr wrap="square" lIns="0" tIns="0" rIns="0" bIns="0" numCol="1" anchor="ctr">
-                <a:noAutofit/>
-              </a:bodyPr>
-              <a:lstStyle>
-                <a:lvl1pPr defTabSz="457200">
-                  <a:defRPr sz="900" cap="all" spc="45">
-                    <a:latin typeface="Helvetica Neue"/>
-                    <a:ea typeface="Helvetica Neue"/>
-                    <a:cs typeface="Helvetica Neue"/>
-                    <a:sym typeface="Helvetica Neue"/>
-                  </a:defRPr>
-                </a:lvl1pPr>
-              </a:lstStyle>
-              <a:p>
-                <a:r>
-                  <a:t>Enter your degree</a:t>
-                </a:r>
-              </a:p>
-            </p:txBody>
-          </p:sp>
-          <p:sp>
-            <p:nvSpPr>
-              <p:cNvPr id="706" name="University name"/>
-              <p:cNvSpPr txBox="1"/>
-              <p:nvPr/>
-            </p:nvSpPr>
-            <p:spPr>
-              <a:xfrm>
-                <a:off x="0" y="191756"/>
-                <a:ext cx="1862573" cy="264495"/>
-              </a:xfrm>
-              <a:prstGeom prst="rect">
-                <a:avLst/>
-              </a:prstGeom>
-              <a:noFill/>
-              <a:ln w="12700" cap="flat">
-                <a:noFill/>
-                <a:miter lim="400000"/>
-              </a:ln>
-              <a:effectLst/>
-              <a:extLst>
-                <a:ext uri="{C572A759-6A51-4108-AA02-DFA0A04FC94B}">
-                  <ma14:wrappingTextBoxFlag xmlns="" xmlns:m="http://schemas.openxmlformats.org/officeDocument/2006/math" xmlns:a14="http://schemas.microsoft.com/office/drawing/2010/main" xmlns:ma14="http://schemas.microsoft.com/office/mac/drawingml/2011/main" val="1"/>
-                </a:ext>
-              </a:extLst>
-            </p:spPr>
-            <p:txBody>
-              <a:bodyPr wrap="square" lIns="0" tIns="0" rIns="0" bIns="0" numCol="1" anchor="ctr">
-                <a:noAutofit/>
-              </a:bodyPr>
-              <a:lstStyle>
-                <a:lvl1pPr defTabSz="457200">
-                  <a:defRPr sz="900">
-                    <a:latin typeface="Helvetica Neue Medium"/>
-                    <a:ea typeface="Helvetica Neue Medium"/>
-                    <a:cs typeface="Helvetica Neue Medium"/>
-                    <a:sym typeface="Helvetica Neue Medium"/>
-                  </a:defRPr>
-                </a:lvl1pPr>
-              </a:lstStyle>
-              <a:p>
-                <a:r>
-                  <a:t>University name</a:t>
-                </a:r>
-              </a:p>
-            </p:txBody>
-          </p:sp>
-          <p:sp>
-            <p:nvSpPr>
-              <p:cNvPr id="707" name="2010 = 2011"/>
-              <p:cNvSpPr txBox="1"/>
-              <p:nvPr/>
-            </p:nvSpPr>
-            <p:spPr>
-              <a:xfrm>
-                <a:off x="0" y="383511"/>
-                <a:ext cx="1862573" cy="264496"/>
-              </a:xfrm>
-              <a:prstGeom prst="rect">
-                <a:avLst/>
-              </a:prstGeom>
-              <a:noFill/>
-              <a:ln w="12700" cap="flat">
-                <a:noFill/>
-                <a:miter lim="400000"/>
-              </a:ln>
-              <a:effectLst/>
-              <a:extLst>
-                <a:ext uri="{C572A759-6A51-4108-AA02-DFA0A04FC94B}">
-                  <ma14:wrappingTextBoxFlag xmlns="" xmlns:m="http://schemas.openxmlformats.org/officeDocument/2006/math" xmlns:a14="http://schemas.microsoft.com/office/drawing/2010/main" xmlns:ma14="http://schemas.microsoft.com/office/mac/drawingml/2011/main" val="1"/>
-                </a:ext>
-              </a:extLst>
-            </p:spPr>
-            <p:txBody>
-              <a:bodyPr wrap="square" lIns="0" tIns="0" rIns="0" bIns="0" numCol="1" anchor="ctr">
-                <a:noAutofit/>
-              </a:bodyPr>
-              <a:lstStyle>
-                <a:lvl1pPr defTabSz="457200">
-                  <a:defRPr sz="800">
-                    <a:latin typeface="Helvetica Neue Light"/>
-                    <a:ea typeface="Helvetica Neue Light"/>
-                    <a:cs typeface="Helvetica Neue Light"/>
-                    <a:sym typeface="Helvetica Neue Light"/>
-                  </a:defRPr>
-                </a:lvl1pPr>
-              </a:lstStyle>
-              <a:p>
-                <a:r>
-                  <a:t>2010 = 2011</a:t>
-                </a:r>
-              </a:p>
-            </p:txBody>
-          </p:sp>
-          <p:sp>
-            <p:nvSpPr>
-              <p:cNvPr id="708" name="Enter your degree"/>
-              <p:cNvSpPr txBox="1"/>
-              <p:nvPr/>
-            </p:nvSpPr>
-            <p:spPr>
-              <a:xfrm>
-                <a:off x="0" y="746096"/>
-                <a:ext cx="1719425" cy="264495"/>
-              </a:xfrm>
-              <a:prstGeom prst="rect">
-                <a:avLst/>
-              </a:prstGeom>
-              <a:noFill/>
-              <a:ln w="12700" cap="flat">
-                <a:noFill/>
-                <a:miter lim="400000"/>
-              </a:ln>
-              <a:effectLst/>
-              <a:extLst>
-                <a:ext uri="{C572A759-6A51-4108-AA02-DFA0A04FC94B}">
-                  <ma14:wrappingTextBoxFlag xmlns="" xmlns:m="http://schemas.openxmlformats.org/officeDocument/2006/math" xmlns:a14="http://schemas.microsoft.com/office/drawing/2010/main" xmlns:ma14="http://schemas.microsoft.com/office/mac/drawingml/2011/main" val="1"/>
-                </a:ext>
-              </a:extLst>
-            </p:spPr>
-            <p:txBody>
-              <a:bodyPr wrap="square" lIns="0" tIns="0" rIns="0" bIns="0" numCol="1" anchor="ctr">
-                <a:noAutofit/>
-              </a:bodyPr>
-              <a:lstStyle>
-                <a:lvl1pPr defTabSz="457200">
-                  <a:defRPr sz="900" cap="all" spc="45">
-                    <a:latin typeface="Helvetica Neue"/>
-                    <a:ea typeface="Helvetica Neue"/>
-                    <a:cs typeface="Helvetica Neue"/>
-                    <a:sym typeface="Helvetica Neue"/>
-                  </a:defRPr>
-                </a:lvl1pPr>
-              </a:lstStyle>
-              <a:p>
-                <a:r>
-                  <a:t>Enter your degree</a:t>
-                </a:r>
-              </a:p>
-            </p:txBody>
-          </p:sp>
-          <p:sp>
-            <p:nvSpPr>
-              <p:cNvPr id="709" name="University name"/>
-              <p:cNvSpPr txBox="1"/>
-              <p:nvPr/>
-            </p:nvSpPr>
-            <p:spPr>
-              <a:xfrm>
-                <a:off x="0" y="937852"/>
-                <a:ext cx="1862573" cy="264495"/>
-              </a:xfrm>
-              <a:prstGeom prst="rect">
-                <a:avLst/>
-              </a:prstGeom>
-              <a:noFill/>
-              <a:ln w="12700" cap="flat">
-                <a:noFill/>
-                <a:miter lim="400000"/>
-              </a:ln>
-              <a:effectLst/>
-              <a:extLst>
-                <a:ext uri="{C572A759-6A51-4108-AA02-DFA0A04FC94B}">
-                  <ma14:wrappingTextBoxFlag xmlns="" xmlns:m="http://schemas.openxmlformats.org/officeDocument/2006/math" xmlns:a14="http://schemas.microsoft.com/office/drawing/2010/main" xmlns:ma14="http://schemas.microsoft.com/office/mac/drawingml/2011/main" val="1"/>
-                </a:ext>
-              </a:extLst>
-            </p:spPr>
-            <p:txBody>
-              <a:bodyPr wrap="square" lIns="0" tIns="0" rIns="0" bIns="0" numCol="1" anchor="ctr">
-                <a:noAutofit/>
-              </a:bodyPr>
-              <a:lstStyle>
-                <a:lvl1pPr defTabSz="457200">
-                  <a:defRPr sz="900">
-                    <a:latin typeface="Helvetica Neue Medium"/>
-                    <a:ea typeface="Helvetica Neue Medium"/>
-                    <a:cs typeface="Helvetica Neue Medium"/>
-                    <a:sym typeface="Helvetica Neue Medium"/>
-                  </a:defRPr>
-                </a:lvl1pPr>
-              </a:lstStyle>
-              <a:p>
-                <a:r>
-                  <a:t>University name</a:t>
-                </a:r>
-              </a:p>
-            </p:txBody>
-          </p:sp>
-          <p:sp>
-            <p:nvSpPr>
-              <p:cNvPr id="710" name="2010 = 2011"/>
-              <p:cNvSpPr txBox="1"/>
-              <p:nvPr/>
-            </p:nvSpPr>
-            <p:spPr>
-              <a:xfrm>
-                <a:off x="0" y="1129607"/>
-                <a:ext cx="1862573" cy="264496"/>
-              </a:xfrm>
-              <a:prstGeom prst="rect">
-                <a:avLst/>
-              </a:prstGeom>
-              <a:noFill/>
-              <a:ln w="12700" cap="flat">
-                <a:noFill/>
-                <a:miter lim="400000"/>
-              </a:ln>
-              <a:effectLst/>
-              <a:extLst>
-                <a:ext uri="{C572A759-6A51-4108-AA02-DFA0A04FC94B}">
-                  <ma14:wrappingTextBoxFlag xmlns="" xmlns:m="http://schemas.openxmlformats.org/officeDocument/2006/math" xmlns:a14="http://schemas.microsoft.com/office/drawing/2010/main" xmlns:ma14="http://schemas.microsoft.com/office/mac/drawingml/2011/main" val="1"/>
-                </a:ext>
-              </a:extLst>
-            </p:spPr>
-            <p:txBody>
-              <a:bodyPr wrap="square" lIns="0" tIns="0" rIns="0" bIns="0" numCol="1" anchor="ctr">
-                <a:noAutofit/>
-              </a:bodyPr>
-              <a:lstStyle>
-                <a:lvl1pPr defTabSz="457200">
-                  <a:defRPr sz="800">
-                    <a:latin typeface="Helvetica Neue Light"/>
-                    <a:ea typeface="Helvetica Neue Light"/>
-                    <a:cs typeface="Helvetica Neue Light"/>
-                    <a:sym typeface="Helvetica Neue Light"/>
-                  </a:defRPr>
-                </a:lvl1pPr>
-              </a:lstStyle>
-              <a:p>
-                <a:r>
-                  <a:t>2010 = 2011</a:t>
-                </a:r>
-              </a:p>
-            </p:txBody>
-          </p:sp>
-        </p:grpSp>
-        <p:grpSp>
-          <p:nvGrpSpPr>
-            <p:cNvPr id="721" name="Сгруппировать"/>
-            <p:cNvGrpSpPr/>
-            <p:nvPr/>
-          </p:nvGrpSpPr>
-          <p:grpSpPr>
-            <a:xfrm>
-              <a:off x="-1" y="6831733"/>
-              <a:ext cx="2811415" cy="1644213"/>
-              <a:chOff x="0" y="0"/>
-              <a:chExt cx="2811413" cy="1644212"/>
-            </a:xfrm>
-          </p:grpSpPr>
-          <p:sp>
-            <p:nvSpPr>
-              <p:cNvPr id="712" name="Technical skills"/>
-              <p:cNvSpPr txBox="1"/>
-              <p:nvPr/>
-            </p:nvSpPr>
-            <p:spPr>
-              <a:xfrm>
-                <a:off x="0" y="0"/>
-                <a:ext cx="2433167" cy="472096"/>
-              </a:xfrm>
-              <a:prstGeom prst="rect">
-                <a:avLst/>
-              </a:prstGeom>
-              <a:noFill/>
-              <a:ln w="12700" cap="flat">
-                <a:noFill/>
-                <a:miter lim="400000"/>
-              </a:ln>
-              <a:effectLst/>
-              <a:extLst>
-                <a:ext uri="{C572A759-6A51-4108-AA02-DFA0A04FC94B}">
-                  <ma14:wrappingTextBoxFlag xmlns="" xmlns:m="http://schemas.openxmlformats.org/officeDocument/2006/math" xmlns:a14="http://schemas.microsoft.com/office/drawing/2010/main" xmlns:ma14="http://schemas.microsoft.com/office/mac/drawingml/2011/main" val="1"/>
-                </a:ext>
-              </a:extLst>
-            </p:spPr>
-            <p:txBody>
-              <a:bodyPr wrap="square" lIns="0" tIns="0" rIns="0" bIns="0" numCol="1" anchor="ctr">
-                <a:noAutofit/>
-              </a:bodyPr>
-              <a:lstStyle>
-                <a:lvl1pPr defTabSz="457200">
-                  <a:lnSpc>
-                    <a:spcPct val="130000"/>
-                  </a:lnSpc>
-                  <a:defRPr sz="1200" cap="all" spc="839">
-                    <a:latin typeface="Helvetica Neue"/>
-                    <a:ea typeface="Helvetica Neue"/>
-                    <a:cs typeface="Helvetica Neue"/>
-                    <a:sym typeface="Helvetica Neue"/>
-                  </a:defRPr>
-                </a:lvl1pPr>
-              </a:lstStyle>
-              <a:p>
-                <a:r>
-                  <a:t>Technical skills</a:t>
-                </a:r>
-              </a:p>
-            </p:txBody>
-          </p:sp>
-          <p:sp>
-            <p:nvSpPr>
-              <p:cNvPr id="713" name="Web-design"/>
-              <p:cNvSpPr txBox="1"/>
-              <p:nvPr/>
-            </p:nvSpPr>
-            <p:spPr>
-              <a:xfrm>
-                <a:off x="0" y="599463"/>
-                <a:ext cx="1405707" cy="264496"/>
-              </a:xfrm>
-              <a:prstGeom prst="rect">
-                <a:avLst/>
-              </a:prstGeom>
-              <a:noFill/>
-              <a:ln w="12700" cap="flat">
-                <a:noFill/>
-                <a:miter lim="400000"/>
-              </a:ln>
-              <a:effectLst/>
-              <a:extLst>
-                <a:ext uri="{C572A759-6A51-4108-AA02-DFA0A04FC94B}">
-                  <ma14:wrappingTextBoxFlag xmlns="" xmlns:m="http://schemas.openxmlformats.org/officeDocument/2006/math" xmlns:a14="http://schemas.microsoft.com/office/drawing/2010/main" xmlns:ma14="http://schemas.microsoft.com/office/mac/drawingml/2011/main" val="1"/>
-                </a:ext>
-              </a:extLst>
-            </p:spPr>
-            <p:txBody>
-              <a:bodyPr wrap="square" lIns="0" tIns="0" rIns="0" bIns="0" numCol="1" anchor="ctr">
-                <a:noAutofit/>
-              </a:bodyPr>
-              <a:lstStyle>
-                <a:lvl1pPr defTabSz="457200">
-                  <a:defRPr sz="900" cap="all" spc="45">
-                    <a:latin typeface="Helvetica Neue"/>
-                    <a:ea typeface="Helvetica Neue"/>
-                    <a:cs typeface="Helvetica Neue"/>
-                    <a:sym typeface="Helvetica Neue"/>
-                  </a:defRPr>
-                </a:lvl1pPr>
-              </a:lstStyle>
-              <a:p>
-                <a:r>
-                  <a:t>Web-design</a:t>
-                </a:r>
-              </a:p>
-            </p:txBody>
-          </p:sp>
-          <p:sp>
-            <p:nvSpPr>
-              <p:cNvPr id="714" name="Photography"/>
-              <p:cNvSpPr txBox="1"/>
-              <p:nvPr/>
-            </p:nvSpPr>
-            <p:spPr>
-              <a:xfrm>
-                <a:off x="0" y="850728"/>
-                <a:ext cx="1405707" cy="264495"/>
-              </a:xfrm>
-              <a:prstGeom prst="rect">
-                <a:avLst/>
-              </a:prstGeom>
-              <a:noFill/>
-              <a:ln w="12700" cap="flat">
-                <a:noFill/>
-                <a:miter lim="400000"/>
-              </a:ln>
-              <a:effectLst/>
-              <a:extLst>
-                <a:ext uri="{C572A759-6A51-4108-AA02-DFA0A04FC94B}">
-                  <ma14:wrappingTextBoxFlag xmlns="" xmlns:m="http://schemas.openxmlformats.org/officeDocument/2006/math" xmlns:a14="http://schemas.microsoft.com/office/drawing/2010/main" xmlns:ma14="http://schemas.microsoft.com/office/mac/drawingml/2011/main" val="1"/>
-                </a:ext>
-              </a:extLst>
-            </p:spPr>
-            <p:txBody>
-              <a:bodyPr wrap="square" lIns="0" tIns="0" rIns="0" bIns="0" numCol="1" anchor="ctr">
-                <a:noAutofit/>
-              </a:bodyPr>
-              <a:lstStyle>
-                <a:lvl1pPr defTabSz="457200">
-                  <a:defRPr sz="900" cap="all" spc="45">
-                    <a:latin typeface="Helvetica Neue"/>
-                    <a:ea typeface="Helvetica Neue"/>
-                    <a:cs typeface="Helvetica Neue"/>
-                    <a:sym typeface="Helvetica Neue"/>
-                  </a:defRPr>
-                </a:lvl1pPr>
-              </a:lstStyle>
-              <a:p>
-                <a:r>
-                  <a:t>Photography</a:t>
-                </a:r>
-              </a:p>
-            </p:txBody>
-          </p:sp>
-          <p:sp>
-            <p:nvSpPr>
-              <p:cNvPr id="715" name="Social media"/>
-              <p:cNvSpPr txBox="1"/>
-              <p:nvPr/>
-            </p:nvSpPr>
-            <p:spPr>
-              <a:xfrm>
-                <a:off x="0" y="1115223"/>
-                <a:ext cx="1405707" cy="264496"/>
-              </a:xfrm>
-              <a:prstGeom prst="rect">
-                <a:avLst/>
-              </a:prstGeom>
-              <a:noFill/>
-              <a:ln w="12700" cap="flat">
-                <a:noFill/>
-                <a:miter lim="400000"/>
-              </a:ln>
-              <a:effectLst/>
-              <a:extLst>
-                <a:ext uri="{C572A759-6A51-4108-AA02-DFA0A04FC94B}">
-                  <ma14:wrappingTextBoxFlag xmlns="" xmlns:m="http://schemas.openxmlformats.org/officeDocument/2006/math" xmlns:a14="http://schemas.microsoft.com/office/drawing/2010/main" xmlns:ma14="http://schemas.microsoft.com/office/mac/drawingml/2011/main" val="1"/>
-                </a:ext>
-              </a:extLst>
-            </p:spPr>
-            <p:txBody>
-              <a:bodyPr wrap="square" lIns="0" tIns="0" rIns="0" bIns="0" numCol="1" anchor="ctr">
-                <a:noAutofit/>
-              </a:bodyPr>
-              <a:lstStyle>
-                <a:lvl1pPr defTabSz="457200">
-                  <a:defRPr sz="900" cap="all" spc="45">
-                    <a:latin typeface="Helvetica Neue"/>
-                    <a:ea typeface="Helvetica Neue"/>
-                    <a:cs typeface="Helvetica Neue"/>
-                    <a:sym typeface="Helvetica Neue"/>
-                  </a:defRPr>
-                </a:lvl1pPr>
-              </a:lstStyle>
-              <a:p>
-                <a:r>
-                  <a:t>Social media</a:t>
-                </a:r>
-              </a:p>
-            </p:txBody>
-          </p:sp>
-          <p:sp>
-            <p:nvSpPr>
-              <p:cNvPr id="716" name="Marketing"/>
-              <p:cNvSpPr txBox="1"/>
-              <p:nvPr/>
-            </p:nvSpPr>
-            <p:spPr>
-              <a:xfrm>
-                <a:off x="0" y="1379717"/>
-                <a:ext cx="1405707" cy="264496"/>
-              </a:xfrm>
-              <a:prstGeom prst="rect">
-                <a:avLst/>
-              </a:prstGeom>
-              <a:noFill/>
-              <a:ln w="12700" cap="flat">
-                <a:noFill/>
-                <a:miter lim="400000"/>
-              </a:ln>
-              <a:effectLst/>
-              <a:extLst>
-                <a:ext uri="{C572A759-6A51-4108-AA02-DFA0A04FC94B}">
-                  <ma14:wrappingTextBoxFlag xmlns="" xmlns:m="http://schemas.openxmlformats.org/officeDocument/2006/math" xmlns:a14="http://schemas.microsoft.com/office/drawing/2010/main" xmlns:ma14="http://schemas.microsoft.com/office/mac/drawingml/2011/main" val="1"/>
-                </a:ext>
-              </a:extLst>
-            </p:spPr>
-            <p:txBody>
-              <a:bodyPr wrap="square" lIns="0" tIns="0" rIns="0" bIns="0" numCol="1" anchor="ctr">
-                <a:noAutofit/>
-              </a:bodyPr>
-              <a:lstStyle>
-                <a:lvl1pPr defTabSz="457200">
-                  <a:defRPr sz="900" cap="all" spc="45">
-                    <a:latin typeface="Helvetica Neue"/>
-                    <a:ea typeface="Helvetica Neue"/>
-                    <a:cs typeface="Helvetica Neue"/>
-                    <a:sym typeface="Helvetica Neue"/>
-                  </a:defRPr>
-                </a:lvl1pPr>
-              </a:lstStyle>
-              <a:p>
-                <a:r>
-                  <a:t>Marketing</a:t>
-                </a:r>
-              </a:p>
-            </p:txBody>
-          </p:sp>
-          <p:sp>
-            <p:nvSpPr>
-              <p:cNvPr id="717" name="Web-design"/>
-              <p:cNvSpPr txBox="1"/>
-              <p:nvPr/>
-            </p:nvSpPr>
-            <p:spPr>
-              <a:xfrm>
-                <a:off x="1405706" y="599463"/>
-                <a:ext cx="1405708" cy="264496"/>
-              </a:xfrm>
-              <a:prstGeom prst="rect">
-                <a:avLst/>
-              </a:prstGeom>
-              <a:noFill/>
-              <a:ln w="12700" cap="flat">
-                <a:noFill/>
-                <a:miter lim="400000"/>
-              </a:ln>
-              <a:effectLst/>
-              <a:extLst>
-                <a:ext uri="{C572A759-6A51-4108-AA02-DFA0A04FC94B}">
-                  <ma14:wrappingTextBoxFlag xmlns="" xmlns:m="http://schemas.openxmlformats.org/officeDocument/2006/math" xmlns:a14="http://schemas.microsoft.com/office/drawing/2010/main" xmlns:ma14="http://schemas.microsoft.com/office/mac/drawingml/2011/main" val="1"/>
-                </a:ext>
-              </a:extLst>
-            </p:spPr>
-            <p:txBody>
-              <a:bodyPr wrap="square" lIns="0" tIns="0" rIns="0" bIns="0" numCol="1" anchor="ctr">
-                <a:noAutofit/>
-              </a:bodyPr>
-              <a:lstStyle>
-                <a:lvl1pPr defTabSz="457200">
-                  <a:defRPr sz="900" cap="all" spc="45">
-                    <a:latin typeface="Helvetica Neue"/>
-                    <a:ea typeface="Helvetica Neue"/>
-                    <a:cs typeface="Helvetica Neue"/>
-                    <a:sym typeface="Helvetica Neue"/>
-                  </a:defRPr>
-                </a:lvl1pPr>
-              </a:lstStyle>
-              <a:p>
-                <a:r>
-                  <a:t>Web-design</a:t>
-                </a:r>
-              </a:p>
-            </p:txBody>
-          </p:sp>
-          <p:sp>
-            <p:nvSpPr>
-              <p:cNvPr id="718" name="Photography"/>
-              <p:cNvSpPr txBox="1"/>
-              <p:nvPr/>
-            </p:nvSpPr>
-            <p:spPr>
-              <a:xfrm>
-                <a:off x="1405706" y="850728"/>
-                <a:ext cx="1405708" cy="264495"/>
-              </a:xfrm>
-              <a:prstGeom prst="rect">
-                <a:avLst/>
-              </a:prstGeom>
-              <a:noFill/>
-              <a:ln w="12700" cap="flat">
-                <a:noFill/>
-                <a:miter lim="400000"/>
-              </a:ln>
-              <a:effectLst/>
-              <a:extLst>
-                <a:ext uri="{C572A759-6A51-4108-AA02-DFA0A04FC94B}">
-                  <ma14:wrappingTextBoxFlag xmlns="" xmlns:m="http://schemas.openxmlformats.org/officeDocument/2006/math" xmlns:a14="http://schemas.microsoft.com/office/drawing/2010/main" xmlns:ma14="http://schemas.microsoft.com/office/mac/drawingml/2011/main" val="1"/>
-                </a:ext>
-              </a:extLst>
-            </p:spPr>
-            <p:txBody>
-              <a:bodyPr wrap="square" lIns="0" tIns="0" rIns="0" bIns="0" numCol="1" anchor="ctr">
-                <a:noAutofit/>
-              </a:bodyPr>
-              <a:lstStyle>
-                <a:lvl1pPr defTabSz="457200">
-                  <a:defRPr sz="900" cap="all" spc="45">
-                    <a:latin typeface="Helvetica Neue"/>
-                    <a:ea typeface="Helvetica Neue"/>
-                    <a:cs typeface="Helvetica Neue"/>
-                    <a:sym typeface="Helvetica Neue"/>
-                  </a:defRPr>
-                </a:lvl1pPr>
-              </a:lstStyle>
-              <a:p>
-                <a:r>
-                  <a:t>Photography</a:t>
-                </a:r>
-              </a:p>
-            </p:txBody>
-          </p:sp>
-          <p:sp>
-            <p:nvSpPr>
-              <p:cNvPr id="719" name="Social media"/>
-              <p:cNvSpPr txBox="1"/>
-              <p:nvPr/>
-            </p:nvSpPr>
-            <p:spPr>
-              <a:xfrm>
-                <a:off x="1405706" y="1115223"/>
-                <a:ext cx="1405708" cy="264496"/>
-              </a:xfrm>
-              <a:prstGeom prst="rect">
-                <a:avLst/>
-              </a:prstGeom>
-              <a:noFill/>
-              <a:ln w="12700" cap="flat">
-                <a:noFill/>
-                <a:miter lim="400000"/>
-              </a:ln>
-              <a:effectLst/>
-              <a:extLst>
-                <a:ext uri="{C572A759-6A51-4108-AA02-DFA0A04FC94B}">
-                  <ma14:wrappingTextBoxFlag xmlns="" xmlns:m="http://schemas.openxmlformats.org/officeDocument/2006/math" xmlns:a14="http://schemas.microsoft.com/office/drawing/2010/main" xmlns:ma14="http://schemas.microsoft.com/office/mac/drawingml/2011/main" val="1"/>
-                </a:ext>
-              </a:extLst>
-            </p:spPr>
-            <p:txBody>
-              <a:bodyPr wrap="square" lIns="0" tIns="0" rIns="0" bIns="0" numCol="1" anchor="ctr">
-                <a:noAutofit/>
-              </a:bodyPr>
-              <a:lstStyle>
-                <a:lvl1pPr defTabSz="457200">
-                  <a:defRPr sz="900" cap="all" spc="45">
-                    <a:latin typeface="Helvetica Neue"/>
-                    <a:ea typeface="Helvetica Neue"/>
-                    <a:cs typeface="Helvetica Neue"/>
-                    <a:sym typeface="Helvetica Neue"/>
-                  </a:defRPr>
-                </a:lvl1pPr>
-              </a:lstStyle>
-              <a:p>
-                <a:r>
-                  <a:t>Social media</a:t>
-                </a:r>
-              </a:p>
-            </p:txBody>
-          </p:sp>
-          <p:sp>
-            <p:nvSpPr>
-              <p:cNvPr id="720" name="Marketing"/>
-              <p:cNvSpPr txBox="1"/>
-              <p:nvPr/>
-            </p:nvSpPr>
-            <p:spPr>
-              <a:xfrm>
-                <a:off x="1405706" y="1379717"/>
-                <a:ext cx="1405708" cy="264496"/>
-              </a:xfrm>
-              <a:prstGeom prst="rect">
-                <a:avLst/>
-              </a:prstGeom>
-              <a:noFill/>
-              <a:ln w="12700" cap="flat">
-                <a:noFill/>
-                <a:miter lim="400000"/>
-              </a:ln>
-              <a:effectLst/>
-              <a:extLst>
-                <a:ext uri="{C572A759-6A51-4108-AA02-DFA0A04FC94B}">
-                  <ma14:wrappingTextBoxFlag xmlns="" xmlns:m="http://schemas.openxmlformats.org/officeDocument/2006/math" xmlns:a14="http://schemas.microsoft.com/office/drawing/2010/main" xmlns:ma14="http://schemas.microsoft.com/office/mac/drawingml/2011/main" val="1"/>
-                </a:ext>
-              </a:extLst>
-            </p:spPr>
-            <p:txBody>
-              <a:bodyPr wrap="square" lIns="0" tIns="0" rIns="0" bIns="0" numCol="1" anchor="ctr">
-                <a:noAutofit/>
-              </a:bodyPr>
-              <a:lstStyle>
-                <a:lvl1pPr defTabSz="457200">
-                  <a:defRPr sz="900" cap="all" spc="45">
-                    <a:latin typeface="Helvetica Neue"/>
-                    <a:ea typeface="Helvetica Neue"/>
-                    <a:cs typeface="Helvetica Neue"/>
-                    <a:sym typeface="Helvetica Neue"/>
-                  </a:defRPr>
-                </a:lvl1pPr>
-              </a:lstStyle>
-              <a:p>
-                <a:r>
-                  <a:t>Marketing</a:t>
-                </a:r>
-              </a:p>
-            </p:txBody>
-          </p:sp>
-        </p:grpSp>
-        <p:sp>
-          <p:nvSpPr>
-            <p:cNvPr id="722" name="Awards"/>
-            <p:cNvSpPr txBox="1"/>
-            <p:nvPr/>
-          </p:nvSpPr>
-          <p:spPr>
-            <a:xfrm>
-              <a:off x="0" y="8712764"/>
-              <a:ext cx="2433167" cy="338198"/>
-            </a:xfrm>
-            <a:prstGeom prst="rect">
-              <a:avLst/>
-            </a:prstGeom>
-            <a:noFill/>
-            <a:ln w="12700" cap="flat">
-              <a:noFill/>
-              <a:miter lim="400000"/>
-            </a:ln>
-            <a:effectLst/>
-            <a:extLst>
-              <a:ext uri="{C572A759-6A51-4108-AA02-DFA0A04FC94B}">
-                <ma14:wrappingTextBoxFlag xmlns="" xmlns:m="http://schemas.openxmlformats.org/officeDocument/2006/math" xmlns:a14="http://schemas.microsoft.com/office/drawing/2010/main" xmlns:ma14="http://schemas.microsoft.com/office/mac/drawingml/2011/main" val="1"/>
-              </a:ext>
-            </a:extLst>
-          </p:spPr>
-          <p:txBody>
-            <a:bodyPr wrap="square" lIns="0" tIns="0" rIns="0" bIns="0" numCol="1" anchor="ctr">
-              <a:noAutofit/>
-            </a:bodyPr>
-            <a:lstStyle>
-              <a:lvl1pPr defTabSz="457200">
-                <a:defRPr sz="1200" cap="all" spc="839">
-                  <a:latin typeface="Helvetica Neue"/>
-                  <a:ea typeface="Helvetica Neue"/>
-                  <a:cs typeface="Helvetica Neue"/>
-                  <a:sym typeface="Helvetica Neue"/>
-                </a:defRPr>
-              </a:lvl1pPr>
-            </a:lstStyle>
-            <a:p>
-              <a:r>
-                <a:t>Awards</a:t>
-              </a:r>
-            </a:p>
-          </p:txBody>
-        </p:sp>
-        <p:sp>
-          <p:nvSpPr>
-            <p:cNvPr id="723" name="Sales person of the year"/>
-            <p:cNvSpPr txBox="1"/>
-            <p:nvPr/>
-          </p:nvSpPr>
-          <p:spPr>
-            <a:xfrm>
-              <a:off x="0" y="9157558"/>
-              <a:ext cx="2108561" cy="264496"/>
-            </a:xfrm>
-            <a:prstGeom prst="rect">
-              <a:avLst/>
-            </a:prstGeom>
-            <a:noFill/>
-            <a:ln w="12700" cap="flat">
-              <a:noFill/>
-              <a:miter lim="400000"/>
-            </a:ln>
-            <a:effectLst/>
-            <a:extLst>
-              <a:ext uri="{C572A759-6A51-4108-AA02-DFA0A04FC94B}">
-                <ma14:wrappingTextBoxFlag xmlns="" xmlns:m="http://schemas.openxmlformats.org/officeDocument/2006/math" xmlns:a14="http://schemas.microsoft.com/office/drawing/2010/main" xmlns:ma14="http://schemas.microsoft.com/office/mac/drawingml/2011/main" val="1"/>
-              </a:ext>
-            </a:extLst>
-          </p:spPr>
-          <p:txBody>
-            <a:bodyPr wrap="square" lIns="0" tIns="0" rIns="0" bIns="0" numCol="1" anchor="ctr">
-              <a:noAutofit/>
-            </a:bodyPr>
-            <a:lstStyle>
-              <a:lvl1pPr defTabSz="457200">
-                <a:defRPr sz="900" cap="all" spc="45">
-                  <a:latin typeface="Helvetica Neue"/>
-                  <a:ea typeface="Helvetica Neue"/>
-                  <a:cs typeface="Helvetica Neue"/>
-                  <a:sym typeface="Helvetica Neue"/>
-                </a:defRPr>
-              </a:lvl1pPr>
-            </a:lstStyle>
-            <a:p>
-              <a:r>
-                <a:t>Sales person of the year</a:t>
-              </a:r>
-            </a:p>
-          </p:txBody>
-        </p:sp>
-        <p:sp>
-          <p:nvSpPr>
-            <p:cNvPr id="724" name="Company name"/>
-            <p:cNvSpPr txBox="1"/>
-            <p:nvPr/>
-          </p:nvSpPr>
-          <p:spPr>
-            <a:xfrm>
-              <a:off x="0" y="9349314"/>
-              <a:ext cx="1862573" cy="264496"/>
-            </a:xfrm>
-            <a:prstGeom prst="rect">
-              <a:avLst/>
-            </a:prstGeom>
-            <a:noFill/>
-            <a:ln w="12700" cap="flat">
-              <a:noFill/>
-              <a:miter lim="400000"/>
-            </a:ln>
-            <a:effectLst/>
-            <a:extLst>
-              <a:ext uri="{C572A759-6A51-4108-AA02-DFA0A04FC94B}">
-                <ma14:wrappingTextBoxFlag xmlns="" xmlns:m="http://schemas.openxmlformats.org/officeDocument/2006/math" xmlns:a14="http://schemas.microsoft.com/office/drawing/2010/main" xmlns:ma14="http://schemas.microsoft.com/office/mac/drawingml/2011/main" val="1"/>
-              </a:ext>
-            </a:extLst>
-          </p:spPr>
-          <p:txBody>
-            <a:bodyPr wrap="square" lIns="0" tIns="0" rIns="0" bIns="0" numCol="1" anchor="ctr">
-              <a:noAutofit/>
-            </a:bodyPr>
-            <a:lstStyle>
-              <a:lvl1pPr defTabSz="457200">
-                <a:defRPr sz="900">
-                  <a:latin typeface="Helvetica Neue Medium"/>
-                  <a:ea typeface="Helvetica Neue Medium"/>
-                  <a:cs typeface="Helvetica Neue Medium"/>
-                  <a:sym typeface="Helvetica Neue Medium"/>
-                </a:defRPr>
-              </a:lvl1pPr>
-            </a:lstStyle>
-            <a:p>
-              <a:r>
-                <a:t>Company name</a:t>
-              </a:r>
-            </a:p>
-          </p:txBody>
-        </p:sp>
-        <p:sp>
-          <p:nvSpPr>
-            <p:cNvPr id="725" name="2010 = 2011"/>
-            <p:cNvSpPr txBox="1"/>
-            <p:nvPr/>
-          </p:nvSpPr>
-          <p:spPr>
-            <a:xfrm>
-              <a:off x="948841" y="9157558"/>
-              <a:ext cx="1862573" cy="264496"/>
-            </a:xfrm>
-            <a:prstGeom prst="rect">
-              <a:avLst/>
-            </a:prstGeom>
-            <a:noFill/>
-            <a:ln w="12700" cap="flat">
-              <a:noFill/>
-              <a:miter lim="400000"/>
-            </a:ln>
-            <a:effectLst/>
-            <a:extLst>
-              <a:ext uri="{C572A759-6A51-4108-AA02-DFA0A04FC94B}">
-                <ma14:wrappingTextBoxFlag xmlns="" xmlns:m="http://schemas.openxmlformats.org/officeDocument/2006/math" xmlns:a14="http://schemas.microsoft.com/office/drawing/2010/main" xmlns:ma14="http://schemas.microsoft.com/office/mac/drawingml/2011/main" val="1"/>
-              </a:ext>
-            </a:extLst>
-          </p:spPr>
-          <p:txBody>
-            <a:bodyPr wrap="square" lIns="0" tIns="0" rIns="0" bIns="0" numCol="1" anchor="ctr">
-              <a:noAutofit/>
-            </a:bodyPr>
-            <a:lstStyle>
-              <a:lvl1pPr algn="r" defTabSz="457200">
-                <a:defRPr sz="800">
-                  <a:latin typeface="Helvetica Neue Light"/>
-                  <a:ea typeface="Helvetica Neue Light"/>
-                  <a:cs typeface="Helvetica Neue Light"/>
-                  <a:sym typeface="Helvetica Neue Light"/>
-                </a:defRPr>
-              </a:lvl1pPr>
-            </a:lstStyle>
-            <a:p>
-              <a:r>
-                <a:t>2010 = 2011</a:t>
-              </a:r>
-            </a:p>
-          </p:txBody>
-        </p:sp>
-        <p:sp>
-          <p:nvSpPr>
-            <p:cNvPr id="726" name="Lorem ipsum dolor sit amet, consectetur adipiscing elit. Aliquam ac bibendum dui. Proin convallis libero id diam porta, facilisis varius velit tempus."/>
-            <p:cNvSpPr txBox="1"/>
-            <p:nvPr/>
-          </p:nvSpPr>
-          <p:spPr>
-            <a:xfrm>
-              <a:off x="0" y="9609736"/>
-              <a:ext cx="2811414" cy="521787"/>
-            </a:xfrm>
-            <a:prstGeom prst="rect">
-              <a:avLst/>
-            </a:prstGeom>
-            <a:noFill/>
-            <a:ln w="12700" cap="flat">
-              <a:noFill/>
-              <a:miter lim="400000"/>
-            </a:ln>
-            <a:effectLst/>
-            <a:extLst>
-              <a:ext uri="{C572A759-6A51-4108-AA02-DFA0A04FC94B}">
-                <ma14:wrappingTextBoxFlag xmlns="" xmlns:m="http://schemas.openxmlformats.org/officeDocument/2006/math" xmlns:a14="http://schemas.microsoft.com/office/drawing/2010/main" xmlns:ma14="http://schemas.microsoft.com/office/mac/drawingml/2011/main" val="1"/>
-              </a:ext>
-            </a:extLst>
-          </p:spPr>
-          <p:txBody>
-            <a:bodyPr wrap="square" lIns="0" tIns="0" rIns="0" bIns="0" numCol="1" anchor="t">
-              <a:noAutofit/>
-            </a:bodyPr>
-            <a:lstStyle>
-              <a:lvl1pPr algn="just" defTabSz="457200">
-                <a:lnSpc>
-                  <a:spcPct val="120000"/>
-                </a:lnSpc>
-                <a:defRPr sz="800">
-                  <a:latin typeface="Helvetica Neue Light"/>
-                  <a:ea typeface="Helvetica Neue Light"/>
-                  <a:cs typeface="Helvetica Neue Light"/>
-                  <a:sym typeface="Helvetica Neue Light"/>
-                </a:defRPr>
-              </a:lvl1pPr>
-            </a:lstStyle>
-            <a:p>
-              <a:r>
-                <a:t>Lorem ipsum dolor sit amet, consectetur adipiscing elit. Aliquam ac bibendum dui. Proin convallis libero id diam porta, facilisis varius velit tempus.</a:t>
-              </a:r>
-            </a:p>
-          </p:txBody>
-        </p:sp>
+        </p:pic>
       </p:grpSp>
+      <p:sp>
+        <p:nvSpPr>
+          <p:cNvPr id="289" name="Line"/>
+          <p:cNvSpPr/>
+          <p:nvPr/>
+        </p:nvSpPr>
+        <p:spPr>
+          <a:xfrm flipH="1" flipV="1">
+            <a:off x="675470" y="2506639"/>
+            <a:ext cx="4787794" cy="1"/>
+          </a:xfrm>
+          <a:prstGeom prst="line">
+            <a:avLst/>
+          </a:prstGeom>
+          <a:ln w="12700">
+            <a:solidFill>
+              <a:srgbClr val="C8C8C8"/>
+            </a:solidFill>
+            <a:miter/>
+          </a:ln>
+        </p:spPr>
+        <p:txBody>
+          <a:bodyPr lIns="50800" tIns="50800" rIns="50800" bIns="50800"/>
+          <a:lstStyle/>
+          <a:p>
+            <a:pPr defTabSz="457200">
+              <a:defRPr sz="1100">
+                <a:latin typeface="Helvetica Neue"/>
+                <a:ea typeface="Helvetica Neue"/>
+                <a:cs typeface="Helvetica Neue"/>
+                <a:sym typeface="Helvetica Neue"/>
+              </a:defRPr>
+            </a:pPr>
+            <a:endParaRPr/>
+          </a:p>
+        </p:txBody>
+      </p:sp>
+      <p:sp>
+        <p:nvSpPr>
+          <p:cNvPr id="290" name="Education"/>
+          <p:cNvSpPr txBox="1"/>
+          <p:nvPr/>
+        </p:nvSpPr>
+        <p:spPr>
+          <a:xfrm>
+            <a:off x="705983" y="4518428"/>
+            <a:ext cx="2298663" cy="447382"/>
+          </a:xfrm>
+          <a:prstGeom prst="rect">
+            <a:avLst/>
+          </a:prstGeom>
+          <a:ln w="12700">
+            <a:miter lim="400000"/>
+          </a:ln>
+          <a:extLst>
+            <a:ext uri="{C572A759-6A51-4108-AA02-DFA0A04FC94B}">
+              <ma14:wrappingTextBoxFlag xmlns:ma14="http://schemas.microsoft.com/office/mac/drawingml/2011/main" xmlns:a14="http://schemas.microsoft.com/office/drawing/2010/main" xmlns:m="http://schemas.openxmlformats.org/officeDocument/2006/math" xmlns="" val="1"/>
+            </a:ext>
+          </a:extLst>
+        </p:spPr>
+        <p:txBody>
+          <a:bodyPr lIns="50800" tIns="50800" rIns="50800" bIns="50800" anchor="ctr"/>
+          <a:lstStyle>
+            <a:lvl1pPr defTabSz="457200">
+              <a:defRPr sz="1300" cap="all" spc="455">
+                <a:solidFill>
+                  <a:srgbClr val="1E3A5F"/>
+                </a:solidFill>
+                <a:latin typeface="Helvetica Neue"/>
+                <a:ea typeface="Helvetica Neue"/>
+                <a:cs typeface="Helvetica Neue"/>
+                <a:sym typeface="Helvetica Neue"/>
+              </a:defRPr>
+            </a:lvl1pPr>
+          </a:lstStyle>
+          <a:p>
+            <a:r>
+              <a:t>Education</a:t>
+            </a:r>
+          </a:p>
+        </p:txBody>
+      </p:sp>
+      <p:sp>
+        <p:nvSpPr>
+          <p:cNvPr id="291" name="Line"/>
+          <p:cNvSpPr/>
+          <p:nvPr/>
+        </p:nvSpPr>
+        <p:spPr>
+          <a:xfrm flipH="1" flipV="1">
+            <a:off x="636523" y="4957706"/>
+            <a:ext cx="5968846" cy="1"/>
+          </a:xfrm>
+          <a:prstGeom prst="line">
+            <a:avLst/>
+          </a:prstGeom>
+          <a:ln w="12700">
+            <a:solidFill>
+              <a:srgbClr val="C8C8C8"/>
+            </a:solidFill>
+            <a:miter lim="400000"/>
+          </a:ln>
+        </p:spPr>
+        <p:txBody>
+          <a:bodyPr lIns="50800" tIns="50800" rIns="50800" bIns="50800"/>
+          <a:lstStyle/>
+          <a:p>
+            <a:pPr defTabSz="457200">
+              <a:defRPr sz="1100">
+                <a:latin typeface="Helvetica Neue"/>
+                <a:ea typeface="Helvetica Neue"/>
+                <a:cs typeface="Helvetica Neue"/>
+                <a:sym typeface="Helvetica Neue"/>
+              </a:defRPr>
+            </a:pPr>
+            <a:endParaRPr/>
+          </a:p>
+        </p:txBody>
+      </p:sp>
+      <p:sp>
+        <p:nvSpPr>
+          <p:cNvPr id="292" name="New York University | 2010-2014"/>
+          <p:cNvSpPr txBox="1"/>
+          <p:nvPr/>
+        </p:nvSpPr>
+        <p:spPr>
+          <a:xfrm>
+            <a:off x="766179" y="5269265"/>
+            <a:ext cx="2465645" cy="180739"/>
+          </a:xfrm>
+          <a:prstGeom prst="rect">
+            <a:avLst/>
+          </a:prstGeom>
+          <a:ln w="12700">
+            <a:miter lim="400000"/>
+          </a:ln>
+          <a:extLst>
+            <a:ext uri="{C572A759-6A51-4108-AA02-DFA0A04FC94B}">
+              <ma14:wrappingTextBoxFlag xmlns:ma14="http://schemas.microsoft.com/office/mac/drawingml/2011/main" xmlns:a14="http://schemas.microsoft.com/office/drawing/2010/main" xmlns:m="http://schemas.openxmlformats.org/officeDocument/2006/math" xmlns="" val="1"/>
+            </a:ext>
+          </a:extLst>
+        </p:spPr>
+        <p:txBody>
+          <a:bodyPr lIns="0" tIns="0" rIns="0" bIns="0"/>
+          <a:lstStyle>
+            <a:lvl1pPr defTabSz="457200">
+              <a:lnSpc>
+                <a:spcPct val="120000"/>
+              </a:lnSpc>
+              <a:defRPr sz="900">
+                <a:solidFill>
+                  <a:srgbClr val="333333"/>
+                </a:solidFill>
+                <a:latin typeface="Helvetica Neue"/>
+                <a:ea typeface="Helvetica Neue"/>
+                <a:cs typeface="Helvetica Neue"/>
+                <a:sym typeface="Helvetica Neue"/>
+              </a:defRPr>
+            </a:lvl1pPr>
+          </a:lstStyle>
+          <a:p>
+            <a:r>
+              <a:t>New York University | 2010-2014</a:t>
+            </a:r>
+          </a:p>
+        </p:txBody>
+      </p:sp>
+      <p:sp>
+        <p:nvSpPr>
+          <p:cNvPr id="293" name="Skills"/>
+          <p:cNvSpPr txBox="1"/>
+          <p:nvPr/>
+        </p:nvSpPr>
+        <p:spPr>
+          <a:xfrm>
+            <a:off x="643835" y="8014019"/>
+            <a:ext cx="2298662" cy="447383"/>
+          </a:xfrm>
+          <a:prstGeom prst="rect">
+            <a:avLst/>
+          </a:prstGeom>
+          <a:ln w="12700">
+            <a:miter lim="400000"/>
+          </a:ln>
+          <a:extLst>
+            <a:ext uri="{C572A759-6A51-4108-AA02-DFA0A04FC94B}">
+              <ma14:wrappingTextBoxFlag xmlns:ma14="http://schemas.microsoft.com/office/mac/drawingml/2011/main" xmlns:a14="http://schemas.microsoft.com/office/drawing/2010/main" xmlns:m="http://schemas.openxmlformats.org/officeDocument/2006/math" xmlns="" val="1"/>
+            </a:ext>
+          </a:extLst>
+        </p:spPr>
+        <p:txBody>
+          <a:bodyPr lIns="50800" tIns="50800" rIns="50800" bIns="50800" anchor="ctr"/>
+          <a:lstStyle>
+            <a:lvl1pPr defTabSz="457200">
+              <a:defRPr sz="1300" cap="all" spc="455">
+                <a:solidFill>
+                  <a:srgbClr val="1E3A5F"/>
+                </a:solidFill>
+                <a:latin typeface="Helvetica Neue"/>
+                <a:ea typeface="Helvetica Neue"/>
+                <a:cs typeface="Helvetica Neue"/>
+                <a:sym typeface="Helvetica Neue"/>
+              </a:defRPr>
+            </a:lvl1pPr>
+          </a:lstStyle>
+          <a:p>
+            <a:r>
+              <a:t>Skills</a:t>
+            </a:r>
+          </a:p>
+        </p:txBody>
+      </p:sp>
+      <p:sp>
+        <p:nvSpPr>
+          <p:cNvPr id="294" name="Hobbies"/>
+          <p:cNvSpPr txBox="1"/>
+          <p:nvPr/>
+        </p:nvSpPr>
+        <p:spPr>
+          <a:xfrm>
+            <a:off x="643835" y="9483109"/>
+            <a:ext cx="2298662" cy="345518"/>
+          </a:xfrm>
+          <a:prstGeom prst="rect">
+            <a:avLst/>
+          </a:prstGeom>
+          <a:ln w="12700">
+            <a:miter lim="400000"/>
+          </a:ln>
+          <a:extLst>
+            <a:ext uri="{C572A759-6A51-4108-AA02-DFA0A04FC94B}">
+              <ma14:wrappingTextBoxFlag xmlns:ma14="http://schemas.microsoft.com/office/mac/drawingml/2011/main" xmlns:a14="http://schemas.microsoft.com/office/drawing/2010/main" xmlns:m="http://schemas.openxmlformats.org/officeDocument/2006/math" xmlns="" val="1"/>
+            </a:ext>
+          </a:extLst>
+        </p:spPr>
+        <p:txBody>
+          <a:bodyPr lIns="50800" tIns="50800" rIns="50800" bIns="50800" anchor="ctr"/>
+          <a:lstStyle>
+            <a:lvl1pPr defTabSz="457200">
+              <a:defRPr sz="1300" cap="all" spc="455">
+                <a:solidFill>
+                  <a:srgbClr val="1E3A5F"/>
+                </a:solidFill>
+                <a:latin typeface="Helvetica Neue"/>
+                <a:ea typeface="Helvetica Neue"/>
+                <a:cs typeface="Helvetica Neue"/>
+                <a:sym typeface="Helvetica Neue"/>
+              </a:defRPr>
+            </a:lvl1pPr>
+          </a:lstStyle>
+          <a:p>
+            <a:r>
+              <a:t>Hobbies</a:t>
+            </a:r>
+          </a:p>
+        </p:txBody>
+      </p:sp>
+      <p:sp>
+        <p:nvSpPr>
+          <p:cNvPr id="295" name="Line"/>
+          <p:cNvSpPr/>
+          <p:nvPr/>
+        </p:nvSpPr>
+        <p:spPr>
+          <a:xfrm flipH="1">
+            <a:off x="656363" y="9813968"/>
+            <a:ext cx="2204147" cy="1"/>
+          </a:xfrm>
+          <a:prstGeom prst="line">
+            <a:avLst/>
+          </a:prstGeom>
+          <a:ln w="12700">
+            <a:solidFill>
+              <a:srgbClr val="C8C8C8"/>
+            </a:solidFill>
+            <a:miter lim="400000"/>
+          </a:ln>
+        </p:spPr>
+        <p:txBody>
+          <a:bodyPr lIns="50800" tIns="50800" rIns="50800" bIns="50800"/>
+          <a:lstStyle/>
+          <a:p>
+            <a:pPr defTabSz="457200">
+              <a:defRPr sz="1100">
+                <a:latin typeface="Helvetica Neue"/>
+                <a:ea typeface="Helvetica Neue"/>
+                <a:cs typeface="Helvetica Neue"/>
+                <a:sym typeface="Helvetica Neue"/>
+              </a:defRPr>
+            </a:pPr>
+            <a:endParaRPr/>
+          </a:p>
+        </p:txBody>
+      </p:sp>
+      <p:sp>
+        <p:nvSpPr>
+          <p:cNvPr id="296" name="John Doe"/>
+          <p:cNvSpPr txBox="1"/>
+          <p:nvPr/>
+        </p:nvSpPr>
+        <p:spPr>
+          <a:xfrm>
+            <a:off x="3079248" y="8524764"/>
+            <a:ext cx="1899311" cy="164368"/>
+          </a:xfrm>
+          <a:prstGeom prst="rect">
+            <a:avLst/>
+          </a:prstGeom>
+          <a:ln w="12700">
+            <a:miter lim="400000"/>
+          </a:ln>
+          <a:extLst>
+            <a:ext uri="{C572A759-6A51-4108-AA02-DFA0A04FC94B}">
+              <ma14:wrappingTextBoxFlag xmlns:ma14="http://schemas.microsoft.com/office/mac/drawingml/2011/main" xmlns:a14="http://schemas.microsoft.com/office/drawing/2010/main" xmlns:m="http://schemas.openxmlformats.org/officeDocument/2006/math" xmlns="" val="1"/>
+            </a:ext>
+          </a:extLst>
+        </p:spPr>
+        <p:txBody>
+          <a:bodyPr lIns="0" tIns="0" rIns="0" bIns="0"/>
+          <a:lstStyle>
+            <a:lvl1pPr defTabSz="457200">
+              <a:lnSpc>
+                <a:spcPct val="120000"/>
+              </a:lnSpc>
+              <a:defRPr sz="900" b="1" cap="all" spc="45">
+                <a:solidFill>
+                  <a:srgbClr val="1D3557"/>
+                </a:solidFill>
+                <a:latin typeface="Helvetica Neue"/>
+                <a:ea typeface="Helvetica Neue"/>
+                <a:cs typeface="Helvetica Neue"/>
+                <a:sym typeface="Helvetica Neue"/>
+              </a:defRPr>
+            </a:lvl1pPr>
+          </a:lstStyle>
+          <a:p>
+            <a:r>
+              <a:t>John Doe</a:t>
+            </a:r>
+          </a:p>
+        </p:txBody>
+      </p:sp>
+      <p:sp>
+        <p:nvSpPr>
+          <p:cNvPr id="297" name="Creative Director"/>
+          <p:cNvSpPr txBox="1"/>
+          <p:nvPr/>
+        </p:nvSpPr>
+        <p:spPr>
+          <a:xfrm>
+            <a:off x="3079248" y="8742040"/>
+            <a:ext cx="1249796" cy="164369"/>
+          </a:xfrm>
+          <a:prstGeom prst="rect">
+            <a:avLst/>
+          </a:prstGeom>
+          <a:ln w="12700">
+            <a:miter lim="400000"/>
+          </a:ln>
+          <a:extLst>
+            <a:ext uri="{C572A759-6A51-4108-AA02-DFA0A04FC94B}">
+              <ma14:wrappingTextBoxFlag xmlns:ma14="http://schemas.microsoft.com/office/mac/drawingml/2011/main" xmlns:a14="http://schemas.microsoft.com/office/drawing/2010/main" xmlns:m="http://schemas.openxmlformats.org/officeDocument/2006/math" xmlns="" val="1"/>
+            </a:ext>
+          </a:extLst>
+        </p:spPr>
+        <p:txBody>
+          <a:bodyPr lIns="0" tIns="0" rIns="0" bIns="0"/>
+          <a:lstStyle>
+            <a:lvl1pPr defTabSz="457200">
+              <a:lnSpc>
+                <a:spcPct val="120000"/>
+              </a:lnSpc>
+              <a:defRPr sz="900" cap="all" spc="45">
+                <a:solidFill>
+                  <a:srgbClr val="333333"/>
+                </a:solidFill>
+                <a:latin typeface="Helvetica Neue Light"/>
+                <a:ea typeface="Helvetica Neue Light"/>
+                <a:cs typeface="Helvetica Neue Light"/>
+                <a:sym typeface="Helvetica Neue Light"/>
+              </a:defRPr>
+            </a:lvl1pPr>
+          </a:lstStyle>
+          <a:p>
+            <a:r>
+              <a:t>Creative Director</a:t>
+            </a:r>
+          </a:p>
+        </p:txBody>
+      </p:sp>
+      <p:sp>
+        <p:nvSpPr>
+          <p:cNvPr id="298" name="XYZ Agency"/>
+          <p:cNvSpPr txBox="1"/>
+          <p:nvPr/>
+        </p:nvSpPr>
+        <p:spPr>
+          <a:xfrm>
+            <a:off x="3079248" y="8941055"/>
+            <a:ext cx="2092604" cy="164369"/>
+          </a:xfrm>
+          <a:prstGeom prst="rect">
+            <a:avLst/>
+          </a:prstGeom>
+          <a:ln w="12700">
+            <a:miter lim="400000"/>
+          </a:ln>
+          <a:extLst>
+            <a:ext uri="{C572A759-6A51-4108-AA02-DFA0A04FC94B}">
+              <ma14:wrappingTextBoxFlag xmlns:ma14="http://schemas.microsoft.com/office/mac/drawingml/2011/main" xmlns:a14="http://schemas.microsoft.com/office/drawing/2010/main" xmlns:m="http://schemas.openxmlformats.org/officeDocument/2006/math" xmlns="" val="1"/>
+            </a:ext>
+          </a:extLst>
+        </p:spPr>
+        <p:txBody>
+          <a:bodyPr lIns="0" tIns="0" rIns="0" bIns="0"/>
+          <a:lstStyle/>
+          <a:p>
+            <a:pPr defTabSz="457200">
+              <a:lnSpc>
+                <a:spcPct val="120000"/>
+              </a:lnSpc>
+              <a:defRPr sz="700" cap="all" spc="35">
+                <a:latin typeface="Helvetica Neue Light"/>
+                <a:ea typeface="Helvetica Neue Light"/>
+                <a:cs typeface="Helvetica Neue Light"/>
+                <a:sym typeface="Helvetica Neue Light"/>
+              </a:defRPr>
+            </a:pPr>
+            <a:r>
+              <a:t>XYZ </a:t>
+            </a:r>
+            <a:r>
+              <a:rPr>
+                <a:solidFill>
+                  <a:srgbClr val="333333"/>
+                </a:solidFill>
+              </a:rPr>
+              <a:t>Agency</a:t>
+            </a:r>
+          </a:p>
+        </p:txBody>
+      </p:sp>
+      <p:sp>
+        <p:nvSpPr>
+          <p:cNvPr id="299" name="johndoe@xyzagency.com"/>
+          <p:cNvSpPr txBox="1"/>
+          <p:nvPr/>
+        </p:nvSpPr>
+        <p:spPr>
+          <a:xfrm>
+            <a:off x="3079248" y="9092195"/>
+            <a:ext cx="1782186" cy="127658"/>
+          </a:xfrm>
+          <a:prstGeom prst="rect">
+            <a:avLst/>
+          </a:prstGeom>
+          <a:ln w="12700">
+            <a:miter lim="400000"/>
+          </a:ln>
+          <a:extLst>
+            <a:ext uri="{C572A759-6A51-4108-AA02-DFA0A04FC94B}">
+              <ma14:wrappingTextBoxFlag xmlns:ma14="http://schemas.microsoft.com/office/mac/drawingml/2011/main" xmlns:a14="http://schemas.microsoft.com/office/drawing/2010/main" xmlns:m="http://schemas.openxmlformats.org/officeDocument/2006/math" xmlns="" val="1"/>
+            </a:ext>
+          </a:extLst>
+        </p:spPr>
+        <p:txBody>
+          <a:bodyPr lIns="0" tIns="0" rIns="0" bIns="0"/>
+          <a:lstStyle>
+            <a:lvl1pPr defTabSz="457200">
+              <a:lnSpc>
+                <a:spcPct val="120000"/>
+              </a:lnSpc>
+              <a:defRPr sz="800" spc="40">
+                <a:solidFill>
+                  <a:srgbClr val="333333"/>
+                </a:solidFill>
+                <a:latin typeface="Helvetica Neue Light"/>
+                <a:ea typeface="Helvetica Neue Light"/>
+                <a:cs typeface="Helvetica Neue Light"/>
+                <a:sym typeface="Helvetica Neue Light"/>
+              </a:defRPr>
+            </a:lvl1pPr>
+          </a:lstStyle>
+          <a:p>
+            <a:r>
+              <a:t>johndoe@xyzagency.com</a:t>
+            </a:r>
+          </a:p>
+        </p:txBody>
+      </p:sp>
+      <p:sp>
+        <p:nvSpPr>
+          <p:cNvPr id="300" name="+1234 567 890"/>
+          <p:cNvSpPr txBox="1"/>
+          <p:nvPr/>
+        </p:nvSpPr>
+        <p:spPr>
+          <a:xfrm>
+            <a:off x="3079248" y="9262516"/>
+            <a:ext cx="1782186" cy="127658"/>
+          </a:xfrm>
+          <a:prstGeom prst="rect">
+            <a:avLst/>
+          </a:prstGeom>
+          <a:ln w="12700">
+            <a:miter lim="400000"/>
+          </a:ln>
+          <a:extLst>
+            <a:ext uri="{C572A759-6A51-4108-AA02-DFA0A04FC94B}">
+              <ma14:wrappingTextBoxFlag xmlns:ma14="http://schemas.microsoft.com/office/mac/drawingml/2011/main" xmlns:a14="http://schemas.microsoft.com/office/drawing/2010/main" xmlns:m="http://schemas.openxmlformats.org/officeDocument/2006/math" xmlns="" val="1"/>
+            </a:ext>
+          </a:extLst>
+        </p:spPr>
+        <p:txBody>
+          <a:bodyPr lIns="0" tIns="0" rIns="0" bIns="0"/>
+          <a:lstStyle/>
+          <a:p>
+            <a:pPr defTabSz="457200">
+              <a:lnSpc>
+                <a:spcPct val="120000"/>
+              </a:lnSpc>
+              <a:defRPr sz="800" spc="40">
+                <a:latin typeface="Helvetica Neue Light"/>
+                <a:ea typeface="Helvetica Neue Light"/>
+                <a:cs typeface="Helvetica Neue Light"/>
+                <a:sym typeface="Helvetica Neue Light"/>
+              </a:defRPr>
+            </a:pPr>
+            <a:r>
+              <a:t>+1234 </a:t>
+            </a:r>
+            <a:r>
+              <a:rPr>
+                <a:solidFill>
+                  <a:srgbClr val="333333"/>
+                </a:solidFill>
+              </a:rPr>
+              <a:t>567</a:t>
+            </a:r>
+            <a:r>
+              <a:t> 890</a:t>
+            </a:r>
+          </a:p>
+        </p:txBody>
+      </p:sp>
+      <p:sp>
+        <p:nvSpPr>
+          <p:cNvPr id="301" name="Bachelor of Design"/>
+          <p:cNvSpPr txBox="1"/>
+          <p:nvPr/>
+        </p:nvSpPr>
+        <p:spPr>
+          <a:xfrm>
+            <a:off x="766179" y="5091600"/>
+            <a:ext cx="2465645" cy="164368"/>
+          </a:xfrm>
+          <a:prstGeom prst="rect">
+            <a:avLst/>
+          </a:prstGeom>
+          <a:ln w="12700">
+            <a:miter lim="400000"/>
+          </a:ln>
+          <a:extLst>
+            <a:ext uri="{C572A759-6A51-4108-AA02-DFA0A04FC94B}">
+              <ma14:wrappingTextBoxFlag xmlns:ma14="http://schemas.microsoft.com/office/mac/drawingml/2011/main" xmlns:a14="http://schemas.microsoft.com/office/drawing/2010/main" xmlns:m="http://schemas.openxmlformats.org/officeDocument/2006/math" xmlns="" val="1"/>
+            </a:ext>
+          </a:extLst>
+        </p:spPr>
+        <p:txBody>
+          <a:bodyPr lIns="0" tIns="0" rIns="0" bIns="0"/>
+          <a:lstStyle>
+            <a:lvl1pPr defTabSz="457200">
+              <a:lnSpc>
+                <a:spcPct val="120000"/>
+              </a:lnSpc>
+              <a:defRPr sz="900" b="1" cap="all" spc="45">
+                <a:solidFill>
+                  <a:srgbClr val="1D3557"/>
+                </a:solidFill>
+                <a:latin typeface="Helvetica Neue"/>
+                <a:ea typeface="Helvetica Neue"/>
+                <a:cs typeface="Helvetica Neue"/>
+                <a:sym typeface="Helvetica Neue"/>
+              </a:defRPr>
+            </a:lvl1pPr>
+          </a:lstStyle>
+          <a:p>
+            <a:r>
+              <a:t>Bachelor of Design</a:t>
+            </a:r>
+          </a:p>
+        </p:txBody>
+      </p:sp>
+      <p:sp>
+        <p:nvSpPr>
+          <p:cNvPr id="302" name="Relevant Coursework: User-Centered Design, Interaction Design, Typography,.…"/>
+          <p:cNvSpPr txBox="1"/>
+          <p:nvPr/>
+        </p:nvSpPr>
+        <p:spPr>
+          <a:xfrm>
+            <a:off x="766179" y="5488104"/>
+            <a:ext cx="1967581" cy="1622779"/>
+          </a:xfrm>
+          <a:prstGeom prst="rect">
+            <a:avLst/>
+          </a:prstGeom>
+          <a:ln w="12700">
+            <a:miter lim="400000"/>
+          </a:ln>
+          <a:extLst>
+            <a:ext uri="{C572A759-6A51-4108-AA02-DFA0A04FC94B}">
+              <ma14:wrappingTextBoxFlag xmlns:ma14="http://schemas.microsoft.com/office/mac/drawingml/2011/main" xmlns:a14="http://schemas.microsoft.com/office/drawing/2010/main" xmlns:m="http://schemas.openxmlformats.org/officeDocument/2006/math" xmlns="" val="1"/>
+            </a:ext>
+          </a:extLst>
+        </p:spPr>
+        <p:txBody>
+          <a:bodyPr lIns="0" tIns="0" rIns="0" bIns="0"/>
+          <a:lstStyle/>
+          <a:p>
+            <a:pPr marL="90236" indent="-90236" defTabSz="457200">
+              <a:lnSpc>
+                <a:spcPct val="120000"/>
+              </a:lnSpc>
+              <a:buSzPct val="100000"/>
+              <a:buChar char="•"/>
+              <a:defRPr sz="900" b="1">
+                <a:solidFill>
+                  <a:srgbClr val="333333"/>
+                </a:solidFill>
+                <a:latin typeface="Helvetica Neue"/>
+                <a:ea typeface="Helvetica Neue"/>
+                <a:cs typeface="Helvetica Neue"/>
+                <a:sym typeface="Helvetica Neue"/>
+              </a:defRPr>
+            </a:pPr>
+            <a:r>
+              <a:t>Relevant Coursework: </a:t>
+            </a:r>
+            <a:r>
+              <a:rPr b="0"/>
+              <a:t>User-Centered Design, Interaction Design, Typography,.</a:t>
+            </a:r>
+          </a:p>
+          <a:p>
+            <a:pPr marL="90236" indent="-90236" defTabSz="457200">
+              <a:lnSpc>
+                <a:spcPct val="120000"/>
+              </a:lnSpc>
+              <a:buSzPct val="100000"/>
+              <a:buChar char="•"/>
+              <a:defRPr sz="900">
+                <a:solidFill>
+                  <a:srgbClr val="333333"/>
+                </a:solidFill>
+                <a:latin typeface="Helvetica Neue"/>
+                <a:ea typeface="Helvetica Neue"/>
+                <a:cs typeface="Helvetica Neue"/>
+                <a:sym typeface="Helvetica Neue"/>
+              </a:defRPr>
+            </a:pPr>
+            <a:r>
+              <a:rPr b="1"/>
+              <a:t>Key Projects:</a:t>
+            </a:r>
+            <a:r>
+              <a:t> Developed a mobile app interface for a capstone project, which was.</a:t>
+            </a:r>
+          </a:p>
+          <a:p>
+            <a:pPr marL="90236" indent="-90236" defTabSz="457200">
+              <a:lnSpc>
+                <a:spcPct val="120000"/>
+              </a:lnSpc>
+              <a:buSzPct val="100000"/>
+              <a:buChar char="•"/>
+              <a:defRPr sz="900">
+                <a:solidFill>
+                  <a:srgbClr val="333333"/>
+                </a:solidFill>
+                <a:latin typeface="Helvetica Neue"/>
+                <a:ea typeface="Helvetica Neue"/>
+                <a:cs typeface="Helvetica Neue"/>
+                <a:sym typeface="Helvetica Neue"/>
+              </a:defRPr>
+            </a:pPr>
+            <a:r>
+              <a:rPr b="1"/>
+              <a:t>Achievements:</a:t>
+            </a:r>
+            <a:r>
+              <a:t> Graduated with Honors (Dean’s List in 2012, 2013, 2014), and received.</a:t>
+            </a:r>
+          </a:p>
+        </p:txBody>
+      </p:sp>
+      <p:sp>
+        <p:nvSpPr>
+          <p:cNvPr id="303" name="Volunteering…"/>
+          <p:cNvSpPr txBox="1"/>
+          <p:nvPr/>
+        </p:nvSpPr>
+        <p:spPr>
+          <a:xfrm>
+            <a:off x="701125" y="9942926"/>
+            <a:ext cx="1967580" cy="804090"/>
+          </a:xfrm>
+          <a:prstGeom prst="rect">
+            <a:avLst/>
+          </a:prstGeom>
+          <a:ln w="12700">
+            <a:miter lim="400000"/>
+          </a:ln>
+          <a:extLst>
+            <a:ext uri="{C572A759-6A51-4108-AA02-DFA0A04FC94B}">
+              <ma14:wrappingTextBoxFlag xmlns:ma14="http://schemas.microsoft.com/office/mac/drawingml/2011/main" xmlns:a14="http://schemas.microsoft.com/office/drawing/2010/main" xmlns:m="http://schemas.openxmlformats.org/officeDocument/2006/math" xmlns="" val="1"/>
+            </a:ext>
+          </a:extLst>
+        </p:spPr>
+        <p:txBody>
+          <a:bodyPr lIns="0" tIns="0" rIns="0" bIns="0"/>
+          <a:lstStyle/>
+          <a:p>
+            <a:pPr marL="90236" indent="-90236" defTabSz="457200">
+              <a:lnSpc>
+                <a:spcPct val="120000"/>
+              </a:lnSpc>
+              <a:buSzPct val="100000"/>
+              <a:buChar char="•"/>
+              <a:defRPr sz="900">
+                <a:solidFill>
+                  <a:srgbClr val="333333"/>
+                </a:solidFill>
+                <a:latin typeface="Helvetica Neue Medium"/>
+                <a:ea typeface="Helvetica Neue Medium"/>
+                <a:cs typeface="Helvetica Neue Medium"/>
+                <a:sym typeface="Helvetica Neue Medium"/>
+              </a:defRPr>
+            </a:pPr>
+            <a:r>
+              <a:t>Volunteering  </a:t>
+            </a:r>
+          </a:p>
+          <a:p>
+            <a:pPr marL="90236" indent="-90236" defTabSz="457200">
+              <a:lnSpc>
+                <a:spcPct val="120000"/>
+              </a:lnSpc>
+              <a:buSzPct val="100000"/>
+              <a:buChar char="•"/>
+              <a:defRPr sz="900">
+                <a:solidFill>
+                  <a:srgbClr val="333333"/>
+                </a:solidFill>
+                <a:latin typeface="Helvetica Neue Medium"/>
+                <a:ea typeface="Helvetica Neue Medium"/>
+                <a:cs typeface="Helvetica Neue Medium"/>
+                <a:sym typeface="Helvetica Neue Medium"/>
+              </a:defRPr>
+            </a:pPr>
+            <a:r>
+              <a:t>Hiking  </a:t>
+            </a:r>
+          </a:p>
+          <a:p>
+            <a:pPr marL="90236" indent="-90236" defTabSz="457200">
+              <a:lnSpc>
+                <a:spcPct val="120000"/>
+              </a:lnSpc>
+              <a:buSzPct val="100000"/>
+              <a:buChar char="•"/>
+              <a:defRPr sz="900">
+                <a:solidFill>
+                  <a:srgbClr val="333333"/>
+                </a:solidFill>
+                <a:latin typeface="Helvetica Neue Medium"/>
+                <a:ea typeface="Helvetica Neue Medium"/>
+                <a:cs typeface="Helvetica Neue Medium"/>
+                <a:sym typeface="Helvetica Neue Medium"/>
+              </a:defRPr>
+            </a:pPr>
+            <a:r>
+              <a:t>Reading</a:t>
+            </a:r>
+          </a:p>
+        </p:txBody>
+      </p:sp>
+      <p:sp>
+        <p:nvSpPr>
+          <p:cNvPr id="304" name="UI/UX Design (Advanced)…"/>
+          <p:cNvSpPr txBox="1"/>
+          <p:nvPr/>
+        </p:nvSpPr>
+        <p:spPr>
+          <a:xfrm>
+            <a:off x="701125" y="8534953"/>
+            <a:ext cx="1967580" cy="833857"/>
+          </a:xfrm>
+          <a:prstGeom prst="rect">
+            <a:avLst/>
+          </a:prstGeom>
+          <a:ln w="12700">
+            <a:miter lim="400000"/>
+          </a:ln>
+          <a:extLst>
+            <a:ext uri="{C572A759-6A51-4108-AA02-DFA0A04FC94B}">
+              <ma14:wrappingTextBoxFlag xmlns:ma14="http://schemas.microsoft.com/office/mac/drawingml/2011/main" xmlns:a14="http://schemas.microsoft.com/office/drawing/2010/main" xmlns:m="http://schemas.openxmlformats.org/officeDocument/2006/math" xmlns="" val="1"/>
+            </a:ext>
+          </a:extLst>
+        </p:spPr>
+        <p:txBody>
+          <a:bodyPr lIns="0" tIns="0" rIns="0" bIns="0"/>
+          <a:lstStyle/>
+          <a:p>
+            <a:pPr marL="90236" indent="-90236" defTabSz="457200">
+              <a:lnSpc>
+                <a:spcPct val="120000"/>
+              </a:lnSpc>
+              <a:buSzPct val="100000"/>
+              <a:buChar char="•"/>
+              <a:defRPr sz="900">
+                <a:solidFill>
+                  <a:srgbClr val="333333"/>
+                </a:solidFill>
+                <a:latin typeface="Helvetica Neue Medium"/>
+                <a:ea typeface="Helvetica Neue Medium"/>
+                <a:cs typeface="Helvetica Neue Medium"/>
+                <a:sym typeface="Helvetica Neue Medium"/>
+              </a:defRPr>
+            </a:pPr>
+            <a:r>
+              <a:t>UI/UX Design (Advanced)</a:t>
+            </a:r>
+          </a:p>
+          <a:p>
+            <a:pPr marL="90236" indent="-90236" defTabSz="457200">
+              <a:lnSpc>
+                <a:spcPct val="120000"/>
+              </a:lnSpc>
+              <a:buSzPct val="100000"/>
+              <a:buChar char="•"/>
+              <a:defRPr sz="900">
+                <a:solidFill>
+                  <a:srgbClr val="333333"/>
+                </a:solidFill>
+                <a:latin typeface="Helvetica Neue Medium"/>
+                <a:ea typeface="Helvetica Neue Medium"/>
+                <a:cs typeface="Helvetica Neue Medium"/>
+                <a:sym typeface="Helvetica Neue Medium"/>
+              </a:defRPr>
+            </a:pPr>
+            <a:r>
+              <a:t>Prototyping (Expert)</a:t>
+            </a:r>
+          </a:p>
+          <a:p>
+            <a:pPr marL="90236" indent="-90236" defTabSz="457200">
+              <a:lnSpc>
+                <a:spcPct val="120000"/>
+              </a:lnSpc>
+              <a:buSzPct val="100000"/>
+              <a:buChar char="•"/>
+              <a:defRPr sz="900">
+                <a:solidFill>
+                  <a:srgbClr val="333333"/>
+                </a:solidFill>
+                <a:latin typeface="Helvetica Neue Medium"/>
+                <a:ea typeface="Helvetica Neue Medium"/>
+                <a:cs typeface="Helvetica Neue Medium"/>
+                <a:sym typeface="Helvetica Neue Medium"/>
+              </a:defRPr>
+            </a:pPr>
+            <a:r>
+              <a:t>Adobe Suite (Advanced)</a:t>
+            </a:r>
+          </a:p>
+        </p:txBody>
+      </p:sp>
+      <p:sp>
+        <p:nvSpPr>
+          <p:cNvPr id="305" name="Line"/>
+          <p:cNvSpPr/>
+          <p:nvPr/>
+        </p:nvSpPr>
+        <p:spPr>
+          <a:xfrm flipH="1" flipV="1">
+            <a:off x="593529" y="8406426"/>
+            <a:ext cx="5968846" cy="1"/>
+          </a:xfrm>
+          <a:prstGeom prst="line">
+            <a:avLst/>
+          </a:prstGeom>
+          <a:ln w="12700">
+            <a:solidFill>
+              <a:srgbClr val="C8C8C8"/>
+            </a:solidFill>
+            <a:miter lim="400000"/>
+          </a:ln>
+        </p:spPr>
+        <p:txBody>
+          <a:bodyPr lIns="50800" tIns="50800" rIns="50800" bIns="50800"/>
+          <a:lstStyle/>
+          <a:p>
+            <a:pPr defTabSz="457200">
+              <a:defRPr sz="1100">
+                <a:latin typeface="Helvetica Neue"/>
+                <a:ea typeface="Helvetica Neue"/>
+                <a:cs typeface="Helvetica Neue"/>
+                <a:sym typeface="Helvetica Neue"/>
+              </a:defRPr>
+            </a:pPr>
+            <a:endParaRPr/>
+          </a:p>
+        </p:txBody>
+      </p:sp>
+      <p:pic>
+        <p:nvPicPr>
+          <p:cNvPr id="306" name="face-1.jpg" descr="face-1.jpg"/>
+          <p:cNvPicPr>
+            <a:picLocks noChangeAspect="1"/>
+          </p:cNvPicPr>
+          <p:nvPr/>
+        </p:nvPicPr>
+        <p:blipFill>
+          <a:blip r:embed="rId6"/>
+          <a:srcRect l="2969" t="1947" r="12066" b="13279"/>
+          <a:stretch>
+            <a:fillRect/>
+          </a:stretch>
+        </p:blipFill>
+        <p:spPr>
+          <a:xfrm>
+            <a:off x="5898076" y="178407"/>
+            <a:ext cx="1518704" cy="1521409"/>
+          </a:xfrm>
+          <a:custGeom>
+            <a:avLst/>
+            <a:gdLst/>
+            <a:ahLst/>
+            <a:cxnLst>
+              <a:cxn ang="0">
+                <a:pos x="wd2" y="hd2"/>
+              </a:cxn>
+              <a:cxn ang="5400000">
+                <a:pos x="wd2" y="hd2"/>
+              </a:cxn>
+              <a:cxn ang="10800000">
+                <a:pos x="wd2" y="hd2"/>
+              </a:cxn>
+              <a:cxn ang="16200000">
+                <a:pos x="wd2" y="hd2"/>
+              </a:cxn>
+            </a:cxnLst>
+            <a:rect l="0" t="0" r="r" b="b"/>
+            <a:pathLst>
+              <a:path w="19679" h="20595" extrusionOk="0">
+                <a:moveTo>
+                  <a:pt x="9839" y="0"/>
+                </a:moveTo>
+                <a:cubicBezTo>
+                  <a:pt x="7321" y="0"/>
+                  <a:pt x="4802" y="1003"/>
+                  <a:pt x="2881" y="3014"/>
+                </a:cubicBezTo>
+                <a:cubicBezTo>
+                  <a:pt x="-961" y="7036"/>
+                  <a:pt x="-961" y="13556"/>
+                  <a:pt x="2881" y="17578"/>
+                </a:cubicBezTo>
+                <a:cubicBezTo>
+                  <a:pt x="6723" y="21600"/>
+                  <a:pt x="12955" y="21600"/>
+                  <a:pt x="16797" y="17578"/>
+                </a:cubicBezTo>
+                <a:cubicBezTo>
+                  <a:pt x="20639" y="13556"/>
+                  <a:pt x="20639" y="7036"/>
+                  <a:pt x="16797" y="3014"/>
+                </a:cubicBezTo>
+                <a:cubicBezTo>
+                  <a:pt x="14876" y="1003"/>
+                  <a:pt x="12357" y="0"/>
+                  <a:pt x="9839" y="0"/>
+                </a:cubicBezTo>
+                <a:close/>
+              </a:path>
+            </a:pathLst>
+          </a:custGeom>
+          <a:ln w="12700">
+            <a:miter lim="400000"/>
+          </a:ln>
+        </p:spPr>
+      </p:pic>
+      <p:sp>
+        <p:nvSpPr>
+          <p:cNvPr id="307" name="Responsibilities:…"/>
+          <p:cNvSpPr txBox="1"/>
+          <p:nvPr/>
+        </p:nvSpPr>
+        <p:spPr>
+          <a:xfrm>
+            <a:off x="3110838" y="6786598"/>
+            <a:ext cx="4408465" cy="921988"/>
+          </a:xfrm>
+          <a:prstGeom prst="rect">
+            <a:avLst/>
+          </a:prstGeom>
+          <a:ln w="12700">
+            <a:miter lim="400000"/>
+          </a:ln>
+          <a:extLst>
+            <a:ext uri="{C572A759-6A51-4108-AA02-DFA0A04FC94B}">
+              <ma14:wrappingTextBoxFlag xmlns:ma14="http://schemas.microsoft.com/office/mac/drawingml/2011/main" xmlns:a14="http://schemas.microsoft.com/office/drawing/2010/main" xmlns:m="http://schemas.openxmlformats.org/officeDocument/2006/math" xmlns="" val="1"/>
+            </a:ext>
+          </a:extLst>
+        </p:spPr>
+        <p:txBody>
+          <a:bodyPr lIns="0" tIns="0" rIns="0" bIns="0"/>
+          <a:lstStyle/>
+          <a:p>
+            <a:pPr algn="just" defTabSz="457200">
+              <a:lnSpc>
+                <a:spcPct val="130000"/>
+              </a:lnSpc>
+              <a:defRPr sz="900">
+                <a:solidFill>
+                  <a:srgbClr val="333333"/>
+                </a:solidFill>
+                <a:latin typeface="Helvetica Neue Light"/>
+                <a:ea typeface="Helvetica Neue Light"/>
+                <a:cs typeface="Helvetica Neue Light"/>
+                <a:sym typeface="Helvetica Neue Light"/>
+              </a:defRPr>
+            </a:pPr>
+            <a:r>
+              <a:rPr b="1">
+                <a:latin typeface="Helvetica Neue"/>
+                <a:ea typeface="Helvetica Neue"/>
+                <a:cs typeface="Helvetica Neue"/>
+                <a:sym typeface="Helvetica Neue"/>
+              </a:rPr>
+              <a:t>Responsibilities</a:t>
+            </a:r>
+            <a:r>
+              <a:t>:</a:t>
+            </a:r>
+          </a:p>
+          <a:p>
+            <a:pPr algn="just" defTabSz="457200">
+              <a:lnSpc>
+                <a:spcPct val="130000"/>
+              </a:lnSpc>
+              <a:defRPr sz="900">
+                <a:solidFill>
+                  <a:srgbClr val="333333"/>
+                </a:solidFill>
+                <a:latin typeface="Helvetica Neue Light"/>
+                <a:ea typeface="Helvetica Neue Light"/>
+                <a:cs typeface="Helvetica Neue Light"/>
+                <a:sym typeface="Helvetica Neue Light"/>
+              </a:defRPr>
+            </a:pPr>
+            <a:r>
+              <a:t>- Led a team of designers in the development of user-centric designs for various clients.</a:t>
+            </a:r>
+          </a:p>
+          <a:p>
+            <a:pPr algn="just" defTabSz="457200">
+              <a:lnSpc>
+                <a:spcPct val="130000"/>
+              </a:lnSpc>
+              <a:defRPr sz="900">
+                <a:solidFill>
+                  <a:srgbClr val="333333"/>
+                </a:solidFill>
+                <a:latin typeface="Helvetica Neue Light"/>
+                <a:ea typeface="Helvetica Neue Light"/>
+                <a:cs typeface="Helvetica Neue Light"/>
+                <a:sym typeface="Helvetica Neue Light"/>
+              </a:defRPr>
+            </a:pPr>
+            <a:r>
+              <a:t>- Collaborated with product managers to define user requirements and design solutions.</a:t>
+            </a:r>
+          </a:p>
+          <a:p>
+            <a:pPr algn="just" defTabSz="457200">
+              <a:lnSpc>
+                <a:spcPct val="130000"/>
+              </a:lnSpc>
+              <a:defRPr sz="900">
+                <a:solidFill>
+                  <a:srgbClr val="333333"/>
+                </a:solidFill>
+                <a:latin typeface="Helvetica Neue Light"/>
+                <a:ea typeface="Helvetica Neue Light"/>
+                <a:cs typeface="Helvetica Neue Light"/>
+                <a:sym typeface="Helvetica Neue Light"/>
+              </a:defRPr>
+            </a:pPr>
+            <a:r>
+              <a:t>- Enhanced user engagement by improving navigation and user flow.</a:t>
+            </a:r>
+          </a:p>
+        </p:txBody>
+      </p:sp>
+      <p:sp>
+        <p:nvSpPr>
+          <p:cNvPr id="308" name="Your Position Here"/>
+          <p:cNvSpPr txBox="1"/>
+          <p:nvPr/>
+        </p:nvSpPr>
+        <p:spPr>
+          <a:xfrm>
+            <a:off x="3105878" y="6304518"/>
+            <a:ext cx="2465645" cy="164368"/>
+          </a:xfrm>
+          <a:prstGeom prst="rect">
+            <a:avLst/>
+          </a:prstGeom>
+          <a:ln w="12700">
+            <a:miter lim="400000"/>
+          </a:ln>
+          <a:extLst>
+            <a:ext uri="{C572A759-6A51-4108-AA02-DFA0A04FC94B}">
+              <ma14:wrappingTextBoxFlag xmlns:ma14="http://schemas.microsoft.com/office/mac/drawingml/2011/main" xmlns:a14="http://schemas.microsoft.com/office/drawing/2010/main" xmlns:m="http://schemas.openxmlformats.org/officeDocument/2006/math" xmlns="" val="1"/>
+            </a:ext>
+          </a:extLst>
+        </p:spPr>
+        <p:txBody>
+          <a:bodyPr lIns="0" tIns="0" rIns="0" bIns="0"/>
+          <a:lstStyle>
+            <a:lvl1pPr defTabSz="457200">
+              <a:lnSpc>
+                <a:spcPct val="120000"/>
+              </a:lnSpc>
+              <a:defRPr sz="900" b="1" cap="all" spc="45">
+                <a:solidFill>
+                  <a:srgbClr val="1D3557"/>
+                </a:solidFill>
+                <a:latin typeface="Helvetica Neue"/>
+                <a:ea typeface="Helvetica Neue"/>
+                <a:cs typeface="Helvetica Neue"/>
+                <a:sym typeface="Helvetica Neue"/>
+              </a:defRPr>
+            </a:lvl1pPr>
+          </a:lstStyle>
+          <a:p>
+            <a:r>
+              <a:t>Your Position Here</a:t>
+            </a:r>
+          </a:p>
+        </p:txBody>
+      </p:sp>
+      <p:sp>
+        <p:nvSpPr>
+          <p:cNvPr id="309" name="Company Name | Location | Dates of Employment"/>
+          <p:cNvSpPr txBox="1"/>
+          <p:nvPr/>
+        </p:nvSpPr>
+        <p:spPr>
+          <a:xfrm>
+            <a:off x="3105878" y="6500740"/>
+            <a:ext cx="4370436" cy="217943"/>
+          </a:xfrm>
+          <a:prstGeom prst="rect">
+            <a:avLst/>
+          </a:prstGeom>
+          <a:ln w="12700">
+            <a:miter lim="400000"/>
+          </a:ln>
+          <a:extLst>
+            <a:ext uri="{C572A759-6A51-4108-AA02-DFA0A04FC94B}">
+              <ma14:wrappingTextBoxFlag xmlns:ma14="http://schemas.microsoft.com/office/mac/drawingml/2011/main" xmlns:a14="http://schemas.microsoft.com/office/drawing/2010/main" xmlns:m="http://schemas.openxmlformats.org/officeDocument/2006/math" xmlns="" val="1"/>
+            </a:ext>
+          </a:extLst>
+        </p:spPr>
+        <p:txBody>
+          <a:bodyPr lIns="0" tIns="0" rIns="0" bIns="0"/>
+          <a:lstStyle>
+            <a:lvl1pPr defTabSz="457200">
+              <a:lnSpc>
+                <a:spcPct val="120000"/>
+              </a:lnSpc>
+              <a:defRPr sz="900" cap="all">
+                <a:solidFill>
+                  <a:srgbClr val="333333"/>
+                </a:solidFill>
+                <a:latin typeface="Helvetica Neue"/>
+                <a:ea typeface="Helvetica Neue"/>
+                <a:cs typeface="Helvetica Neue"/>
+                <a:sym typeface="Helvetica Neue"/>
+              </a:defRPr>
+            </a:lvl1pPr>
+          </a:lstStyle>
+          <a:p>
+            <a:r>
+              <a:t>Company Name | Location | Dates of Employment</a:t>
+            </a:r>
+          </a:p>
+        </p:txBody>
+      </p:sp>
     </p:spTree>
   </p:cSld>
   <p:clrMapOvr>
